--- a/문서/자바/2024-03-06 java.pptx
+++ b/문서/자바/2024-03-06 java.pptx
@@ -5,30 +5,40 @@
     <p:sldMasterId id="2147483648" r:id="rId1"/>
   </p:sldMasterIdLst>
   <p:sldIdLst>
-    <p:sldId id="256" r:id="rId2"/>
-    <p:sldId id="257" r:id="rId3"/>
-    <p:sldId id="258" r:id="rId4"/>
-    <p:sldId id="259" r:id="rId5"/>
-    <p:sldId id="261" r:id="rId6"/>
-    <p:sldId id="262" r:id="rId7"/>
-    <p:sldId id="269" r:id="rId8"/>
-    <p:sldId id="271" r:id="rId9"/>
-    <p:sldId id="272" r:id="rId10"/>
-    <p:sldId id="274" r:id="rId11"/>
-    <p:sldId id="275" r:id="rId12"/>
-    <p:sldId id="276" r:id="rId13"/>
-    <p:sldId id="277" r:id="rId14"/>
-    <p:sldId id="279" r:id="rId15"/>
-    <p:sldId id="280" r:id="rId16"/>
-    <p:sldId id="281" r:id="rId17"/>
-    <p:sldId id="283" r:id="rId18"/>
-    <p:sldId id="284" r:id="rId19"/>
-    <p:sldId id="285" r:id="rId20"/>
-    <p:sldId id="264" r:id="rId21"/>
-    <p:sldId id="265" r:id="rId22"/>
+    <p:sldId id="292" r:id="rId2"/>
+    <p:sldId id="256" r:id="rId3"/>
+    <p:sldId id="257" r:id="rId4"/>
+    <p:sldId id="258" r:id="rId5"/>
+    <p:sldId id="259" r:id="rId6"/>
+    <p:sldId id="261" r:id="rId7"/>
+    <p:sldId id="262" r:id="rId8"/>
+    <p:sldId id="269" r:id="rId9"/>
+    <p:sldId id="271" r:id="rId10"/>
+    <p:sldId id="272" r:id="rId11"/>
+    <p:sldId id="274" r:id="rId12"/>
+    <p:sldId id="275" r:id="rId13"/>
+    <p:sldId id="276" r:id="rId14"/>
+    <p:sldId id="277" r:id="rId15"/>
+    <p:sldId id="279" r:id="rId16"/>
+    <p:sldId id="280" r:id="rId17"/>
+    <p:sldId id="281" r:id="rId18"/>
+    <p:sldId id="283" r:id="rId19"/>
+    <p:sldId id="284" r:id="rId20"/>
+    <p:sldId id="288" r:id="rId21"/>
+    <p:sldId id="285" r:id="rId22"/>
     <p:sldId id="266" r:id="rId23"/>
-    <p:sldId id="267" r:id="rId24"/>
-    <p:sldId id="268" r:id="rId25"/>
+    <p:sldId id="293" r:id="rId24"/>
+    <p:sldId id="289" r:id="rId25"/>
+    <p:sldId id="296" r:id="rId26"/>
+    <p:sldId id="286" r:id="rId27"/>
+    <p:sldId id="287" r:id="rId28"/>
+    <p:sldId id="290" r:id="rId29"/>
+    <p:sldId id="294" r:id="rId30"/>
+    <p:sldId id="295" r:id="rId31"/>
+    <p:sldId id="264" r:id="rId32"/>
+    <p:sldId id="265" r:id="rId33"/>
+    <p:sldId id="267" r:id="rId34"/>
+    <p:sldId id="268" r:id="rId35"/>
   </p:sldIdLst>
   <p:sldSz cx="12192000" cy="6858000"/>
   <p:notesSz cx="6858000" cy="9144000"/>
@@ -282,7 +292,7 @@
           <a:p>
             <a:fld id="{131B3F80-8B8C-4546-8B8E-F8D2663FA2A9}" type="datetimeFigureOut">
               <a:rPr lang="ko-KR" altLang="en-US" smtClean="0"/>
-              <a:t>2024-03-12</a:t>
+              <a:t>2024-03-20</a:t>
             </a:fld>
             <a:endParaRPr lang="ko-KR" altLang="en-US"/>
           </a:p>
@@ -480,7 +490,7 @@
           <a:p>
             <a:fld id="{131B3F80-8B8C-4546-8B8E-F8D2663FA2A9}" type="datetimeFigureOut">
               <a:rPr lang="ko-KR" altLang="en-US" smtClean="0"/>
-              <a:t>2024-03-12</a:t>
+              <a:t>2024-03-20</a:t>
             </a:fld>
             <a:endParaRPr lang="ko-KR" altLang="en-US"/>
           </a:p>
@@ -688,7 +698,7 @@
           <a:p>
             <a:fld id="{131B3F80-8B8C-4546-8B8E-F8D2663FA2A9}" type="datetimeFigureOut">
               <a:rPr lang="ko-KR" altLang="en-US" smtClean="0"/>
-              <a:t>2024-03-12</a:t>
+              <a:t>2024-03-20</a:t>
             </a:fld>
             <a:endParaRPr lang="ko-KR" altLang="en-US"/>
           </a:p>
@@ -886,7 +896,7 @@
           <a:p>
             <a:fld id="{131B3F80-8B8C-4546-8B8E-F8D2663FA2A9}" type="datetimeFigureOut">
               <a:rPr lang="ko-KR" altLang="en-US" smtClean="0"/>
-              <a:t>2024-03-12</a:t>
+              <a:t>2024-03-20</a:t>
             </a:fld>
             <a:endParaRPr lang="ko-KR" altLang="en-US"/>
           </a:p>
@@ -1161,7 +1171,7 @@
           <a:p>
             <a:fld id="{131B3F80-8B8C-4546-8B8E-F8D2663FA2A9}" type="datetimeFigureOut">
               <a:rPr lang="ko-KR" altLang="en-US" smtClean="0"/>
-              <a:t>2024-03-12</a:t>
+              <a:t>2024-03-20</a:t>
             </a:fld>
             <a:endParaRPr lang="ko-KR" altLang="en-US"/>
           </a:p>
@@ -1426,7 +1436,7 @@
           <a:p>
             <a:fld id="{131B3F80-8B8C-4546-8B8E-F8D2663FA2A9}" type="datetimeFigureOut">
               <a:rPr lang="ko-KR" altLang="en-US" smtClean="0"/>
-              <a:t>2024-03-12</a:t>
+              <a:t>2024-03-20</a:t>
             </a:fld>
             <a:endParaRPr lang="ko-KR" altLang="en-US"/>
           </a:p>
@@ -1838,7 +1848,7 @@
           <a:p>
             <a:fld id="{131B3F80-8B8C-4546-8B8E-F8D2663FA2A9}" type="datetimeFigureOut">
               <a:rPr lang="ko-KR" altLang="en-US" smtClean="0"/>
-              <a:t>2024-03-12</a:t>
+              <a:t>2024-03-20</a:t>
             </a:fld>
             <a:endParaRPr lang="ko-KR" altLang="en-US"/>
           </a:p>
@@ -1979,7 +1989,7 @@
           <a:p>
             <a:fld id="{131B3F80-8B8C-4546-8B8E-F8D2663FA2A9}" type="datetimeFigureOut">
               <a:rPr lang="ko-KR" altLang="en-US" smtClean="0"/>
-              <a:t>2024-03-12</a:t>
+              <a:t>2024-03-20</a:t>
             </a:fld>
             <a:endParaRPr lang="ko-KR" altLang="en-US"/>
           </a:p>
@@ -2092,7 +2102,7 @@
           <a:p>
             <a:fld id="{131B3F80-8B8C-4546-8B8E-F8D2663FA2A9}" type="datetimeFigureOut">
               <a:rPr lang="ko-KR" altLang="en-US" smtClean="0"/>
-              <a:t>2024-03-12</a:t>
+              <a:t>2024-03-20</a:t>
             </a:fld>
             <a:endParaRPr lang="ko-KR" altLang="en-US"/>
           </a:p>
@@ -2403,7 +2413,7 @@
           <a:p>
             <a:fld id="{131B3F80-8B8C-4546-8B8E-F8D2663FA2A9}" type="datetimeFigureOut">
               <a:rPr lang="ko-KR" altLang="en-US" smtClean="0"/>
-              <a:t>2024-03-12</a:t>
+              <a:t>2024-03-20</a:t>
             </a:fld>
             <a:endParaRPr lang="ko-KR" altLang="en-US"/>
           </a:p>
@@ -2691,7 +2701,7 @@
           <a:p>
             <a:fld id="{131B3F80-8B8C-4546-8B8E-F8D2663FA2A9}" type="datetimeFigureOut">
               <a:rPr lang="ko-KR" altLang="en-US" smtClean="0"/>
-              <a:t>2024-03-12</a:t>
+              <a:t>2024-03-20</a:t>
             </a:fld>
             <a:endParaRPr lang="ko-KR" altLang="en-US"/>
           </a:p>
@@ -2932,7 +2942,7 @@
           <a:p>
             <a:fld id="{131B3F80-8B8C-4546-8B8E-F8D2663FA2A9}" type="datetimeFigureOut">
               <a:rPr lang="ko-KR" altLang="en-US" smtClean="0"/>
-              <a:t>2024-03-12</a:t>
+              <a:t>2024-03-20</a:t>
             </a:fld>
             <a:endParaRPr lang="ko-KR" altLang="en-US"/>
           </a:p>
@@ -3351,6 +3361,73 @@
       </p:grpSpPr>
       <p:sp>
         <p:nvSpPr>
+          <p:cNvPr id="2" name="제목 1">
+            <a:extLst>
+              <a:ext uri="{FF2B5EF4-FFF2-40B4-BE49-F238E27FC236}">
+                <a16:creationId xmlns:a16="http://schemas.microsoft.com/office/drawing/2014/main" id="{5879B1F6-C5D2-44C9-8D1A-EC8AD4F31C08}"/>
+              </a:ext>
+            </a:extLst>
+          </p:cNvPr>
+          <p:cNvSpPr>
+            <a:spLocks noGrp="1"/>
+          </p:cNvSpPr>
+          <p:nvPr>
+            <p:ph type="ctrTitle"/>
+          </p:nvPr>
+        </p:nvSpPr>
+        <p:spPr/>
+        <p:txBody>
+          <a:bodyPr/>
+          <a:lstStyle/>
+          <a:p>
+            <a:r>
+              <a:rPr lang="ko-KR" altLang="en-US" dirty="0" err="1"/>
+              <a:t>서블릿</a:t>
+            </a:r>
+            <a:r>
+              <a:rPr lang="ko-KR" altLang="en-US" dirty="0"/>
+              <a:t> </a:t>
+            </a:r>
+            <a:r>
+              <a:rPr lang="en-US" altLang="ko-KR" dirty="0"/>
+              <a:t>&amp; JSP</a:t>
+            </a:r>
+            <a:endParaRPr lang="ko-KR" altLang="en-US" dirty="0"/>
+          </a:p>
+        </p:txBody>
+      </p:sp>
+    </p:spTree>
+    <p:extLst>
+      <p:ext uri="{BB962C8B-B14F-4D97-AF65-F5344CB8AC3E}">
+        <p14:creationId xmlns:p14="http://schemas.microsoft.com/office/powerpoint/2010/main" val="3084336530"/>
+      </p:ext>
+    </p:extLst>
+  </p:cSld>
+  <p:clrMapOvr>
+    <a:masterClrMapping/>
+  </p:clrMapOvr>
+</p:sld>
+</file>
+
+<file path=ppt/slides/slide10.xml><?xml version="1.0" encoding="utf-8"?>
+<p:sld xmlns:a="http://schemas.openxmlformats.org/drawingml/2006/main" xmlns:r="http://schemas.openxmlformats.org/officeDocument/2006/relationships" xmlns:p="http://schemas.openxmlformats.org/presentationml/2006/main">
+  <p:cSld>
+    <p:spTree>
+      <p:nvGrpSpPr>
+        <p:cNvPr id="1" name=""/>
+        <p:cNvGrpSpPr/>
+        <p:nvPr/>
+      </p:nvGrpSpPr>
+      <p:grpSpPr>
+        <a:xfrm>
+          <a:off x="0" y="0"/>
+          <a:ext cx="0" cy="0"/>
+          <a:chOff x="0" y="0"/>
+          <a:chExt cx="0" cy="0"/>
+        </a:xfrm>
+      </p:grpSpPr>
+      <p:sp>
+        <p:nvSpPr>
           <p:cNvPr id="6" name="TextBox 5">
             <a:extLst>
               <a:ext uri="{FF2B5EF4-FFF2-40B4-BE49-F238E27FC236}">
@@ -3379,188 +3456,704 @@
           <a:p>
             <a:r>
               <a:rPr lang="en-US" altLang="ko-KR" sz="2800" dirty="0"/>
-              <a:t>1. </a:t>
+              <a:t>4-2 Request </a:t>
             </a:r>
             <a:r>
               <a:rPr lang="ko-KR" altLang="en-US" sz="2800" dirty="0"/>
-              <a:t>요청과 응답</a:t>
+              <a:t>내장 객체</a:t>
             </a:r>
           </a:p>
         </p:txBody>
       </p:sp>
-      <p:sp>
-        <p:nvSpPr>
-          <p:cNvPr id="7" name="TextBox 6">
+      <p:graphicFrame>
+        <p:nvGraphicFramePr>
+          <p:cNvPr id="4" name="표 2">
             <a:extLst>
               <a:ext uri="{FF2B5EF4-FFF2-40B4-BE49-F238E27FC236}">
-                <a16:creationId xmlns:a16="http://schemas.microsoft.com/office/drawing/2014/main" id="{6E4D0DA5-EEB5-43F2-BCAC-A75F86B6D7D0}"/>
+                <a16:creationId xmlns:a16="http://schemas.microsoft.com/office/drawing/2014/main" id="{CA292104-24D9-4C88-96A0-0E53F13EDA05}"/>
               </a:ext>
             </a:extLst>
           </p:cNvPr>
-          <p:cNvSpPr txBox="1"/>
-          <p:nvPr/>
-        </p:nvSpPr>
-        <p:spPr>
-          <a:xfrm>
-            <a:off x="1104900" y="1358900"/>
-            <a:ext cx="9842500" cy="2308324"/>
-          </a:xfrm>
-          <a:prstGeom prst="rect">
-            <a:avLst/>
-          </a:prstGeom>
-          <a:noFill/>
-        </p:spPr>
-        <p:txBody>
-          <a:bodyPr wrap="square" rtlCol="0">
-            <a:spAutoFit/>
-          </a:bodyPr>
-          <a:lstStyle/>
-          <a:p>
-            <a:pPr marL="342900" indent="-342900">
-              <a:buAutoNum type="arabicPeriod"/>
-            </a:pPr>
-            <a:r>
-              <a:rPr lang="ko-KR" altLang="en-US" dirty="0"/>
-              <a:t>요청 방식 </a:t>
-            </a:r>
-            <a:r>
-              <a:rPr lang="en-US" altLang="ko-KR" dirty="0"/>
-              <a:t>2</a:t>
-            </a:r>
-            <a:r>
-              <a:rPr lang="ko-KR" altLang="en-US" dirty="0"/>
-              <a:t>가지 </a:t>
-            </a:r>
-            <a:r>
-              <a:rPr lang="en-US" altLang="ko-KR" dirty="0"/>
-              <a:t>: POST.GET</a:t>
-            </a:r>
-            <a:br>
-              <a:rPr lang="en-US" altLang="ko-KR" dirty="0"/>
-            </a:br>
-            <a:r>
-              <a:rPr lang="en-US" altLang="ko-KR" dirty="0"/>
-              <a:t>FORM</a:t>
-            </a:r>
-            <a:r>
-              <a:rPr lang="ko-KR" altLang="en-US" dirty="0"/>
-              <a:t> </a:t>
-            </a:r>
-            <a:r>
-              <a:rPr lang="en-US" altLang="ko-KR" dirty="0"/>
-              <a:t>name=“</a:t>
-            </a:r>
-            <a:r>
-              <a:rPr lang="ko-KR" altLang="en-US" dirty="0"/>
-              <a:t>이름</a:t>
-            </a:r>
-            <a:r>
-              <a:rPr lang="en-US" altLang="ko-KR" dirty="0"/>
-              <a:t>” action =“</a:t>
-            </a:r>
-            <a:r>
-              <a:rPr lang="ko-KR" altLang="en-US" dirty="0"/>
-              <a:t>요청대상</a:t>
-            </a:r>
-            <a:r>
-              <a:rPr lang="en-US" altLang="ko-KR" dirty="0"/>
-              <a:t>” method = “</a:t>
-            </a:r>
-            <a:r>
-              <a:rPr lang="ko-KR" altLang="en-US" dirty="0"/>
-              <a:t>요청방식</a:t>
-            </a:r>
-            <a:r>
-              <a:rPr lang="en-US" altLang="ko-KR" dirty="0"/>
-              <a:t>“</a:t>
-            </a:r>
-            <a:br>
-              <a:rPr lang="en-US" altLang="ko-KR" dirty="0"/>
-            </a:br>
-            <a:r>
-              <a:rPr lang="en-US" altLang="ko-KR" dirty="0"/>
-              <a:t>“</a:t>
-            </a:r>
-            <a:r>
-              <a:rPr lang="en-US" altLang="ko-KR" dirty="0" err="1"/>
-              <a:t>enctype</a:t>
-            </a:r>
-            <a:r>
-              <a:rPr lang="en-US" altLang="ko-KR" dirty="0"/>
-              <a:t>=“</a:t>
-            </a:r>
-            <a:r>
-              <a:rPr lang="ko-KR" altLang="en-US" dirty="0" err="1"/>
-              <a:t>인코딩방식</a:t>
-            </a:r>
-            <a:r>
-              <a:rPr lang="en-US" altLang="ko-KR" dirty="0"/>
-              <a:t>”(</a:t>
-            </a:r>
-            <a:r>
-              <a:rPr lang="ko-KR" altLang="en-US" dirty="0"/>
-              <a:t>기본값이라 생략가능</a:t>
-            </a:r>
-            <a:r>
-              <a:rPr lang="en-US" altLang="ko-KR" dirty="0"/>
-              <a:t>)</a:t>
-            </a:r>
-          </a:p>
-          <a:p>
-            <a:pPr marL="342900" indent="-342900">
-              <a:buAutoNum type="arabicPeriod"/>
-            </a:pPr>
-            <a:r>
-              <a:rPr lang="en-US" altLang="ko-KR" dirty="0"/>
-              <a:t>/form</a:t>
-            </a:r>
-            <a:br>
-              <a:rPr lang="en-US" altLang="ko-KR" dirty="0"/>
-            </a:br>
-            <a:br>
-              <a:rPr lang="en-US" altLang="ko-KR" dirty="0"/>
-            </a:br>
-            <a:r>
-              <a:rPr lang="en-US" altLang="ko-KR" dirty="0" err="1"/>
-              <a:t>enctype</a:t>
-            </a:r>
-            <a:r>
-              <a:rPr lang="ko-KR" altLang="en-US" dirty="0"/>
-              <a:t>속성</a:t>
-            </a:r>
-            <a:br>
-              <a:rPr lang="en-US" altLang="ko-KR" dirty="0"/>
-            </a:br>
-            <a:r>
-              <a:rPr lang="en-US" altLang="ko-KR" dirty="0"/>
-              <a:t>application/x-www-form-</a:t>
-            </a:r>
-            <a:r>
-              <a:rPr lang="en-US" altLang="ko-KR" dirty="0" err="1"/>
-              <a:t>urlencoded</a:t>
-            </a:r>
-            <a:r>
-              <a:rPr lang="en-US" altLang="ko-KR" dirty="0"/>
-              <a:t> –</a:t>
-            </a:r>
-            <a:r>
-              <a:rPr lang="ko-KR" altLang="en-US" dirty="0"/>
-              <a:t>기본값</a:t>
-            </a:r>
-            <a:br>
-              <a:rPr lang="en-US" altLang="ko-KR" dirty="0"/>
-            </a:br>
-            <a:r>
-              <a:rPr lang="en-US" altLang="ko-KR" dirty="0"/>
-              <a:t>multipart/from</a:t>
-            </a:r>
-          </a:p>
-        </p:txBody>
-      </p:sp>
+          <p:cNvGraphicFramePr>
+            <a:graphicFrameLocks noGrp="1"/>
+          </p:cNvGraphicFramePr>
+          <p:nvPr>
+            <p:extLst>
+              <p:ext uri="{D42A27DB-BD31-4B8C-83A1-F6EECF244321}">
+                <p14:modId xmlns:p14="http://schemas.microsoft.com/office/powerpoint/2010/main" val="1512207155"/>
+              </p:ext>
+            </p:extLst>
+          </p:nvPr>
+        </p:nvGraphicFramePr>
+        <p:xfrm>
+          <a:off x="695471" y="1120460"/>
+          <a:ext cx="10251929" cy="3147869"/>
+        </p:xfrm>
+        <a:graphic>
+          <a:graphicData uri="http://schemas.openxmlformats.org/drawingml/2006/table">
+            <a:tbl>
+              <a:tblPr firstRow="1" bandRow="1">
+                <a:tableStyleId>{5C22544A-7EE6-4342-B048-85BDC9FD1C3A}</a:tableStyleId>
+              </a:tblPr>
+              <a:tblGrid>
+                <a:gridCol w="1435333">
+                  <a:extLst>
+                    <a:ext uri="{9D8B030D-6E8A-4147-A177-3AD203B41FA5}">
+                      <a16:colId xmlns:a16="http://schemas.microsoft.com/office/drawing/2014/main" val="3044094259"/>
+                    </a:ext>
+                  </a:extLst>
+                </a:gridCol>
+                <a:gridCol w="3305262">
+                  <a:extLst>
+                    <a:ext uri="{9D8B030D-6E8A-4147-A177-3AD203B41FA5}">
+                      <a16:colId xmlns:a16="http://schemas.microsoft.com/office/drawing/2014/main" val="1382224087"/>
+                    </a:ext>
+                  </a:extLst>
+                </a:gridCol>
+                <a:gridCol w="1568741">
+                  <a:extLst>
+                    <a:ext uri="{9D8B030D-6E8A-4147-A177-3AD203B41FA5}">
+                      <a16:colId xmlns:a16="http://schemas.microsoft.com/office/drawing/2014/main" val="914618852"/>
+                    </a:ext>
+                  </a:extLst>
+                </a:gridCol>
+                <a:gridCol w="3942593">
+                  <a:extLst>
+                    <a:ext uri="{9D8B030D-6E8A-4147-A177-3AD203B41FA5}">
+                      <a16:colId xmlns:a16="http://schemas.microsoft.com/office/drawing/2014/main" val="107498926"/>
+                    </a:ext>
+                  </a:extLst>
+                </a:gridCol>
+              </a:tblGrid>
+              <a:tr h="245644">
+                <a:tc>
+                  <a:txBody>
+                    <a:bodyPr/>
+                    <a:lstStyle/>
+                    <a:p>
+                      <a:pPr algn="ctr" latinLnBrk="1"/>
+                      <a:r>
+                        <a:rPr lang="ko-KR" altLang="en-US" dirty="0"/>
+                        <a:t>구분</a:t>
+                      </a:r>
+                    </a:p>
+                  </a:txBody>
+                  <a:tcPr/>
+                </a:tc>
+                <a:tc>
+                  <a:txBody>
+                    <a:bodyPr/>
+                    <a:lstStyle/>
+                    <a:p>
+                      <a:pPr algn="ctr" latinLnBrk="1"/>
+                      <a:r>
+                        <a:rPr lang="ko-KR" altLang="en-US" dirty="0"/>
+                        <a:t>메서드</a:t>
+                      </a:r>
+                    </a:p>
+                  </a:txBody>
+                  <a:tcPr/>
+                </a:tc>
+                <a:tc>
+                  <a:txBody>
+                    <a:bodyPr/>
+                    <a:lstStyle/>
+                    <a:p>
+                      <a:pPr algn="ctr" latinLnBrk="1"/>
+                      <a:r>
+                        <a:rPr lang="ko-KR" altLang="en-US" dirty="0"/>
+                        <a:t>반환타입</a:t>
+                      </a:r>
+                    </a:p>
+                  </a:txBody>
+                  <a:tcPr/>
+                </a:tc>
+                <a:tc>
+                  <a:txBody>
+                    <a:bodyPr/>
+                    <a:lstStyle/>
+                    <a:p>
+                      <a:pPr algn="ctr" latinLnBrk="1"/>
+                      <a:r>
+                        <a:rPr lang="ko-KR" altLang="en-US" dirty="0"/>
+                        <a:t>기능</a:t>
+                      </a:r>
+                    </a:p>
+                  </a:txBody>
+                  <a:tcPr/>
+                </a:tc>
+                <a:extLst>
+                  <a:ext uri="{0D108BD9-81ED-4DB2-BD59-A6C34878D82A}">
+                    <a16:rowId xmlns:a16="http://schemas.microsoft.com/office/drawing/2014/main" val="1229860490"/>
+                  </a:ext>
+                </a:extLst>
+              </a:tr>
+              <a:tr h="204703">
+                <a:tc rowSpan="5">
+                  <a:txBody>
+                    <a:bodyPr/>
+                    <a:lstStyle/>
+                    <a:p>
+                      <a:pPr algn="ctr" latinLnBrk="1"/>
+                      <a:r>
+                        <a:rPr lang="en-US" altLang="ko-KR" sz="1400" dirty="0"/>
+                        <a:t>URL</a:t>
+                      </a:r>
+                      <a:endParaRPr lang="ko-KR" altLang="en-US" sz="1400" dirty="0"/>
+                    </a:p>
+                  </a:txBody>
+                  <a:tcPr/>
+                </a:tc>
+                <a:tc>
+                  <a:txBody>
+                    <a:bodyPr/>
+                    <a:lstStyle/>
+                    <a:p>
+                      <a:pPr algn="ctr" latinLnBrk="1"/>
+                      <a:r>
+                        <a:rPr lang="en-US" altLang="ko-KR" sz="1400" dirty="0" err="1"/>
+                        <a:t>getRequestURL</a:t>
+                      </a:r>
+                      <a:r>
+                        <a:rPr lang="en-US" altLang="ko-KR" sz="1400" dirty="0"/>
+                        <a:t>()</a:t>
+                      </a:r>
+                      <a:endParaRPr lang="ko-KR" altLang="en-US" sz="1400" dirty="0"/>
+                    </a:p>
+                  </a:txBody>
+                  <a:tcPr/>
+                </a:tc>
+                <a:tc rowSpan="7">
+                  <a:txBody>
+                    <a:bodyPr/>
+                    <a:lstStyle/>
+                    <a:p>
+                      <a:pPr algn="ctr" latinLnBrk="1"/>
+                      <a:r>
+                        <a:rPr lang="en-US" altLang="ko-KR" sz="1400" dirty="0"/>
+                        <a:t>String</a:t>
+                      </a:r>
+                      <a:endParaRPr lang="ko-KR" altLang="en-US" sz="1400" dirty="0"/>
+                    </a:p>
+                  </a:txBody>
+                  <a:tcPr/>
+                </a:tc>
+                <a:tc>
+                  <a:txBody>
+                    <a:bodyPr/>
+                    <a:lstStyle/>
+                    <a:p>
+                      <a:pPr algn="l" latinLnBrk="1"/>
+                      <a:r>
+                        <a:rPr lang="ko-KR" altLang="en-US" sz="1400" dirty="0"/>
+                        <a:t>요청</a:t>
+                      </a:r>
+                      <a:r>
+                        <a:rPr lang="en-US" altLang="ko-KR" sz="1400" dirty="0"/>
+                        <a:t>URL </a:t>
+                      </a:r>
+                      <a:r>
+                        <a:rPr lang="ko-KR" altLang="en-US" sz="1400" dirty="0"/>
+                        <a:t>호스트이름 다음 문자열</a:t>
+                      </a:r>
+                    </a:p>
+                  </a:txBody>
+                  <a:tcPr/>
+                </a:tc>
+                <a:extLst>
+                  <a:ext uri="{0D108BD9-81ED-4DB2-BD59-A6C34878D82A}">
+                    <a16:rowId xmlns:a16="http://schemas.microsoft.com/office/drawing/2014/main" val="3487310720"/>
+                  </a:ext>
+                </a:extLst>
+              </a:tr>
+              <a:tr h="347996">
+                <a:tc vMerge="1">
+                  <a:txBody>
+                    <a:bodyPr/>
+                    <a:lstStyle/>
+                    <a:p>
+                      <a:pPr algn="ctr" latinLnBrk="1"/>
+                      <a:endParaRPr lang="ko-KR" altLang="en-US" sz="1400" dirty="0"/>
+                    </a:p>
+                  </a:txBody>
+                  <a:tcPr/>
+                </a:tc>
+                <a:tc>
+                  <a:txBody>
+                    <a:bodyPr/>
+                    <a:lstStyle/>
+                    <a:p>
+                      <a:pPr algn="ctr" latinLnBrk="1"/>
+                      <a:r>
+                        <a:rPr lang="en-US" altLang="ko-KR" sz="1400" dirty="0" err="1"/>
+                        <a:t>getRequestURL</a:t>
+                      </a:r>
+                      <a:r>
+                        <a:rPr lang="en-US" altLang="ko-KR" sz="1400" dirty="0"/>
+                        <a:t>()</a:t>
+                      </a:r>
+                      <a:endParaRPr lang="ko-KR" altLang="en-US" sz="1400" dirty="0"/>
+                    </a:p>
+                  </a:txBody>
+                  <a:tcPr/>
+                </a:tc>
+                <a:tc vMerge="1">
+                  <a:txBody>
+                    <a:bodyPr/>
+                    <a:lstStyle/>
+                    <a:p>
+                      <a:pPr algn="ctr" latinLnBrk="1"/>
+                      <a:endParaRPr lang="ko-KR" altLang="en-US" sz="1400" dirty="0"/>
+                    </a:p>
+                  </a:txBody>
+                  <a:tcPr/>
+                </a:tc>
+                <a:tc>
+                  <a:txBody>
+                    <a:bodyPr/>
+                    <a:lstStyle/>
+                    <a:p>
+                      <a:pPr algn="l" latinLnBrk="1"/>
+                      <a:r>
+                        <a:rPr lang="ko-KR" altLang="en-US" sz="1400" dirty="0"/>
+                        <a:t>전체 </a:t>
+                      </a:r>
+                      <a:r>
+                        <a:rPr lang="en-US" altLang="ko-KR" sz="1400" dirty="0"/>
+                        <a:t>URL</a:t>
+                      </a:r>
+                      <a:endParaRPr lang="ko-KR" altLang="en-US" sz="1400" dirty="0"/>
+                    </a:p>
+                  </a:txBody>
+                  <a:tcPr/>
+                </a:tc>
+                <a:extLst>
+                  <a:ext uri="{0D108BD9-81ED-4DB2-BD59-A6C34878D82A}">
+                    <a16:rowId xmlns:a16="http://schemas.microsoft.com/office/drawing/2014/main" val="139516813"/>
+                  </a:ext>
+                </a:extLst>
+              </a:tr>
+              <a:tr h="204703">
+                <a:tc vMerge="1">
+                  <a:txBody>
+                    <a:bodyPr/>
+                    <a:lstStyle/>
+                    <a:p>
+                      <a:pPr algn="ctr" latinLnBrk="1"/>
+                      <a:endParaRPr lang="ko-KR" altLang="en-US" sz="1400" dirty="0"/>
+                    </a:p>
+                  </a:txBody>
+                  <a:tcPr/>
+                </a:tc>
+                <a:tc>
+                  <a:txBody>
+                    <a:bodyPr/>
+                    <a:lstStyle/>
+                    <a:p>
+                      <a:pPr algn="ctr" latinLnBrk="1"/>
+                      <a:r>
+                        <a:rPr lang="en-US" altLang="ko-KR" sz="1400" dirty="0" err="1"/>
+                        <a:t>getQueryString</a:t>
+                      </a:r>
+                      <a:r>
+                        <a:rPr lang="en-US" altLang="ko-KR" sz="1400" dirty="0"/>
+                        <a:t>()</a:t>
+                      </a:r>
+                      <a:endParaRPr lang="ko-KR" altLang="en-US" sz="1400" dirty="0"/>
+                    </a:p>
+                  </a:txBody>
+                  <a:tcPr/>
+                </a:tc>
+                <a:tc vMerge="1">
+                  <a:txBody>
+                    <a:bodyPr/>
+                    <a:lstStyle/>
+                    <a:p>
+                      <a:pPr algn="ctr" latinLnBrk="1"/>
+                      <a:endParaRPr lang="ko-KR" altLang="en-US" sz="1400" dirty="0"/>
+                    </a:p>
+                  </a:txBody>
+                  <a:tcPr/>
+                </a:tc>
+                <a:tc>
+                  <a:txBody>
+                    <a:bodyPr/>
+                    <a:lstStyle/>
+                    <a:p>
+                      <a:pPr algn="l" latinLnBrk="1"/>
+                      <a:r>
+                        <a:rPr lang="ko-KR" altLang="en-US" sz="1400" dirty="0" err="1"/>
+                        <a:t>쿼리스트림만</a:t>
+                      </a:r>
+                      <a:r>
+                        <a:rPr lang="ko-KR" altLang="en-US" sz="1400" dirty="0"/>
+                        <a:t> 반환</a:t>
+                      </a:r>
+                    </a:p>
+                  </a:txBody>
+                  <a:tcPr/>
+                </a:tc>
+                <a:extLst>
+                  <a:ext uri="{0D108BD9-81ED-4DB2-BD59-A6C34878D82A}">
+                    <a16:rowId xmlns:a16="http://schemas.microsoft.com/office/drawing/2014/main" val="3213920236"/>
+                  </a:ext>
+                </a:extLst>
+              </a:tr>
+              <a:tr h="152400">
+                <a:tc vMerge="1">
+                  <a:txBody>
+                    <a:bodyPr/>
+                    <a:lstStyle/>
+                    <a:p>
+                      <a:pPr algn="ctr" latinLnBrk="1"/>
+                      <a:endParaRPr lang="ko-KR" altLang="en-US" sz="1400" dirty="0"/>
+                    </a:p>
+                  </a:txBody>
+                  <a:tcPr/>
+                </a:tc>
+                <a:tc>
+                  <a:txBody>
+                    <a:bodyPr/>
+                    <a:lstStyle/>
+                    <a:p>
+                      <a:pPr algn="ctr" latinLnBrk="1"/>
+                      <a:r>
+                        <a:rPr lang="en-US" altLang="ko-KR" sz="1400" dirty="0" err="1"/>
+                        <a:t>getContextPath</a:t>
+                      </a:r>
+                      <a:r>
+                        <a:rPr lang="en-US" altLang="ko-KR" sz="1400" dirty="0"/>
+                        <a:t>()</a:t>
+                      </a:r>
+                      <a:endParaRPr lang="ko-KR" altLang="en-US" sz="1400" dirty="0"/>
+                    </a:p>
+                  </a:txBody>
+                  <a:tcPr/>
+                </a:tc>
+                <a:tc vMerge="1">
+                  <a:txBody>
+                    <a:bodyPr/>
+                    <a:lstStyle/>
+                    <a:p>
+                      <a:pPr algn="ctr" latinLnBrk="1"/>
+                      <a:endParaRPr lang="ko-KR" altLang="en-US" sz="1400" dirty="0"/>
+                    </a:p>
+                  </a:txBody>
+                  <a:tcPr/>
+                </a:tc>
+                <a:tc>
+                  <a:txBody>
+                    <a:bodyPr/>
+                    <a:lstStyle/>
+                    <a:p>
+                      <a:pPr algn="l" latinLnBrk="1"/>
+                      <a:r>
+                        <a:rPr lang="ko-KR" altLang="en-US" sz="1400" dirty="0"/>
+                        <a:t>애플리케이션 경로</a:t>
+                      </a:r>
+                    </a:p>
+                  </a:txBody>
+                  <a:tcPr/>
+                </a:tc>
+                <a:extLst>
+                  <a:ext uri="{0D108BD9-81ED-4DB2-BD59-A6C34878D82A}">
+                    <a16:rowId xmlns:a16="http://schemas.microsoft.com/office/drawing/2014/main" val="2197171852"/>
+                  </a:ext>
+                </a:extLst>
+              </a:tr>
+              <a:tr h="152400">
+                <a:tc vMerge="1">
+                  <a:txBody>
+                    <a:bodyPr/>
+                    <a:lstStyle/>
+                    <a:p>
+                      <a:pPr latinLnBrk="1"/>
+                      <a:endParaRPr lang="ko-KR" altLang="en-US"/>
+                    </a:p>
+                  </a:txBody>
+                  <a:tcPr/>
+                </a:tc>
+                <a:tc>
+                  <a:txBody>
+                    <a:bodyPr/>
+                    <a:lstStyle/>
+                    <a:p>
+                      <a:pPr marL="0" marR="0" lvl="0" indent="0" algn="ctr" defTabSz="914400" rtl="0" eaLnBrk="1" fontAlgn="auto" latinLnBrk="1" hangingPunct="1">
+                        <a:lnSpc>
+                          <a:spcPct val="100000"/>
+                        </a:lnSpc>
+                        <a:spcBef>
+                          <a:spcPts val="0"/>
+                        </a:spcBef>
+                        <a:spcAft>
+                          <a:spcPts val="0"/>
+                        </a:spcAft>
+                        <a:buClrTx/>
+                        <a:buSzTx/>
+                        <a:buFontTx/>
+                        <a:buNone/>
+                        <a:tabLst/>
+                        <a:defRPr/>
+                      </a:pPr>
+                      <a:r>
+                        <a:rPr lang="en-US" altLang="ko-KR" sz="1400" dirty="0" err="1"/>
+                        <a:t>getServletPath</a:t>
+                      </a:r>
+                      <a:r>
+                        <a:rPr lang="en-US" altLang="ko-KR" sz="1400" dirty="0"/>
+                        <a:t>()</a:t>
+                      </a:r>
+                      <a:endParaRPr lang="ko-KR" altLang="en-US" sz="1400" dirty="0"/>
+                    </a:p>
+                    <a:p>
+                      <a:pPr algn="ctr" latinLnBrk="1"/>
+                      <a:endParaRPr lang="ko-KR" altLang="en-US" sz="1400" dirty="0"/>
+                    </a:p>
+                  </a:txBody>
+                  <a:tcPr/>
+                </a:tc>
+                <a:tc vMerge="1">
+                  <a:txBody>
+                    <a:bodyPr/>
+                    <a:lstStyle/>
+                    <a:p>
+                      <a:pPr algn="ctr" latinLnBrk="1"/>
+                      <a:endParaRPr lang="ko-KR" altLang="en-US" sz="1400" dirty="0"/>
+                    </a:p>
+                  </a:txBody>
+                  <a:tcPr/>
+                </a:tc>
+                <a:tc>
+                  <a:txBody>
+                    <a:bodyPr/>
+                    <a:lstStyle/>
+                    <a:p>
+                      <a:pPr algn="l" latinLnBrk="1"/>
+                      <a:r>
+                        <a:rPr lang="ko-KR" altLang="en-US" sz="1400" dirty="0" err="1"/>
+                        <a:t>서블릿경로</a:t>
+                      </a:r>
+                      <a:endParaRPr lang="ko-KR" altLang="en-US" sz="1400" dirty="0"/>
+                    </a:p>
+                  </a:txBody>
+                  <a:tcPr/>
+                </a:tc>
+                <a:extLst>
+                  <a:ext uri="{0D108BD9-81ED-4DB2-BD59-A6C34878D82A}">
+                    <a16:rowId xmlns:a16="http://schemas.microsoft.com/office/drawing/2014/main" val="600671919"/>
+                  </a:ext>
+                </a:extLst>
+              </a:tr>
+              <a:tr h="412273">
+                <a:tc rowSpan="3">
+                  <a:txBody>
+                    <a:bodyPr/>
+                    <a:lstStyle/>
+                    <a:p>
+                      <a:pPr algn="ctr" latinLnBrk="1"/>
+                      <a:r>
+                        <a:rPr lang="ko-KR" altLang="en-US" sz="1400" dirty="0"/>
+                        <a:t>헤더</a:t>
+                      </a:r>
+                    </a:p>
+                  </a:txBody>
+                  <a:tcPr/>
+                </a:tc>
+                <a:tc>
+                  <a:txBody>
+                    <a:bodyPr/>
+                    <a:lstStyle/>
+                    <a:p>
+                      <a:pPr algn="ctr" latinLnBrk="1"/>
+                      <a:r>
+                        <a:rPr lang="en-US" altLang="ko-KR" sz="1400" dirty="0" err="1"/>
+                        <a:t>getHeader</a:t>
+                      </a:r>
+                      <a:r>
+                        <a:rPr lang="en-US" altLang="ko-KR" sz="1400" dirty="0"/>
+                        <a:t>(String name)</a:t>
+                      </a:r>
+                      <a:endParaRPr lang="ko-KR" altLang="en-US" sz="1400" dirty="0"/>
+                    </a:p>
+                  </a:txBody>
+                  <a:tcPr/>
+                </a:tc>
+                <a:tc vMerge="1">
+                  <a:txBody>
+                    <a:bodyPr/>
+                    <a:lstStyle/>
+                    <a:p>
+                      <a:pPr algn="ctr" latinLnBrk="1"/>
+                      <a:endParaRPr lang="ko-KR" altLang="en-US" sz="1400" dirty="0"/>
+                    </a:p>
+                  </a:txBody>
+                  <a:tcPr/>
+                </a:tc>
+                <a:tc>
+                  <a:txBody>
+                    <a:bodyPr/>
+                    <a:lstStyle/>
+                    <a:p>
+                      <a:pPr algn="l" latinLnBrk="1"/>
+                      <a:r>
+                        <a:rPr lang="ko-KR" altLang="en-US" sz="1400" dirty="0"/>
+                        <a:t>인자로 지정된 헤더의 정보</a:t>
+                      </a:r>
+                    </a:p>
+                  </a:txBody>
+                  <a:tcPr/>
+                </a:tc>
+                <a:extLst>
+                  <a:ext uri="{0D108BD9-81ED-4DB2-BD59-A6C34878D82A}">
+                    <a16:rowId xmlns:a16="http://schemas.microsoft.com/office/drawing/2014/main" val="3087211762"/>
+                  </a:ext>
+                </a:extLst>
+              </a:tr>
+              <a:tr h="0">
+                <a:tc vMerge="1">
+                  <a:txBody>
+                    <a:bodyPr/>
+                    <a:lstStyle/>
+                    <a:p>
+                      <a:pPr latinLnBrk="1"/>
+                      <a:endParaRPr lang="ko-KR" altLang="en-US"/>
+                    </a:p>
+                  </a:txBody>
+                  <a:tcPr/>
+                </a:tc>
+                <a:tc rowSpan="2">
+                  <a:txBody>
+                    <a:bodyPr/>
+                    <a:lstStyle/>
+                    <a:p>
+                      <a:pPr algn="ctr" latinLnBrk="1"/>
+                      <a:r>
+                        <a:rPr lang="en-US" altLang="ko-KR" sz="1400" dirty="0" err="1"/>
+                        <a:t>getHeadNames</a:t>
+                      </a:r>
+                      <a:r>
+                        <a:rPr lang="en-US" altLang="ko-KR" sz="1400" dirty="0"/>
+                        <a:t>()</a:t>
+                      </a:r>
+                      <a:endParaRPr lang="ko-KR" altLang="en-US" sz="1400" dirty="0"/>
+                    </a:p>
+                  </a:txBody>
+                  <a:tcPr/>
+                </a:tc>
+                <a:tc vMerge="1">
+                  <a:txBody>
+                    <a:bodyPr/>
+                    <a:lstStyle/>
+                    <a:p>
+                      <a:pPr algn="ctr" latinLnBrk="1"/>
+                      <a:endParaRPr lang="ko-KR" altLang="en-US" sz="1400" dirty="0"/>
+                    </a:p>
+                  </a:txBody>
+                  <a:tcPr/>
+                </a:tc>
+                <a:tc rowSpan="2">
+                  <a:txBody>
+                    <a:bodyPr/>
+                    <a:lstStyle/>
+                    <a:p>
+                      <a:pPr algn="l" latinLnBrk="1"/>
+                      <a:r>
+                        <a:rPr lang="ko-KR" altLang="en-US" sz="1400" dirty="0"/>
+                        <a:t>헤더 이름을 열거타입으로 반환</a:t>
+                      </a:r>
+                    </a:p>
+                  </a:txBody>
+                  <a:tcPr/>
+                </a:tc>
+                <a:extLst>
+                  <a:ext uri="{0D108BD9-81ED-4DB2-BD59-A6C34878D82A}">
+                    <a16:rowId xmlns:a16="http://schemas.microsoft.com/office/drawing/2014/main" val="3537604537"/>
+                  </a:ext>
+                </a:extLst>
+              </a:tr>
+              <a:tr h="434737">
+                <a:tc vMerge="1">
+                  <a:txBody>
+                    <a:bodyPr/>
+                    <a:lstStyle/>
+                    <a:p>
+                      <a:pPr latinLnBrk="1"/>
+                      <a:endParaRPr lang="ko-KR" altLang="en-US"/>
+                    </a:p>
+                  </a:txBody>
+                  <a:tcPr/>
+                </a:tc>
+                <a:tc vMerge="1">
+                  <a:txBody>
+                    <a:bodyPr/>
+                    <a:lstStyle/>
+                    <a:p>
+                      <a:pPr latinLnBrk="1"/>
+                      <a:endParaRPr lang="ko-KR" altLang="en-US"/>
+                    </a:p>
+                  </a:txBody>
+                  <a:tcPr/>
+                </a:tc>
+                <a:tc>
+                  <a:txBody>
+                    <a:bodyPr/>
+                    <a:lstStyle/>
+                    <a:p>
+                      <a:pPr marL="0" marR="0" lvl="0" indent="0" algn="ctr" defTabSz="914400" rtl="0" eaLnBrk="1" fontAlgn="auto" latinLnBrk="1" hangingPunct="1">
+                        <a:lnSpc>
+                          <a:spcPct val="100000"/>
+                        </a:lnSpc>
+                        <a:spcBef>
+                          <a:spcPts val="0"/>
+                        </a:spcBef>
+                        <a:spcAft>
+                          <a:spcPts val="0"/>
+                        </a:spcAft>
+                        <a:buClrTx/>
+                        <a:buSzTx/>
+                        <a:buFontTx/>
+                        <a:buNone/>
+                        <a:tabLst/>
+                        <a:defRPr/>
+                      </a:pPr>
+                      <a:r>
+                        <a:rPr lang="en-US" altLang="ko-KR" sz="1400" dirty="0"/>
+                        <a:t>Enumeration</a:t>
+                      </a:r>
+                      <a:endParaRPr lang="ko-KR" altLang="en-US" sz="1400" dirty="0"/>
+                    </a:p>
+                    <a:p>
+                      <a:pPr algn="ctr" latinLnBrk="1"/>
+                      <a:endParaRPr lang="ko-KR" altLang="en-US" sz="1400" dirty="0"/>
+                    </a:p>
+                  </a:txBody>
+                  <a:tcPr/>
+                </a:tc>
+                <a:tc vMerge="1">
+                  <a:txBody>
+                    <a:bodyPr/>
+                    <a:lstStyle/>
+                    <a:p>
+                      <a:pPr latinLnBrk="1"/>
+                      <a:endParaRPr lang="ko-KR" altLang="en-US"/>
+                    </a:p>
+                  </a:txBody>
+                  <a:tcPr/>
+                </a:tc>
+                <a:extLst>
+                  <a:ext uri="{0D108BD9-81ED-4DB2-BD59-A6C34878D82A}">
+                    <a16:rowId xmlns:a16="http://schemas.microsoft.com/office/drawing/2014/main" val="1918899249"/>
+                  </a:ext>
+                </a:extLst>
+              </a:tr>
+            </a:tbl>
+          </a:graphicData>
+        </a:graphic>
+      </p:graphicFrame>
     </p:spTree>
     <p:extLst>
       <p:ext uri="{BB962C8B-B14F-4D97-AF65-F5344CB8AC3E}">
-        <p14:creationId xmlns:p14="http://schemas.microsoft.com/office/powerpoint/2010/main" val="53631057"/>
+        <p14:creationId xmlns:p14="http://schemas.microsoft.com/office/powerpoint/2010/main" val="3004601799"/>
       </p:ext>
     </p:extLst>
   </p:cSld>
@@ -3570,7 +4163,7 @@
 </p:sld>
 </file>
 
-<file path=ppt/slides/slide10.xml><?xml version="1.0" encoding="utf-8"?>
+<file path=ppt/slides/slide11.xml><?xml version="1.0" encoding="utf-8"?>
 <p:sld xmlns:a="http://schemas.openxmlformats.org/drawingml/2006/main" xmlns:r="http://schemas.openxmlformats.org/officeDocument/2006/relationships" xmlns:p="http://schemas.openxmlformats.org/presentationml/2006/main">
   <p:cSld>
     <p:spTree>
@@ -3997,7 +4590,7 @@
 </p:sld>
 </file>
 
-<file path=ppt/slides/slide11.xml><?xml version="1.0" encoding="utf-8"?>
+<file path=ppt/slides/slide12.xml><?xml version="1.0" encoding="utf-8"?>
 <p:sld xmlns:a="http://schemas.openxmlformats.org/drawingml/2006/main" xmlns:r="http://schemas.openxmlformats.org/officeDocument/2006/relationships" xmlns:p="http://schemas.openxmlformats.org/presentationml/2006/main">
   <p:cSld>
     <p:spTree>
@@ -4720,7 +5313,7 @@
 </p:sld>
 </file>
 
-<file path=ppt/slides/slide12.xml><?xml version="1.0" encoding="utf-8"?>
+<file path=ppt/slides/slide13.xml><?xml version="1.0" encoding="utf-8"?>
 <p:sld xmlns:a="http://schemas.openxmlformats.org/drawingml/2006/main" xmlns:r="http://schemas.openxmlformats.org/officeDocument/2006/relationships" xmlns:p="http://schemas.openxmlformats.org/presentationml/2006/main">
   <p:cSld>
     <p:spTree>
@@ -5424,7 +6017,7 @@
 </p:sld>
 </file>
 
-<file path=ppt/slides/slide13.xml><?xml version="1.0" encoding="utf-8"?>
+<file path=ppt/slides/slide14.xml><?xml version="1.0" encoding="utf-8"?>
 <p:sld xmlns:a="http://schemas.openxmlformats.org/drawingml/2006/main" xmlns:r="http://schemas.openxmlformats.org/officeDocument/2006/relationships" xmlns:p="http://schemas.openxmlformats.org/presentationml/2006/main">
   <p:cSld>
     <p:spTree>
@@ -6039,228 +6632,6 @@
 </p:sld>
 </file>
 
-<file path=ppt/slides/slide14.xml><?xml version="1.0" encoding="utf-8"?>
-<p:sld xmlns:a="http://schemas.openxmlformats.org/drawingml/2006/main" xmlns:r="http://schemas.openxmlformats.org/officeDocument/2006/relationships" xmlns:p="http://schemas.openxmlformats.org/presentationml/2006/main">
-  <p:cSld>
-    <p:spTree>
-      <p:nvGrpSpPr>
-        <p:cNvPr id="1" name=""/>
-        <p:cNvGrpSpPr/>
-        <p:nvPr/>
-      </p:nvGrpSpPr>
-      <p:grpSpPr>
-        <a:xfrm>
-          <a:off x="0" y="0"/>
-          <a:ext cx="0" cy="0"/>
-          <a:chOff x="0" y="0"/>
-          <a:chExt cx="0" cy="0"/>
-        </a:xfrm>
-      </p:grpSpPr>
-      <p:sp>
-        <p:nvSpPr>
-          <p:cNvPr id="6" name="TextBox 5">
-            <a:extLst>
-              <a:ext uri="{FF2B5EF4-FFF2-40B4-BE49-F238E27FC236}">
-                <a16:creationId xmlns:a16="http://schemas.microsoft.com/office/drawing/2014/main" id="{38200B59-D9CB-4786-8E63-6A95483ABADE}"/>
-              </a:ext>
-            </a:extLst>
-          </p:cNvPr>
-          <p:cNvSpPr txBox="1"/>
-          <p:nvPr/>
-        </p:nvSpPr>
-        <p:spPr>
-          <a:xfrm>
-            <a:off x="360260" y="216599"/>
-            <a:ext cx="10083800" cy="523220"/>
-          </a:xfrm>
-          <a:prstGeom prst="rect">
-            <a:avLst/>
-          </a:prstGeom>
-          <a:noFill/>
-        </p:spPr>
-        <p:txBody>
-          <a:bodyPr wrap="square" rtlCol="0">
-            <a:spAutoFit/>
-          </a:bodyPr>
-          <a:lstStyle/>
-          <a:p>
-            <a:r>
-              <a:rPr lang="en-US" altLang="ko-KR" sz="2800" dirty="0"/>
-              <a:t>JSP </a:t>
-            </a:r>
-            <a:r>
-              <a:rPr lang="ko-KR" altLang="en-US" sz="2800" dirty="0"/>
-              <a:t>액션</a:t>
-            </a:r>
-          </a:p>
-        </p:txBody>
-      </p:sp>
-      <p:sp>
-        <p:nvSpPr>
-          <p:cNvPr id="4" name="TextBox 3">
-            <a:extLst>
-              <a:ext uri="{FF2B5EF4-FFF2-40B4-BE49-F238E27FC236}">
-                <a16:creationId xmlns:a16="http://schemas.microsoft.com/office/drawing/2014/main" id="{7466B539-97E3-4E93-A4D5-31398C73A4A3}"/>
-              </a:ext>
-            </a:extLst>
-          </p:cNvPr>
-          <p:cNvSpPr txBox="1"/>
-          <p:nvPr/>
-        </p:nvSpPr>
-        <p:spPr>
-          <a:xfrm>
-            <a:off x="771787" y="1384183"/>
-            <a:ext cx="10083800" cy="2585323"/>
-          </a:xfrm>
-          <a:prstGeom prst="rect">
-            <a:avLst/>
-          </a:prstGeom>
-          <a:noFill/>
-        </p:spPr>
-        <p:txBody>
-          <a:bodyPr wrap="square" rtlCol="0">
-            <a:spAutoFit/>
-          </a:bodyPr>
-          <a:lstStyle/>
-          <a:p>
-            <a:r>
-              <a:rPr lang="ko-KR" altLang="en-US" dirty="0"/>
-              <a:t>자바에서 객체를 생성하고 사용하는 것을 액션태그로 대신 할 수 있다</a:t>
-            </a:r>
-            <a:r>
-              <a:rPr lang="en-US" altLang="ko-KR" dirty="0"/>
-              <a:t>.</a:t>
-            </a:r>
-          </a:p>
-          <a:p>
-            <a:endParaRPr lang="en-US" altLang="ko-KR" dirty="0"/>
-          </a:p>
-          <a:p>
-            <a:r>
-              <a:rPr lang="en-US" altLang="ko-KR" dirty="0"/>
-              <a:t>&lt;</a:t>
-            </a:r>
-            <a:r>
-              <a:rPr lang="en-US" altLang="ko-KR" dirty="0" err="1"/>
-              <a:t>jsp:useBean</a:t>
-            </a:r>
-            <a:r>
-              <a:rPr lang="en-US" altLang="ko-KR" dirty="0"/>
-              <a:t> id = “</a:t>
-            </a:r>
-            <a:r>
-              <a:rPr lang="ko-KR" altLang="en-US" dirty="0"/>
-              <a:t>객체이름</a:t>
-            </a:r>
-            <a:r>
-              <a:rPr lang="en-US" altLang="ko-KR" dirty="0"/>
-              <a:t>” scope=“page | request | session | application class=“</a:t>
-            </a:r>
-            <a:r>
-              <a:rPr lang="ko-KR" altLang="en-US" dirty="0"/>
-              <a:t>클래스 이름</a:t>
-            </a:r>
-            <a:r>
-              <a:rPr lang="en-US" altLang="ko-KR" dirty="0"/>
-              <a:t>” (</a:t>
-            </a:r>
-            <a:r>
-              <a:rPr lang="ko-KR" altLang="en-US" dirty="0"/>
-              <a:t>생명주기</a:t>
-            </a:r>
-            <a:r>
-              <a:rPr lang="en-US" altLang="ko-KR" dirty="0"/>
-              <a:t>)”</a:t>
-            </a:r>
-          </a:p>
-          <a:p>
-            <a:r>
-              <a:rPr lang="en-US" altLang="ko-KR" dirty="0"/>
-              <a:t>body</a:t>
-            </a:r>
-          </a:p>
-          <a:p>
-            <a:endParaRPr lang="en-US" altLang="ko-KR" dirty="0"/>
-          </a:p>
-          <a:p>
-            <a:r>
-              <a:rPr lang="en-US" altLang="ko-KR" dirty="0"/>
-              <a:t>&lt;/</a:t>
-            </a:r>
-            <a:r>
-              <a:rPr lang="en-US" altLang="ko-KR" dirty="0" err="1"/>
-              <a:t>jsp:useBean</a:t>
-            </a:r>
-            <a:r>
-              <a:rPr lang="en-US" altLang="ko-KR" dirty="0"/>
-              <a:t>&gt;</a:t>
-            </a:r>
-          </a:p>
-          <a:p>
-            <a:endParaRPr lang="en-US" altLang="ko-KR" dirty="0"/>
-          </a:p>
-          <a:p>
-            <a:r>
-              <a:rPr lang="en-US" altLang="ko-KR" dirty="0"/>
-              <a:t>Id = </a:t>
-            </a:r>
-            <a:r>
-              <a:rPr lang="ko-KR" altLang="en-US" dirty="0"/>
-              <a:t>대</a:t>
-            </a:r>
-            <a:r>
-              <a:rPr lang="en-US" altLang="ko-KR" dirty="0"/>
-              <a:t>,</a:t>
-            </a:r>
-            <a:r>
-              <a:rPr lang="ko-KR" altLang="en-US" dirty="0"/>
-              <a:t>소문자</a:t>
-            </a:r>
-            <a:r>
-              <a:rPr lang="en-US" altLang="ko-KR" dirty="0"/>
-              <a:t> </a:t>
-            </a:r>
-            <a:r>
-              <a:rPr lang="ko-KR" altLang="en-US" dirty="0"/>
-              <a:t>구별</a:t>
-            </a:r>
-            <a:r>
-              <a:rPr lang="en-US" altLang="ko-KR" dirty="0"/>
-              <a:t>. </a:t>
-            </a:r>
-            <a:r>
-              <a:rPr lang="en-US" altLang="ko-KR" dirty="0" err="1"/>
-              <a:t>Jsp</a:t>
-            </a:r>
-            <a:r>
-              <a:rPr lang="en-US" altLang="ko-KR" dirty="0"/>
-              <a:t> </a:t>
-            </a:r>
-            <a:r>
-              <a:rPr lang="ko-KR" altLang="en-US" dirty="0"/>
-              <a:t>페이지에서 유일한 값이어야 한다</a:t>
-            </a:r>
-            <a:r>
-              <a:rPr lang="en-US" altLang="ko-KR" dirty="0"/>
-              <a:t>.</a:t>
-            </a:r>
-            <a:endParaRPr lang="ko-KR" altLang="en-US" dirty="0"/>
-          </a:p>
-        </p:txBody>
-      </p:sp>
-    </p:spTree>
-    <p:extLst>
-      <p:ext uri="{BB962C8B-B14F-4D97-AF65-F5344CB8AC3E}">
-        <p14:creationId xmlns:p14="http://schemas.microsoft.com/office/powerpoint/2010/main" val="2824533986"/>
-      </p:ext>
-    </p:extLst>
-  </p:cSld>
-  <p:clrMapOvr>
-    <a:masterClrMapping/>
-  </p:clrMapOvr>
-</p:sld>
-</file>
-
 <file path=ppt/slides/slide15.xml><?xml version="1.0" encoding="utf-8"?>
 <p:sld xmlns:a="http://schemas.openxmlformats.org/drawingml/2006/main" xmlns:r="http://schemas.openxmlformats.org/officeDocument/2006/relationships" xmlns:p="http://schemas.openxmlformats.org/presentationml/2006/main">
   <p:cSld>
@@ -6307,6 +6678,228 @@
           <a:lstStyle/>
           <a:p>
             <a:r>
+              <a:rPr lang="en-US" altLang="ko-KR" sz="2800" dirty="0"/>
+              <a:t>JSP </a:t>
+            </a:r>
+            <a:r>
+              <a:rPr lang="ko-KR" altLang="en-US" sz="2800" dirty="0"/>
+              <a:t>액션</a:t>
+            </a:r>
+          </a:p>
+        </p:txBody>
+      </p:sp>
+      <p:sp>
+        <p:nvSpPr>
+          <p:cNvPr id="4" name="TextBox 3">
+            <a:extLst>
+              <a:ext uri="{FF2B5EF4-FFF2-40B4-BE49-F238E27FC236}">
+                <a16:creationId xmlns:a16="http://schemas.microsoft.com/office/drawing/2014/main" id="{7466B539-97E3-4E93-A4D5-31398C73A4A3}"/>
+              </a:ext>
+            </a:extLst>
+          </p:cNvPr>
+          <p:cNvSpPr txBox="1"/>
+          <p:nvPr/>
+        </p:nvSpPr>
+        <p:spPr>
+          <a:xfrm>
+            <a:off x="771787" y="1384183"/>
+            <a:ext cx="10083800" cy="2585323"/>
+          </a:xfrm>
+          <a:prstGeom prst="rect">
+            <a:avLst/>
+          </a:prstGeom>
+          <a:noFill/>
+        </p:spPr>
+        <p:txBody>
+          <a:bodyPr wrap="square" rtlCol="0">
+            <a:spAutoFit/>
+          </a:bodyPr>
+          <a:lstStyle/>
+          <a:p>
+            <a:r>
+              <a:rPr lang="ko-KR" altLang="en-US" dirty="0"/>
+              <a:t>자바에서 객체를 생성하고 사용하는 것을 액션태그로 대신 할 수 있다</a:t>
+            </a:r>
+            <a:r>
+              <a:rPr lang="en-US" altLang="ko-KR" dirty="0"/>
+              <a:t>.</a:t>
+            </a:r>
+          </a:p>
+          <a:p>
+            <a:endParaRPr lang="en-US" altLang="ko-KR" dirty="0"/>
+          </a:p>
+          <a:p>
+            <a:r>
+              <a:rPr lang="en-US" altLang="ko-KR" dirty="0"/>
+              <a:t>&lt;</a:t>
+            </a:r>
+            <a:r>
+              <a:rPr lang="en-US" altLang="ko-KR" dirty="0" err="1"/>
+              <a:t>jsp:useBean</a:t>
+            </a:r>
+            <a:r>
+              <a:rPr lang="en-US" altLang="ko-KR" dirty="0"/>
+              <a:t> id = “</a:t>
+            </a:r>
+            <a:r>
+              <a:rPr lang="ko-KR" altLang="en-US" dirty="0"/>
+              <a:t>객체이름</a:t>
+            </a:r>
+            <a:r>
+              <a:rPr lang="en-US" altLang="ko-KR" dirty="0"/>
+              <a:t>” scope=“page | request | session | application class=“</a:t>
+            </a:r>
+            <a:r>
+              <a:rPr lang="ko-KR" altLang="en-US" dirty="0"/>
+              <a:t>클래스 이름</a:t>
+            </a:r>
+            <a:r>
+              <a:rPr lang="en-US" altLang="ko-KR" dirty="0"/>
+              <a:t>” (</a:t>
+            </a:r>
+            <a:r>
+              <a:rPr lang="ko-KR" altLang="en-US" dirty="0"/>
+              <a:t>생명주기</a:t>
+            </a:r>
+            <a:r>
+              <a:rPr lang="en-US" altLang="ko-KR" dirty="0"/>
+              <a:t>)”</a:t>
+            </a:r>
+          </a:p>
+          <a:p>
+            <a:r>
+              <a:rPr lang="en-US" altLang="ko-KR" dirty="0"/>
+              <a:t>body</a:t>
+            </a:r>
+          </a:p>
+          <a:p>
+            <a:endParaRPr lang="en-US" altLang="ko-KR" dirty="0"/>
+          </a:p>
+          <a:p>
+            <a:r>
+              <a:rPr lang="en-US" altLang="ko-KR" dirty="0"/>
+              <a:t>&lt;/</a:t>
+            </a:r>
+            <a:r>
+              <a:rPr lang="en-US" altLang="ko-KR" dirty="0" err="1"/>
+              <a:t>jsp:useBean</a:t>
+            </a:r>
+            <a:r>
+              <a:rPr lang="en-US" altLang="ko-KR" dirty="0"/>
+              <a:t>&gt;</a:t>
+            </a:r>
+          </a:p>
+          <a:p>
+            <a:endParaRPr lang="en-US" altLang="ko-KR" dirty="0"/>
+          </a:p>
+          <a:p>
+            <a:r>
+              <a:rPr lang="en-US" altLang="ko-KR" dirty="0"/>
+              <a:t>Id = </a:t>
+            </a:r>
+            <a:r>
+              <a:rPr lang="ko-KR" altLang="en-US" dirty="0"/>
+              <a:t>대</a:t>
+            </a:r>
+            <a:r>
+              <a:rPr lang="en-US" altLang="ko-KR" dirty="0"/>
+              <a:t>,</a:t>
+            </a:r>
+            <a:r>
+              <a:rPr lang="ko-KR" altLang="en-US" dirty="0"/>
+              <a:t>소문자</a:t>
+            </a:r>
+            <a:r>
+              <a:rPr lang="en-US" altLang="ko-KR" dirty="0"/>
+              <a:t> </a:t>
+            </a:r>
+            <a:r>
+              <a:rPr lang="ko-KR" altLang="en-US" dirty="0"/>
+              <a:t>구별</a:t>
+            </a:r>
+            <a:r>
+              <a:rPr lang="en-US" altLang="ko-KR" dirty="0"/>
+              <a:t>. </a:t>
+            </a:r>
+            <a:r>
+              <a:rPr lang="en-US" altLang="ko-KR" dirty="0" err="1"/>
+              <a:t>Jsp</a:t>
+            </a:r>
+            <a:r>
+              <a:rPr lang="en-US" altLang="ko-KR" dirty="0"/>
+              <a:t> </a:t>
+            </a:r>
+            <a:r>
+              <a:rPr lang="ko-KR" altLang="en-US" dirty="0"/>
+              <a:t>페이지에서 유일한 값이어야 한다</a:t>
+            </a:r>
+            <a:r>
+              <a:rPr lang="en-US" altLang="ko-KR" dirty="0"/>
+              <a:t>.</a:t>
+            </a:r>
+            <a:endParaRPr lang="ko-KR" altLang="en-US" dirty="0"/>
+          </a:p>
+        </p:txBody>
+      </p:sp>
+    </p:spTree>
+    <p:extLst>
+      <p:ext uri="{BB962C8B-B14F-4D97-AF65-F5344CB8AC3E}">
+        <p14:creationId xmlns:p14="http://schemas.microsoft.com/office/powerpoint/2010/main" val="2824533986"/>
+      </p:ext>
+    </p:extLst>
+  </p:cSld>
+  <p:clrMapOvr>
+    <a:masterClrMapping/>
+  </p:clrMapOvr>
+</p:sld>
+</file>
+
+<file path=ppt/slides/slide16.xml><?xml version="1.0" encoding="utf-8"?>
+<p:sld xmlns:a="http://schemas.openxmlformats.org/drawingml/2006/main" xmlns:r="http://schemas.openxmlformats.org/officeDocument/2006/relationships" xmlns:p="http://schemas.openxmlformats.org/presentationml/2006/main">
+  <p:cSld>
+    <p:spTree>
+      <p:nvGrpSpPr>
+        <p:cNvPr id="1" name=""/>
+        <p:cNvGrpSpPr/>
+        <p:nvPr/>
+      </p:nvGrpSpPr>
+      <p:grpSpPr>
+        <a:xfrm>
+          <a:off x="0" y="0"/>
+          <a:ext cx="0" cy="0"/>
+          <a:chOff x="0" y="0"/>
+          <a:chExt cx="0" cy="0"/>
+        </a:xfrm>
+      </p:grpSpPr>
+      <p:sp>
+        <p:nvSpPr>
+          <p:cNvPr id="6" name="TextBox 5">
+            <a:extLst>
+              <a:ext uri="{FF2B5EF4-FFF2-40B4-BE49-F238E27FC236}">
+                <a16:creationId xmlns:a16="http://schemas.microsoft.com/office/drawing/2014/main" id="{38200B59-D9CB-4786-8E63-6A95483ABADE}"/>
+              </a:ext>
+            </a:extLst>
+          </p:cNvPr>
+          <p:cNvSpPr txBox="1"/>
+          <p:nvPr/>
+        </p:nvSpPr>
+        <p:spPr>
+          <a:xfrm>
+            <a:off x="360260" y="216599"/>
+            <a:ext cx="10083800" cy="523220"/>
+          </a:xfrm>
+          <a:prstGeom prst="rect">
+            <a:avLst/>
+          </a:prstGeom>
+          <a:noFill/>
+        </p:spPr>
+        <p:txBody>
+          <a:bodyPr wrap="square" rtlCol="0">
+            <a:spAutoFit/>
+          </a:bodyPr>
+          <a:lstStyle/>
+          <a:p>
+            <a:r>
               <a:rPr lang="en-US" altLang="ko-KR" sz="2800" dirty="0" err="1"/>
               <a:t>Jsp</a:t>
             </a:r>
@@ -6626,7 +7219,7 @@
 </p:sld>
 </file>
 
-<file path=ppt/slides/slide16.xml><?xml version="1.0" encoding="utf-8"?>
+<file path=ppt/slides/slide17.xml><?xml version="1.0" encoding="utf-8"?>
 <p:sld xmlns:a="http://schemas.openxmlformats.org/drawingml/2006/main" xmlns:r="http://schemas.openxmlformats.org/officeDocument/2006/relationships" xmlns:p="http://schemas.openxmlformats.org/presentationml/2006/main">
   <p:cSld>
     <p:spTree>
@@ -6754,7 +7347,7 @@
 </p:sld>
 </file>
 
-<file path=ppt/slides/slide17.xml><?xml version="1.0" encoding="utf-8"?>
+<file path=ppt/slides/slide18.xml><?xml version="1.0" encoding="utf-8"?>
 <p:sld xmlns:a="http://schemas.openxmlformats.org/drawingml/2006/main" xmlns:r="http://schemas.openxmlformats.org/officeDocument/2006/relationships" xmlns:p="http://schemas.openxmlformats.org/presentationml/2006/main">
   <p:cSld>
     <p:spTree>
@@ -7088,7 +7681,7 @@
 </p:sld>
 </file>
 
-<file path=ppt/slides/slide18.xml><?xml version="1.0" encoding="utf-8"?>
+<file path=ppt/slides/slide19.xml><?xml version="1.0" encoding="utf-8"?>
 <p:sld xmlns:a="http://schemas.openxmlformats.org/drawingml/2006/main" xmlns:r="http://schemas.openxmlformats.org/officeDocument/2006/relationships" xmlns:p="http://schemas.openxmlformats.org/presentationml/2006/main">
   <p:cSld>
     <p:spTree>
@@ -7135,7 +7728,7 @@
           <a:p>
             <a:r>
               <a:rPr lang="en-US" altLang="ko-KR" sz="2800" dirty="0"/>
-              <a:t>1</a:t>
+              <a:t>Cookie</a:t>
             </a:r>
             <a:endParaRPr lang="ko-KR" altLang="en-US" sz="2800" dirty="0"/>
           </a:p>
@@ -7155,8 +7748,8 @@
         </p:nvSpPr>
         <p:spPr>
           <a:xfrm>
-            <a:off x="1048157" y="1493240"/>
-            <a:ext cx="362600" cy="369332"/>
+            <a:off x="972656" y="1132514"/>
+            <a:ext cx="8074583" cy="3970318"/>
           </a:xfrm>
           <a:prstGeom prst="rect">
             <a:avLst/>
@@ -7170,9 +7763,237 @@
           <a:lstStyle/>
           <a:p>
             <a:r>
-              <a:rPr lang="en-US" altLang="ko-KR" dirty="0"/>
-              <a:t>1.</a:t>
-            </a:r>
+              <a:rPr lang="ko-KR" altLang="en-US" dirty="0"/>
+              <a:t>쿠키의 요소</a:t>
+            </a:r>
+            <a:endParaRPr lang="en-US" altLang="ko-KR" dirty="0"/>
+          </a:p>
+          <a:p>
+            <a:r>
+              <a:rPr lang="en-US" altLang="ko-KR" dirty="0"/>
+              <a:t>  </a:t>
+            </a:r>
+            <a:r>
+              <a:rPr lang="ko-KR" altLang="en-US" dirty="0"/>
+              <a:t>이름 과 값 </a:t>
+            </a:r>
+            <a:r>
+              <a:rPr lang="en-US" altLang="ko-KR" dirty="0"/>
+              <a:t>(name &amp; value) : </a:t>
+            </a:r>
+            <a:r>
+              <a:rPr lang="ko-KR" altLang="en-US" dirty="0"/>
+              <a:t>생성된 이름은 변경이 불가능</a:t>
+            </a:r>
+            <a:endParaRPr lang="en-US" altLang="ko-KR" dirty="0"/>
+          </a:p>
+          <a:p>
+            <a:r>
+              <a:rPr lang="en-US" altLang="ko-KR" dirty="0"/>
+              <a:t>  </a:t>
+            </a:r>
+            <a:r>
+              <a:rPr lang="ko-KR" altLang="en-US" dirty="0"/>
+              <a:t>유호시간 </a:t>
+            </a:r>
+            <a:r>
+              <a:rPr lang="en-US" altLang="ko-KR" dirty="0"/>
+              <a:t>: </a:t>
+            </a:r>
+            <a:r>
+              <a:rPr lang="ko-KR" altLang="en-US" dirty="0"/>
+              <a:t>쿠키가 브라우저에 저장 되는 시간</a:t>
+            </a:r>
+            <a:endParaRPr lang="en-US" altLang="ko-KR" dirty="0"/>
+          </a:p>
+          <a:p>
+            <a:r>
+              <a:rPr lang="en-US" altLang="ko-KR" dirty="0"/>
+              <a:t>  </a:t>
+            </a:r>
+            <a:r>
+              <a:rPr lang="ko-KR" altLang="en-US" dirty="0"/>
+              <a:t>도메인 </a:t>
+            </a:r>
+            <a:r>
+              <a:rPr lang="en-US" altLang="ko-KR" dirty="0"/>
+              <a:t>(domain) : </a:t>
+            </a:r>
+            <a:r>
+              <a:rPr lang="ko-KR" altLang="en-US" dirty="0"/>
+              <a:t>쿠키가 사용될 수 있는 도메인 </a:t>
+            </a:r>
+            <a:r>
+              <a:rPr lang="en-US" altLang="ko-KR" dirty="0"/>
+              <a:t>, </a:t>
+            </a:r>
+            <a:r>
+              <a:rPr lang="ko-KR" altLang="en-US" dirty="0"/>
+              <a:t>쿠키는 도메인 단위</a:t>
+            </a:r>
+            <a:endParaRPr lang="en-US" altLang="ko-KR" dirty="0"/>
+          </a:p>
+          <a:p>
+            <a:r>
+              <a:rPr lang="en-US" altLang="ko-KR" dirty="0"/>
+              <a:t> </a:t>
+            </a:r>
+            <a:r>
+              <a:rPr lang="ko-KR" altLang="en-US" dirty="0"/>
+              <a:t>경로 </a:t>
+            </a:r>
+            <a:r>
+              <a:rPr lang="en-US" altLang="ko-KR" dirty="0"/>
+              <a:t>(path) : </a:t>
+            </a:r>
+            <a:r>
+              <a:rPr lang="ko-KR" altLang="en-US" dirty="0"/>
+              <a:t>도메인 내에서 쿠키가 </a:t>
+            </a:r>
+            <a:r>
+              <a:rPr lang="ko-KR" altLang="en-US" dirty="0" err="1"/>
+              <a:t>적용될수</a:t>
+            </a:r>
+            <a:r>
+              <a:rPr lang="ko-KR" altLang="en-US" dirty="0"/>
+              <a:t> 있는 경로</a:t>
+            </a:r>
+            <a:endParaRPr lang="en-US" altLang="ko-KR" dirty="0"/>
+          </a:p>
+          <a:p>
+            <a:endParaRPr lang="en-US" altLang="ko-KR" dirty="0"/>
+          </a:p>
+          <a:p>
+            <a:endParaRPr lang="en-US" altLang="ko-KR" dirty="0"/>
+          </a:p>
+          <a:p>
+            <a:r>
+              <a:rPr lang="en-US" altLang="ko-KR" dirty="0"/>
+              <a:t>Java </a:t>
+            </a:r>
+            <a:r>
+              <a:rPr lang="ko-KR" altLang="en-US" dirty="0"/>
+              <a:t>쿠키의 생성형식</a:t>
+            </a:r>
+            <a:endParaRPr lang="en-US" altLang="ko-KR" dirty="0"/>
+          </a:p>
+          <a:p>
+            <a:pPr marL="971550" lvl="1" indent="-514350">
+              <a:buFont typeface="+mj-lt"/>
+              <a:buAutoNum type="arabicPeriod"/>
+            </a:pPr>
+            <a:r>
+              <a:rPr lang="en-US" altLang="ko-KR" dirty="0"/>
+              <a:t>Cookie </a:t>
+            </a:r>
+            <a:r>
+              <a:rPr lang="ko-KR" altLang="en-US" dirty="0"/>
+              <a:t>쿠키객체 </a:t>
+            </a:r>
+            <a:r>
+              <a:rPr lang="en-US" altLang="ko-KR" dirty="0"/>
+              <a:t>= new Cookie(＂</a:t>
+            </a:r>
+            <a:r>
+              <a:rPr lang="ko-KR" altLang="en-US" dirty="0" err="1"/>
+              <a:t>구키이름</a:t>
+            </a:r>
+            <a:r>
+              <a:rPr lang="en-US" altLang="ko-KR" dirty="0"/>
+              <a:t>“, “</a:t>
+            </a:r>
+            <a:r>
+              <a:rPr lang="ko-KR" altLang="en-US" dirty="0" err="1"/>
+              <a:t>쿠키값</a:t>
+            </a:r>
+            <a:r>
+              <a:rPr lang="en-US" altLang="ko-KR" dirty="0"/>
+              <a:t>“);</a:t>
+            </a:r>
+          </a:p>
+          <a:p>
+            <a:pPr marL="971550" lvl="1" indent="-514350">
+              <a:buFont typeface="+mj-lt"/>
+              <a:buAutoNum type="arabicPeriod"/>
+            </a:pPr>
+            <a:r>
+              <a:rPr lang="ko-KR" altLang="en-US" dirty="0" err="1"/>
+              <a:t>웹브라우저에게</a:t>
+            </a:r>
+            <a:r>
+              <a:rPr lang="ko-KR" altLang="en-US" dirty="0"/>
+              <a:t> 저장할 값을 제출 </a:t>
+            </a:r>
+            <a:r>
+              <a:rPr lang="en-US" altLang="ko-KR" dirty="0"/>
+              <a:t>: </a:t>
+            </a:r>
+            <a:r>
+              <a:rPr lang="en-US" altLang="ko-KR" dirty="0" err="1"/>
+              <a:t>response.addCookie</a:t>
+            </a:r>
+            <a:r>
+              <a:rPr lang="en-US" altLang="ko-KR" dirty="0"/>
+              <a:t>(</a:t>
+            </a:r>
+            <a:r>
+              <a:rPr lang="ko-KR" altLang="en-US" dirty="0"/>
+              <a:t>쿠키객체</a:t>
+            </a:r>
+            <a:r>
+              <a:rPr lang="en-US" altLang="ko-KR" dirty="0"/>
+              <a:t>);</a:t>
+            </a:r>
+          </a:p>
+          <a:p>
+            <a:pPr marL="971550" lvl="1" indent="-514350">
+              <a:buFont typeface="+mj-lt"/>
+              <a:buAutoNum type="arabicPeriod"/>
+            </a:pPr>
+            <a:r>
+              <a:rPr lang="en-US" altLang="ko-KR" dirty="0" err="1"/>
+              <a:t>getCookie</a:t>
+            </a:r>
+            <a:r>
+              <a:rPr lang="en-US" altLang="ko-KR" dirty="0"/>
+              <a:t>() : </a:t>
+            </a:r>
+            <a:r>
+              <a:rPr lang="ko-KR" altLang="en-US" dirty="0"/>
+              <a:t>타입 </a:t>
+            </a:r>
+            <a:r>
+              <a:rPr lang="en-US" altLang="ko-KR" dirty="0"/>
+              <a:t>Cookie[]  </a:t>
+            </a:r>
+          </a:p>
+          <a:p>
+            <a:pPr marL="971550" lvl="1" indent="-514350">
+              <a:buFont typeface="+mj-lt"/>
+              <a:buAutoNum type="arabicPeriod"/>
+            </a:pPr>
+            <a:r>
+              <a:rPr lang="en-US" altLang="ko-KR" dirty="0" err="1"/>
+              <a:t>getName</a:t>
+            </a:r>
+            <a:r>
+              <a:rPr lang="en-US" altLang="ko-KR" dirty="0"/>
+              <a:t>(), </a:t>
+            </a:r>
+            <a:r>
+              <a:rPr lang="en-US" altLang="ko-KR" dirty="0" err="1"/>
+              <a:t>getValue</a:t>
+            </a:r>
+            <a:r>
+              <a:rPr lang="en-US" altLang="ko-KR" dirty="0"/>
+              <a:t>()</a:t>
+            </a:r>
+            <a:endParaRPr lang="ko-KR" altLang="en-US" dirty="0"/>
+          </a:p>
+          <a:p>
+            <a:endParaRPr lang="en-US" altLang="ko-KR" dirty="0"/>
+          </a:p>
+          <a:p>
             <a:endParaRPr lang="ko-KR" altLang="en-US" dirty="0"/>
           </a:p>
         </p:txBody>
@@ -7181,108 +8002,6 @@
     <p:extLst>
       <p:ext uri="{BB962C8B-B14F-4D97-AF65-F5344CB8AC3E}">
         <p14:creationId xmlns:p14="http://schemas.microsoft.com/office/powerpoint/2010/main" val="1046120202"/>
-      </p:ext>
-    </p:extLst>
-  </p:cSld>
-  <p:clrMapOvr>
-    <a:masterClrMapping/>
-  </p:clrMapOvr>
-</p:sld>
-</file>
-
-<file path=ppt/slides/slide19.xml><?xml version="1.0" encoding="utf-8"?>
-<p:sld xmlns:a="http://schemas.openxmlformats.org/drawingml/2006/main" xmlns:r="http://schemas.openxmlformats.org/officeDocument/2006/relationships" xmlns:p="http://schemas.openxmlformats.org/presentationml/2006/main">
-  <p:cSld>
-    <p:spTree>
-      <p:nvGrpSpPr>
-        <p:cNvPr id="1" name=""/>
-        <p:cNvGrpSpPr/>
-        <p:nvPr/>
-      </p:nvGrpSpPr>
-      <p:grpSpPr>
-        <a:xfrm>
-          <a:off x="0" y="0"/>
-          <a:ext cx="0" cy="0"/>
-          <a:chOff x="0" y="0"/>
-          <a:chExt cx="0" cy="0"/>
-        </a:xfrm>
-      </p:grpSpPr>
-      <p:sp>
-        <p:nvSpPr>
-          <p:cNvPr id="6" name="TextBox 5">
-            <a:extLst>
-              <a:ext uri="{FF2B5EF4-FFF2-40B4-BE49-F238E27FC236}">
-                <a16:creationId xmlns:a16="http://schemas.microsoft.com/office/drawing/2014/main" id="{38200B59-D9CB-4786-8E63-6A95483ABADE}"/>
-              </a:ext>
-            </a:extLst>
-          </p:cNvPr>
-          <p:cNvSpPr txBox="1"/>
-          <p:nvPr/>
-        </p:nvSpPr>
-        <p:spPr>
-          <a:xfrm>
-            <a:off x="863600" y="292100"/>
-            <a:ext cx="10083800" cy="523220"/>
-          </a:xfrm>
-          <a:prstGeom prst="rect">
-            <a:avLst/>
-          </a:prstGeom>
-          <a:noFill/>
-        </p:spPr>
-        <p:txBody>
-          <a:bodyPr wrap="square" rtlCol="0">
-            <a:spAutoFit/>
-          </a:bodyPr>
-          <a:lstStyle/>
-          <a:p>
-            <a:r>
-              <a:rPr lang="en-US" altLang="ko-KR" sz="2800" dirty="0"/>
-              <a:t>1</a:t>
-            </a:r>
-            <a:endParaRPr lang="ko-KR" altLang="en-US" sz="2800" dirty="0"/>
-          </a:p>
-        </p:txBody>
-      </p:sp>
-      <p:sp>
-        <p:nvSpPr>
-          <p:cNvPr id="4" name="TextBox 3">
-            <a:extLst>
-              <a:ext uri="{FF2B5EF4-FFF2-40B4-BE49-F238E27FC236}">
-                <a16:creationId xmlns:a16="http://schemas.microsoft.com/office/drawing/2014/main" id="{206C3B52-9C5F-4DF2-A8E7-B53A00B58576}"/>
-              </a:ext>
-            </a:extLst>
-          </p:cNvPr>
-          <p:cNvSpPr txBox="1"/>
-          <p:nvPr/>
-        </p:nvSpPr>
-        <p:spPr>
-          <a:xfrm>
-            <a:off x="1048157" y="1493240"/>
-            <a:ext cx="311304" cy="369332"/>
-          </a:xfrm>
-          <a:prstGeom prst="rect">
-            <a:avLst/>
-          </a:prstGeom>
-          <a:noFill/>
-        </p:spPr>
-        <p:txBody>
-          <a:bodyPr wrap="none" rtlCol="0">
-            <a:spAutoFit/>
-          </a:bodyPr>
-          <a:lstStyle/>
-          <a:p>
-            <a:r>
-              <a:rPr lang="en-US" altLang="ko-KR" dirty="0"/>
-              <a:t>1</a:t>
-            </a:r>
-            <a:endParaRPr lang="ko-KR" altLang="en-US" dirty="0"/>
-          </a:p>
-        </p:txBody>
-      </p:sp>
-    </p:spTree>
-    <p:extLst>
-      <p:ext uri="{BB962C8B-B14F-4D97-AF65-F5344CB8AC3E}">
-        <p14:creationId xmlns:p14="http://schemas.microsoft.com/office/powerpoint/2010/main" val="2617725661"/>
       </p:ext>
     </p:extLst>
   </p:cSld>
@@ -7339,37 +8058,12 @@
           <a:p>
             <a:r>
               <a:rPr lang="en-US" altLang="ko-KR" sz="2800" dirty="0"/>
-              <a:t>2. </a:t>
-            </a:r>
-            <a:r>
-              <a:rPr lang="en-US" altLang="ko-KR" sz="2800" dirty="0" err="1"/>
-              <a:t>Requset</a:t>
-            </a:r>
-            <a:r>
-              <a:rPr lang="en-US" altLang="ko-KR" sz="2800" dirty="0"/>
-              <a:t> </a:t>
+              <a:t>1. </a:t>
             </a:r>
             <a:r>
               <a:rPr lang="ko-KR" altLang="en-US" sz="2800" dirty="0"/>
-              <a:t>요청 </a:t>
-            </a:r>
-            <a:r>
-              <a:rPr lang="en-US" altLang="ko-KR" sz="2800" dirty="0"/>
-              <a:t>(</a:t>
-            </a:r>
-            <a:r>
-              <a:rPr lang="ko-KR" altLang="en-US" sz="2800" dirty="0"/>
-              <a:t>파라미터</a:t>
-            </a:r>
-            <a:r>
-              <a:rPr lang="en-US" altLang="ko-KR" sz="2800" dirty="0"/>
-              <a:t>)</a:t>
-            </a:r>
-            <a:r>
-              <a:rPr lang="ko-KR" altLang="en-US" sz="2800" dirty="0" err="1"/>
-              <a:t>관련메서드</a:t>
-            </a:r>
-            <a:endParaRPr lang="ko-KR" altLang="en-US" sz="2800" dirty="0"/>
+              <a:t>요청과 응답</a:t>
+            </a:r>
           </a:p>
         </p:txBody>
       </p:sp>
@@ -7388,7 +8082,7 @@
         <p:spPr>
           <a:xfrm>
             <a:off x="1104900" y="1358900"/>
-            <a:ext cx="9842500" cy="2585323"/>
+            <a:ext cx="9842500" cy="2308324"/>
           </a:xfrm>
           <a:prstGeom prst="rect">
             <a:avLst/>
@@ -7401,109 +8095,143 @@
           </a:bodyPr>
           <a:lstStyle/>
           <a:p>
+            <a:pPr marL="342900" indent="-342900">
+              <a:buAutoNum type="arabicPeriod"/>
+            </a:pPr>
+            <a:r>
+              <a:rPr lang="ko-KR" altLang="en-US" dirty="0"/>
+              <a:t>요청 방식 </a:t>
+            </a:r>
+            <a:r>
+              <a:rPr lang="en-US" altLang="ko-KR" dirty="0"/>
+              <a:t>2</a:t>
+            </a:r>
+            <a:r>
+              <a:rPr lang="ko-KR" altLang="en-US" dirty="0"/>
+              <a:t>가지 </a:t>
+            </a:r>
+            <a:r>
+              <a:rPr lang="en-US" altLang="ko-KR" dirty="0"/>
+              <a:t>: POST.GET</a:t>
+            </a:r>
+            <a:br>
+              <a:rPr lang="en-US" altLang="ko-KR" dirty="0"/>
+            </a:br>
+            <a:r>
+              <a:rPr lang="en-US" altLang="ko-KR" dirty="0"/>
+              <a:t>FORM</a:t>
+            </a:r>
+            <a:r>
+              <a:rPr lang="ko-KR" altLang="en-US" dirty="0"/>
+              <a:t> </a:t>
+            </a:r>
+            <a:r>
+              <a:rPr lang="en-US" altLang="ko-KR" dirty="0"/>
+              <a:t>name=“</a:t>
+            </a:r>
+            <a:r>
+              <a:rPr lang="ko-KR" altLang="en-US" dirty="0"/>
+              <a:t>이름</a:t>
+            </a:r>
+            <a:r>
+              <a:rPr lang="en-US" altLang="ko-KR" dirty="0"/>
+              <a:t>” action =“</a:t>
+            </a:r>
+            <a:r>
+              <a:rPr lang="ko-KR" altLang="en-US" dirty="0"/>
+              <a:t>요청대상</a:t>
+            </a:r>
+            <a:r>
+              <a:rPr lang="en-US" altLang="ko-KR" dirty="0"/>
+              <a:t>” method = “</a:t>
+            </a:r>
+            <a:r>
+              <a:rPr lang="ko-KR" altLang="en-US" dirty="0"/>
+              <a:t>요청방식</a:t>
+            </a:r>
+            <a:r>
+              <a:rPr lang="en-US" altLang="ko-KR" dirty="0"/>
+              <a:t>“</a:t>
+            </a:r>
+            <a:br>
+              <a:rPr lang="en-US" altLang="ko-KR" dirty="0"/>
+            </a:br>
+            <a:r>
+              <a:rPr lang="en-US" altLang="ko-KR" dirty="0"/>
+              <a:t>“</a:t>
+            </a:r>
             <a:r>
               <a:rPr lang="en-US" altLang="ko-KR" dirty="0" err="1"/>
-              <a:t>getParameter</a:t>
-            </a:r>
-            <a:r>
-              <a:rPr lang="en-US" altLang="ko-KR" dirty="0"/>
-              <a:t>(String name)</a:t>
-            </a:r>
-          </a:p>
-          <a:p>
-            <a:r>
-              <a:rPr lang="en-US" altLang="ko-KR" dirty="0"/>
-              <a:t>  -&gt;</a:t>
+              <a:t>enctype</a:t>
+            </a:r>
+            <a:r>
+              <a:rPr lang="en-US" altLang="ko-KR" dirty="0"/>
+              <a:t>=“</a:t>
+            </a:r>
+            <a:r>
+              <a:rPr lang="ko-KR" altLang="en-US" dirty="0" err="1"/>
+              <a:t>인코딩방식</a:t>
+            </a:r>
+            <a:r>
+              <a:rPr lang="en-US" altLang="ko-KR" dirty="0"/>
+              <a:t>”(</a:t>
             </a:r>
             <a:r>
               <a:rPr lang="ko-KR" altLang="en-US" dirty="0"/>
-              <a:t>클라이언트에서 전달한 파라미터 값을 추출</a:t>
-            </a:r>
-            <a:endParaRPr lang="en-US" altLang="ko-KR" dirty="0"/>
-          </a:p>
-          <a:p>
-            <a:endParaRPr lang="en-US" altLang="ko-KR" dirty="0"/>
-          </a:p>
-          <a:p>
+              <a:t>기본값이라 생략가능</a:t>
+            </a:r>
+            <a:r>
+              <a:rPr lang="en-US" altLang="ko-KR" dirty="0"/>
+              <a:t>)</a:t>
+            </a:r>
+          </a:p>
+          <a:p>
+            <a:pPr marL="342900" indent="-342900">
+              <a:buAutoNum type="arabicPeriod"/>
+            </a:pPr>
+            <a:r>
+              <a:rPr lang="en-US" altLang="ko-KR" dirty="0"/>
+              <a:t>/form</a:t>
+            </a:r>
+            <a:br>
+              <a:rPr lang="en-US" altLang="ko-KR" dirty="0"/>
+            </a:br>
+            <a:br>
+              <a:rPr lang="en-US" altLang="ko-KR" dirty="0"/>
+            </a:br>
             <a:r>
               <a:rPr lang="en-US" altLang="ko-KR" dirty="0" err="1"/>
-              <a:t>getParameterNames</a:t>
-            </a:r>
-            <a:r>
-              <a:rPr lang="en-US" altLang="ko-KR" dirty="0"/>
-              <a:t>(String name)</a:t>
-            </a:r>
-          </a:p>
-          <a:p>
-            <a:r>
-              <a:rPr lang="en-US" altLang="ko-KR" dirty="0"/>
-              <a:t>  -&gt;</a:t>
+              <a:t>enctype</a:t>
             </a:r>
             <a:r>
               <a:rPr lang="ko-KR" altLang="en-US" dirty="0"/>
-              <a:t>클라이언트에서 보낸 </a:t>
-            </a:r>
-            <a:r>
-              <a:rPr lang="ko-KR" altLang="en-US" dirty="0" err="1"/>
-              <a:t>파라미터값을</a:t>
+              <a:t>속성</a:t>
+            </a:r>
+            <a:br>
+              <a:rPr lang="en-US" altLang="ko-KR" dirty="0"/>
+            </a:br>
+            <a:r>
+              <a:rPr lang="en-US" altLang="ko-KR" dirty="0"/>
+              <a:t>application/x-www-form-</a:t>
+            </a:r>
+            <a:r>
+              <a:rPr lang="en-US" altLang="ko-KR" dirty="0" err="1"/>
+              <a:t>urlencoded</a:t>
+            </a:r>
+            <a:r>
+              <a:rPr lang="en-US" altLang="ko-KR" dirty="0"/>
+              <a:t> –</a:t>
             </a:r>
             <a:r>
               <a:rPr lang="ko-KR" altLang="en-US" dirty="0"/>
-              <a:t> 모두 추출</a:t>
-            </a:r>
-            <a:r>
-              <a:rPr lang="en-US" altLang="ko-KR" dirty="0"/>
-              <a:t>, (</a:t>
-            </a:r>
-            <a:r>
-              <a:rPr lang="ko-KR" altLang="en-US" dirty="0"/>
-              <a:t>반환타입</a:t>
-            </a:r>
-            <a:r>
-              <a:rPr lang="en-US" altLang="ko-KR" dirty="0"/>
-              <a:t>:Enumeration)</a:t>
-            </a:r>
-          </a:p>
-          <a:p>
-            <a:endParaRPr lang="en-US" altLang="ko-KR" dirty="0"/>
-          </a:p>
-          <a:p>
-            <a:endParaRPr lang="en-US" altLang="ko-KR" dirty="0"/>
-          </a:p>
-          <a:p>
-            <a:r>
-              <a:rPr lang="en-US" altLang="ko-KR" dirty="0" err="1"/>
-              <a:t>getParameterValues</a:t>
-            </a:r>
-            <a:r>
-              <a:rPr lang="en-US" altLang="ko-KR" dirty="0"/>
-              <a:t>(String name)</a:t>
-            </a:r>
-          </a:p>
-          <a:p>
-            <a:r>
-              <a:rPr lang="en-US" altLang="ko-KR" dirty="0"/>
-              <a:t>   -&gt;</a:t>
-            </a:r>
-            <a:r>
-              <a:rPr lang="ko-KR" altLang="en-US" dirty="0" err="1"/>
-              <a:t>클라리언트에서</a:t>
-            </a:r>
-            <a:r>
-              <a:rPr lang="ko-KR" altLang="en-US" dirty="0"/>
-              <a:t> 보낸 파라미터의 값을 모두 추출</a:t>
-            </a:r>
-            <a:r>
-              <a:rPr lang="en-US" altLang="ko-KR" dirty="0"/>
-              <a:t>(</a:t>
-            </a:r>
-            <a:r>
-              <a:rPr lang="ko-KR" altLang="en-US" dirty="0"/>
-              <a:t>반환타입 </a:t>
-            </a:r>
-            <a:r>
-              <a:rPr lang="en-US" altLang="ko-KR" dirty="0"/>
-              <a:t>: String[])</a:t>
+              <a:t>기본값</a:t>
+            </a:r>
+            <a:br>
+              <a:rPr lang="en-US" altLang="ko-KR" dirty="0"/>
+            </a:br>
+            <a:r>
+              <a:rPr lang="en-US" altLang="ko-KR" dirty="0"/>
+              <a:t>multipart/from</a:t>
             </a:r>
           </a:p>
         </p:txBody>
@@ -7511,7 +8239,7 @@
     </p:spTree>
     <p:extLst>
       <p:ext uri="{BB962C8B-B14F-4D97-AF65-F5344CB8AC3E}">
-        <p14:creationId xmlns:p14="http://schemas.microsoft.com/office/powerpoint/2010/main" val="2284085464"/>
+        <p14:creationId xmlns:p14="http://schemas.microsoft.com/office/powerpoint/2010/main" val="53631057"/>
       </p:ext>
     </p:extLst>
   </p:cSld>
@@ -7540,62 +8268,6 @@
       </p:grpSpPr>
       <p:sp>
         <p:nvSpPr>
-          <p:cNvPr id="6" name="TextBox 5">
-            <a:extLst>
-              <a:ext uri="{FF2B5EF4-FFF2-40B4-BE49-F238E27FC236}">
-                <a16:creationId xmlns:a16="http://schemas.microsoft.com/office/drawing/2014/main" id="{38200B59-D9CB-4786-8E63-6A95483ABADE}"/>
-              </a:ext>
-            </a:extLst>
-          </p:cNvPr>
-          <p:cNvSpPr txBox="1"/>
-          <p:nvPr/>
-        </p:nvSpPr>
-        <p:spPr>
-          <a:xfrm>
-            <a:off x="863600" y="292100"/>
-            <a:ext cx="10083800" cy="523220"/>
-          </a:xfrm>
-          <a:prstGeom prst="rect">
-            <a:avLst/>
-          </a:prstGeom>
-          <a:noFill/>
-        </p:spPr>
-        <p:txBody>
-          <a:bodyPr wrap="square" rtlCol="0">
-            <a:spAutoFit/>
-          </a:bodyPr>
-          <a:lstStyle/>
-          <a:p>
-            <a:r>
-              <a:rPr lang="en-US" altLang="ko-KR" sz="2800" dirty="0" err="1"/>
-              <a:t>errorPage</a:t>
-            </a:r>
-            <a:r>
-              <a:rPr lang="en-US" altLang="ko-KR" sz="2800" dirty="0"/>
-              <a:t> </a:t>
-            </a:r>
-            <a:r>
-              <a:rPr lang="ko-KR" altLang="en-US" sz="2800" dirty="0"/>
-              <a:t>처리를 </a:t>
-            </a:r>
-            <a:r>
-              <a:rPr lang="en-US" altLang="ko-KR" sz="2800" dirty="0"/>
-              <a:t>xml</a:t>
-            </a:r>
-            <a:r>
-              <a:rPr lang="ko-KR" altLang="en-US" sz="2800" dirty="0"/>
-              <a:t>에 </a:t>
-            </a:r>
-            <a:r>
-              <a:rPr lang="ko-KR" altLang="en-US" sz="2800" dirty="0" err="1"/>
-              <a:t>하는방법</a:t>
-            </a:r>
-            <a:endParaRPr lang="ko-KR" altLang="en-US" sz="2800" dirty="0"/>
-          </a:p>
-        </p:txBody>
-      </p:sp>
-      <p:sp>
-        <p:nvSpPr>
           <p:cNvPr id="7" name="TextBox 6">
             <a:extLst>
               <a:ext uri="{FF2B5EF4-FFF2-40B4-BE49-F238E27FC236}">
@@ -7608,8 +8280,8 @@
         </p:nvSpPr>
         <p:spPr>
           <a:xfrm>
-            <a:off x="1104900" y="1358900"/>
-            <a:ext cx="9842500" cy="1477328"/>
+            <a:off x="729842" y="1048948"/>
+            <a:ext cx="9842500" cy="646331"/>
           </a:xfrm>
           <a:prstGeom prst="rect">
             <a:avLst/>
@@ -7622,68 +8294,599 @@
           </a:bodyPr>
           <a:lstStyle/>
           <a:p>
-            <a:pPr marL="285750" indent="-285750">
-              <a:buFont typeface="Arial" panose="020B0604020202020204" pitchFamily="34" charset="0"/>
-              <a:buChar char="•"/>
+            <a:r>
+              <a:rPr lang="en-US" altLang="ko-KR" dirty="0" err="1"/>
+              <a:t>HttpservletRequset</a:t>
+            </a:r>
+            <a:br>
+              <a:rPr lang="en-US" altLang="ko-KR" dirty="0"/>
+            </a:br>
+            <a:endParaRPr lang="en-US" altLang="ko-KR" dirty="0"/>
+          </a:p>
+        </p:txBody>
+      </p:sp>
+      <p:sp>
+        <p:nvSpPr>
+          <p:cNvPr id="2" name="TextBox 1">
+            <a:extLst>
+              <a:ext uri="{FF2B5EF4-FFF2-40B4-BE49-F238E27FC236}">
+                <a16:creationId xmlns:a16="http://schemas.microsoft.com/office/drawing/2014/main" id="{67A7C1F6-3EA8-4552-A7E6-405CECE8401F}"/>
+              </a:ext>
+            </a:extLst>
+          </p:cNvPr>
+          <p:cNvSpPr txBox="1"/>
+          <p:nvPr/>
+        </p:nvSpPr>
+        <p:spPr>
+          <a:xfrm>
+            <a:off x="729842" y="1729040"/>
+            <a:ext cx="8884163" cy="1754326"/>
+          </a:xfrm>
+          <a:prstGeom prst="rect">
+            <a:avLst/>
+          </a:prstGeom>
+          <a:noFill/>
+        </p:spPr>
+        <p:txBody>
+          <a:bodyPr wrap="none" rtlCol="0">
+            <a:spAutoFit/>
+          </a:bodyPr>
+          <a:lstStyle/>
+          <a:p>
+            <a:r>
+              <a:rPr lang="en-US" altLang="ko-KR" dirty="0" err="1"/>
+              <a:t>getSession</a:t>
+            </a:r>
+            <a:r>
+              <a:rPr lang="en-US" altLang="ko-KR" dirty="0"/>
+              <a:t>(true) – </a:t>
+            </a:r>
+            <a:r>
+              <a:rPr lang="ko-KR" altLang="en-US" dirty="0"/>
+              <a:t>기존에 </a:t>
+            </a:r>
+            <a:r>
+              <a:rPr lang="en-US" altLang="ko-KR" dirty="0" err="1"/>
+              <a:t>HttpSession</a:t>
+            </a:r>
+            <a:r>
+              <a:rPr lang="en-US" altLang="ko-KR" dirty="0"/>
+              <a:t> </a:t>
+            </a:r>
+            <a:r>
+              <a:rPr lang="ko-KR" altLang="en-US" dirty="0"/>
+              <a:t>객체가 존재하면 반환하고</a:t>
+            </a:r>
+            <a:r>
+              <a:rPr lang="en-US" altLang="ko-KR" dirty="0"/>
+              <a:t>, </a:t>
+            </a:r>
+            <a:r>
+              <a:rPr lang="ko-KR" altLang="en-US" dirty="0"/>
+              <a:t>존재 하지 않으면</a:t>
+            </a:r>
+            <a:endParaRPr lang="en-US" altLang="ko-KR" dirty="0"/>
+          </a:p>
+          <a:p>
+            <a:r>
+              <a:rPr lang="en-US" altLang="ko-KR" dirty="0"/>
+              <a:t>	             </a:t>
+            </a:r>
+            <a:r>
+              <a:rPr lang="ko-KR" altLang="en-US" dirty="0"/>
+              <a:t>새로운 </a:t>
+            </a:r>
+            <a:r>
+              <a:rPr lang="en-US" altLang="ko-KR" dirty="0" err="1"/>
+              <a:t>HttpSession</a:t>
+            </a:r>
+            <a:r>
+              <a:rPr lang="en-US" altLang="ko-KR" dirty="0"/>
+              <a:t> </a:t>
+            </a:r>
+            <a:r>
+              <a:rPr lang="ko-KR" altLang="en-US" dirty="0"/>
+              <a:t>객체를 생성한다</a:t>
+            </a:r>
+            <a:r>
+              <a:rPr lang="en-US" altLang="ko-KR" dirty="0"/>
+              <a:t>. </a:t>
+            </a:r>
+            <a:r>
+              <a:rPr lang="en-US" altLang="ko-KR" dirty="0" err="1"/>
+              <a:t>getSession</a:t>
+            </a:r>
+            <a:r>
+              <a:rPr lang="en-US" altLang="ko-KR" dirty="0"/>
+              <a:t>()</a:t>
+            </a:r>
+          </a:p>
+          <a:p>
+            <a:endParaRPr lang="en-US" altLang="ko-KR" dirty="0"/>
+          </a:p>
+          <a:p>
+            <a:r>
+              <a:rPr lang="en-US" altLang="ko-KR" dirty="0" err="1"/>
+              <a:t>getSession</a:t>
+            </a:r>
+            <a:r>
+              <a:rPr lang="en-US" altLang="ko-KR" dirty="0"/>
+              <a:t>(false) - </a:t>
+            </a:r>
+            <a:r>
+              <a:rPr lang="ko-KR" altLang="en-US" dirty="0"/>
+              <a:t>기존에 </a:t>
+            </a:r>
+            <a:r>
+              <a:rPr lang="en-US" altLang="ko-KR" dirty="0" err="1"/>
+              <a:t>HttpSession</a:t>
+            </a:r>
+            <a:r>
+              <a:rPr lang="en-US" altLang="ko-KR" dirty="0"/>
+              <a:t> </a:t>
+            </a:r>
+            <a:r>
+              <a:rPr lang="ko-KR" altLang="en-US" dirty="0"/>
+              <a:t>객체가 존재하면 반환하고</a:t>
+            </a:r>
+            <a:r>
+              <a:rPr lang="en-US" altLang="ko-KR" dirty="0"/>
+              <a:t>, </a:t>
+            </a:r>
+            <a:r>
+              <a:rPr lang="ko-KR" altLang="en-US" dirty="0"/>
+              <a:t>존재 하지 않으면</a:t>
+            </a:r>
+            <a:endParaRPr lang="en-US" altLang="ko-KR" dirty="0"/>
+          </a:p>
+          <a:p>
+            <a:r>
+              <a:rPr lang="en-US" altLang="ko-KR" dirty="0"/>
+              <a:t>	             null</a:t>
+            </a:r>
+            <a:r>
+              <a:rPr lang="ko-KR" altLang="en-US" dirty="0"/>
+              <a:t>을 반환</a:t>
+            </a:r>
+            <a:r>
+              <a:rPr lang="en-US" altLang="ko-KR" dirty="0"/>
+              <a:t>,</a:t>
+            </a:r>
+          </a:p>
+          <a:p>
+            <a:endParaRPr lang="ko-KR" altLang="en-US" dirty="0"/>
+          </a:p>
+        </p:txBody>
+      </p:sp>
+      <p:sp>
+        <p:nvSpPr>
+          <p:cNvPr id="3" name="TextBox 2">
+            <a:extLst>
+              <a:ext uri="{FF2B5EF4-FFF2-40B4-BE49-F238E27FC236}">
+                <a16:creationId xmlns:a16="http://schemas.microsoft.com/office/drawing/2014/main" id="{5DD4E59D-30DD-4501-B2EE-CFCE88D62382}"/>
+              </a:ext>
+            </a:extLst>
+          </p:cNvPr>
+          <p:cNvSpPr txBox="1"/>
+          <p:nvPr/>
+        </p:nvSpPr>
+        <p:spPr>
+          <a:xfrm>
+            <a:off x="1174723" y="3517127"/>
+            <a:ext cx="737702" cy="369332"/>
+          </a:xfrm>
+          <a:prstGeom prst="rect">
+            <a:avLst/>
+          </a:prstGeom>
+          <a:noFill/>
+        </p:spPr>
+        <p:txBody>
+          <a:bodyPr wrap="none" rtlCol="0">
+            <a:spAutoFit/>
+          </a:bodyPr>
+          <a:lstStyle/>
+          <a:p>
+            <a:r>
+              <a:rPr lang="en-US" altLang="ko-KR" dirty="0"/>
+              <a:t>2. </a:t>
+            </a:r>
+            <a:r>
+              <a:rPr lang="en-US" altLang="ko-KR" dirty="0" err="1"/>
+              <a:t>jsp</a:t>
+            </a:r>
+            <a:endParaRPr lang="ko-KR" altLang="en-US" dirty="0"/>
+          </a:p>
+        </p:txBody>
+      </p:sp>
+      <p:sp>
+        <p:nvSpPr>
+          <p:cNvPr id="8" name="TextBox 7">
+            <a:extLst>
+              <a:ext uri="{FF2B5EF4-FFF2-40B4-BE49-F238E27FC236}">
+                <a16:creationId xmlns:a16="http://schemas.microsoft.com/office/drawing/2014/main" id="{1979CC20-1166-4970-97A5-62C8649D3F1E}"/>
+              </a:ext>
+            </a:extLst>
+          </p:cNvPr>
+          <p:cNvSpPr txBox="1"/>
+          <p:nvPr/>
+        </p:nvSpPr>
+        <p:spPr>
+          <a:xfrm>
+            <a:off x="1048358" y="556155"/>
+            <a:ext cx="2603598" cy="369332"/>
+          </a:xfrm>
+          <a:prstGeom prst="rect">
+            <a:avLst/>
+          </a:prstGeom>
+          <a:noFill/>
+        </p:spPr>
+        <p:txBody>
+          <a:bodyPr wrap="none" rtlCol="0">
+            <a:spAutoFit/>
+          </a:bodyPr>
+          <a:lstStyle/>
+          <a:p>
+            <a:r>
+              <a:rPr lang="en-US" altLang="ko-KR" dirty="0"/>
+              <a:t>1. </a:t>
+            </a:r>
+            <a:r>
+              <a:rPr lang="ko-KR" altLang="en-US" dirty="0" err="1"/>
+              <a:t>서블릿에서</a:t>
+            </a:r>
+            <a:r>
+              <a:rPr lang="ko-KR" altLang="en-US" dirty="0"/>
+              <a:t> 세션생성</a:t>
+            </a:r>
+          </a:p>
+        </p:txBody>
+      </p:sp>
+      <p:sp>
+        <p:nvSpPr>
+          <p:cNvPr id="4" name="TextBox 3">
+            <a:extLst>
+              <a:ext uri="{FF2B5EF4-FFF2-40B4-BE49-F238E27FC236}">
+                <a16:creationId xmlns:a16="http://schemas.microsoft.com/office/drawing/2014/main" id="{C19DB0BC-F254-487E-98C2-6A840F91A8B2}"/>
+              </a:ext>
+            </a:extLst>
+          </p:cNvPr>
+          <p:cNvSpPr txBox="1"/>
+          <p:nvPr/>
+        </p:nvSpPr>
+        <p:spPr>
+          <a:xfrm>
+            <a:off x="729842" y="3920220"/>
+            <a:ext cx="4643835" cy="1200329"/>
+          </a:xfrm>
+          <a:prstGeom prst="rect">
+            <a:avLst/>
+          </a:prstGeom>
+          <a:noFill/>
+        </p:spPr>
+        <p:txBody>
+          <a:bodyPr wrap="none" rtlCol="0">
+            <a:spAutoFit/>
+          </a:bodyPr>
+          <a:lstStyle/>
+          <a:p>
+            <a:r>
+              <a:rPr lang="en-US" altLang="ko-KR" dirty="0"/>
+              <a:t>App = </a:t>
+            </a:r>
+            <a:r>
+              <a:rPr lang="en-US" altLang="ko-KR" dirty="0" err="1"/>
+              <a:t>pageContext.getServletContext</a:t>
+            </a:r>
+            <a:r>
+              <a:rPr lang="en-US" altLang="ko-KR" dirty="0"/>
+              <a:t>()</a:t>
+            </a:r>
+          </a:p>
+          <a:p>
+            <a:r>
+              <a:rPr lang="en-US" altLang="ko-KR" dirty="0"/>
+              <a:t>Config = </a:t>
+            </a:r>
+            <a:r>
+              <a:rPr lang="en-US" altLang="ko-KR" dirty="0" err="1"/>
+              <a:t>pageContext.getServecofing</a:t>
+            </a:r>
+            <a:r>
+              <a:rPr lang="en-US" altLang="ko-KR" dirty="0"/>
+              <a:t>()</a:t>
+            </a:r>
+          </a:p>
+          <a:p>
+            <a:r>
+              <a:rPr lang="en-US" altLang="ko-KR" dirty="0"/>
+              <a:t>Session = </a:t>
+            </a:r>
+            <a:r>
+              <a:rPr lang="en-US" altLang="ko-KR" dirty="0" err="1"/>
+              <a:t>pageContext.getSession</a:t>
+            </a:r>
+            <a:r>
+              <a:rPr lang="en-US" altLang="ko-KR" dirty="0"/>
+              <a:t>()</a:t>
+            </a:r>
+          </a:p>
+          <a:p>
+            <a:r>
+              <a:rPr lang="en-US" altLang="ko-KR" dirty="0"/>
+              <a:t>Out = </a:t>
+            </a:r>
+            <a:r>
+              <a:rPr lang="en-US" altLang="ko-KR" dirty="0" err="1"/>
+              <a:t>pageContext.getOut</a:t>
+            </a:r>
+            <a:r>
+              <a:rPr lang="en-US" altLang="ko-KR" dirty="0"/>
+              <a:t>()  &gt;&gt; </a:t>
+            </a:r>
+            <a:r>
+              <a:rPr lang="ko-KR" altLang="en-US" dirty="0" err="1"/>
+              <a:t>잘안쓰임</a:t>
+            </a:r>
+            <a:endParaRPr lang="ko-KR" altLang="en-US" dirty="0"/>
+          </a:p>
+        </p:txBody>
+      </p:sp>
+      <p:sp>
+        <p:nvSpPr>
+          <p:cNvPr id="5" name="TextBox 4">
+            <a:extLst>
+              <a:ext uri="{FF2B5EF4-FFF2-40B4-BE49-F238E27FC236}">
+                <a16:creationId xmlns:a16="http://schemas.microsoft.com/office/drawing/2014/main" id="{5269BAC4-1D19-4920-8DAB-260487281944}"/>
+              </a:ext>
+            </a:extLst>
+          </p:cNvPr>
+          <p:cNvSpPr txBox="1"/>
+          <p:nvPr/>
+        </p:nvSpPr>
+        <p:spPr>
+          <a:xfrm>
+            <a:off x="931178" y="5452844"/>
+            <a:ext cx="3963393" cy="1200329"/>
+          </a:xfrm>
+          <a:prstGeom prst="rect">
+            <a:avLst/>
+          </a:prstGeom>
+          <a:noFill/>
+        </p:spPr>
+        <p:txBody>
+          <a:bodyPr wrap="none" rtlCol="0">
+            <a:spAutoFit/>
+          </a:bodyPr>
+          <a:lstStyle/>
+          <a:p>
+            <a:r>
+              <a:rPr lang="ko-KR" altLang="en-US" dirty="0"/>
+              <a:t>세션을 </a:t>
+            </a:r>
+            <a:r>
+              <a:rPr lang="ko-KR" altLang="en-US" dirty="0" err="1"/>
+              <a:t>만듬</a:t>
+            </a:r>
+            <a:endParaRPr lang="en-US" altLang="ko-KR" dirty="0"/>
+          </a:p>
+          <a:p>
+            <a:r>
+              <a:rPr lang="en-US" altLang="ko-KR" dirty="0" err="1"/>
+              <a:t>Session.</a:t>
+            </a:r>
+            <a:r>
+              <a:rPr lang="en-US" altLang="ko-KR" sz="1800" dirty="0" err="1">
+                <a:solidFill>
+                  <a:srgbClr val="000000"/>
+                </a:solidFill>
+                <a:latin typeface="Consolas" panose="020B0609020204030204" pitchFamily="49" charset="0"/>
+              </a:rPr>
+              <a:t>setAttribute</a:t>
+            </a:r>
+            <a:r>
+              <a:rPr lang="en-US" altLang="ko-KR" dirty="0"/>
+              <a:t>(“</a:t>
+            </a:r>
+            <a:r>
+              <a:rPr lang="ko-KR" altLang="en-US" dirty="0"/>
+              <a:t>이름</a:t>
+            </a:r>
+            <a:r>
+              <a:rPr lang="en-US" altLang="ko-KR" dirty="0"/>
+              <a:t>”, “</a:t>
+            </a:r>
+            <a:r>
+              <a:rPr lang="ko-KR" altLang="en-US" dirty="0"/>
+              <a:t>값</a:t>
+            </a:r>
+            <a:r>
+              <a:rPr lang="en-US" altLang="ko-KR" dirty="0"/>
+              <a:t>”)</a:t>
+            </a:r>
+          </a:p>
+          <a:p>
+            <a:endParaRPr lang="en-US" altLang="ko-KR" dirty="0"/>
+          </a:p>
+          <a:p>
+            <a:r>
+              <a:rPr lang="ko-KR" altLang="en-US" dirty="0" err="1"/>
+              <a:t>세션을가져옴</a:t>
+            </a:r>
+            <a:endParaRPr lang="ko-KR" altLang="en-US" dirty="0"/>
+          </a:p>
+        </p:txBody>
+      </p:sp>
+      <p:sp>
+        <p:nvSpPr>
+          <p:cNvPr id="9" name="TextBox 8">
+            <a:extLst>
+              <a:ext uri="{FF2B5EF4-FFF2-40B4-BE49-F238E27FC236}">
+                <a16:creationId xmlns:a16="http://schemas.microsoft.com/office/drawing/2014/main" id="{FB3EB782-A7EE-494C-B4AC-56FCAE502E9B}"/>
+              </a:ext>
+            </a:extLst>
+          </p:cNvPr>
+          <p:cNvSpPr txBox="1"/>
+          <p:nvPr/>
+        </p:nvSpPr>
+        <p:spPr>
+          <a:xfrm>
+            <a:off x="6096000" y="3886459"/>
+            <a:ext cx="4993611" cy="2585323"/>
+          </a:xfrm>
+          <a:prstGeom prst="rect">
+            <a:avLst/>
+          </a:prstGeom>
+          <a:noFill/>
+        </p:spPr>
+        <p:txBody>
+          <a:bodyPr wrap="none" rtlCol="0">
+            <a:spAutoFit/>
+          </a:bodyPr>
+          <a:lstStyle/>
+          <a:p>
+            <a:pPr marL="342900" indent="-342900">
+              <a:buAutoNum type="arabicPeriod"/>
             </a:pPr>
             <a:r>
-              <a:rPr lang="en-US" altLang="ko-KR" dirty="0"/>
-              <a:t>&lt;error-page&gt;</a:t>
-            </a:r>
-            <a:br>
-              <a:rPr lang="en-US" altLang="ko-KR" dirty="0"/>
-            </a:br>
-            <a:r>
-              <a:rPr lang="en-US" altLang="ko-KR" dirty="0"/>
-              <a:t>   &lt;error-code&gt;</a:t>
-            </a:r>
-            <a:r>
               <a:rPr lang="ko-KR" altLang="en-US" dirty="0"/>
-              <a:t>오류번호 </a:t>
-            </a:r>
-            <a:r>
-              <a:rPr lang="en-US" altLang="ko-KR" dirty="0"/>
-              <a:t>&lt;/error-code&gt;</a:t>
-            </a:r>
-            <a:br>
-              <a:rPr lang="en-US" altLang="ko-KR" dirty="0"/>
-            </a:br>
-            <a:r>
-              <a:rPr lang="en-US" altLang="ko-KR" dirty="0"/>
-              <a:t>   &lt;location&gt; </a:t>
+              <a:t>세션 객체생성</a:t>
+            </a:r>
+            <a:endParaRPr lang="en-US" altLang="ko-KR" dirty="0"/>
+          </a:p>
+          <a:p>
+            <a:r>
+              <a:rPr lang="en-US" altLang="ko-KR" dirty="0"/>
+              <a:t>    </a:t>
+            </a:r>
+            <a:r>
+              <a:rPr lang="en-US" altLang="ko-KR" dirty="0" err="1"/>
+              <a:t>HttpSession</a:t>
+            </a:r>
+            <a:r>
+              <a:rPr lang="en-US" altLang="ko-KR" dirty="0"/>
+              <a:t> session = </a:t>
+            </a:r>
+            <a:r>
+              <a:rPr lang="en-US" altLang="ko-KR" dirty="0" err="1"/>
+              <a:t>request.getSession</a:t>
+            </a:r>
+            <a:r>
+              <a:rPr lang="en-US" altLang="ko-KR" dirty="0"/>
+              <a:t>()</a:t>
+            </a:r>
+          </a:p>
+          <a:p>
+            <a:r>
+              <a:rPr lang="en-US" altLang="ko-KR" dirty="0"/>
+              <a:t>2. </a:t>
             </a:r>
             <a:r>
               <a:rPr lang="ko-KR" altLang="en-US" dirty="0"/>
-              <a:t>오류 처리 페이지 </a:t>
-            </a:r>
-            <a:r>
-              <a:rPr lang="en-US" altLang="ko-KR" dirty="0"/>
-              <a:t>&lt;/location&gt;</a:t>
-            </a:r>
-          </a:p>
-          <a:p>
-            <a:pPr marL="285750" indent="-285750">
-              <a:buFont typeface="Arial" panose="020B0604020202020204" pitchFamily="34" charset="0"/>
-              <a:buChar char="•"/>
-            </a:pPr>
+              <a:t>세션속성지정</a:t>
+            </a:r>
             <a:endParaRPr lang="en-US" altLang="ko-KR" dirty="0"/>
           </a:p>
           <a:p>
-            <a:pPr marL="285750" indent="-285750">
-              <a:buFont typeface="Arial" panose="020B0604020202020204" pitchFamily="34" charset="0"/>
-              <a:buChar char="•"/>
-            </a:pPr>
-            <a:r>
-              <a:rPr lang="en-US" altLang="ko-KR" dirty="0"/>
-              <a:t>&lt;/error-page&gt;</a:t>
-            </a:r>
+            <a:r>
+              <a:rPr lang="ko-KR" altLang="en-US" dirty="0"/>
+              <a:t>    </a:t>
+            </a:r>
+            <a:r>
+              <a:rPr lang="en-US" altLang="ko-KR" dirty="0" err="1"/>
+              <a:t>session.setAttribute</a:t>
+            </a:r>
+            <a:r>
+              <a:rPr lang="en-US" altLang="ko-KR" dirty="0"/>
+              <a:t>(“</a:t>
+            </a:r>
+            <a:r>
+              <a:rPr lang="ko-KR" altLang="en-US" dirty="0"/>
+              <a:t>이름</a:t>
+            </a:r>
+            <a:r>
+              <a:rPr lang="en-US" altLang="ko-KR" dirty="0"/>
+              <a:t>”, “</a:t>
+            </a:r>
+            <a:r>
+              <a:rPr lang="ko-KR" altLang="en-US" dirty="0"/>
+              <a:t>값</a:t>
+            </a:r>
+            <a:r>
+              <a:rPr lang="en-US" altLang="ko-KR" dirty="0"/>
+              <a:t>”);</a:t>
+            </a:r>
+          </a:p>
+          <a:p>
+            <a:r>
+              <a:rPr lang="en-US" altLang="ko-KR" dirty="0"/>
+              <a:t>    </a:t>
+            </a:r>
+          </a:p>
+          <a:p>
+            <a:r>
+              <a:rPr lang="en-US" altLang="ko-KR" dirty="0"/>
+              <a:t>3. </a:t>
+            </a:r>
+            <a:r>
+              <a:rPr lang="ko-KR" altLang="en-US" dirty="0"/>
+              <a:t>출력</a:t>
+            </a:r>
+            <a:endParaRPr lang="en-US" altLang="ko-KR" dirty="0"/>
+          </a:p>
+          <a:p>
+            <a:r>
+              <a:rPr lang="en-US" altLang="ko-KR" dirty="0"/>
+              <a:t>  </a:t>
+            </a:r>
+            <a:r>
+              <a:rPr lang="en-US" altLang="ko-KR" dirty="0" err="1"/>
+              <a:t>session.getAttribute</a:t>
+            </a:r>
+            <a:r>
+              <a:rPr lang="en-US" altLang="ko-KR" dirty="0"/>
+              <a:t>(“</a:t>
+            </a:r>
+            <a:r>
+              <a:rPr lang="ko-KR" altLang="en-US" dirty="0"/>
+              <a:t>이름</a:t>
+            </a:r>
+            <a:r>
+              <a:rPr lang="en-US" altLang="ko-KR" dirty="0"/>
+              <a:t>”);</a:t>
+            </a:r>
+          </a:p>
+          <a:p>
+            <a:r>
+              <a:rPr lang="en-US" altLang="ko-KR" dirty="0"/>
+              <a:t>4.</a:t>
+            </a:r>
+            <a:r>
+              <a:rPr lang="ko-KR" altLang="en-US" dirty="0"/>
+              <a:t>세션종료</a:t>
+            </a:r>
+            <a:endParaRPr lang="en-US" altLang="ko-KR" dirty="0"/>
+          </a:p>
+          <a:p>
+            <a:r>
+              <a:rPr lang="en-US" altLang="ko-KR" dirty="0"/>
+              <a:t> </a:t>
+            </a:r>
+            <a:r>
+              <a:rPr lang="en-US" altLang="ko-KR" dirty="0" err="1"/>
+              <a:t>session.invalidate</a:t>
+            </a:r>
+            <a:r>
+              <a:rPr lang="en-US" altLang="ko-KR" dirty="0"/>
+              <a:t>()</a:t>
+            </a:r>
+            <a:endParaRPr lang="ko-KR" altLang="en-US" dirty="0"/>
           </a:p>
         </p:txBody>
       </p:sp>
     </p:spTree>
     <p:extLst>
       <p:ext uri="{BB962C8B-B14F-4D97-AF65-F5344CB8AC3E}">
-        <p14:creationId xmlns:p14="http://schemas.microsoft.com/office/powerpoint/2010/main" val="3312328449"/>
+        <p14:creationId xmlns:p14="http://schemas.microsoft.com/office/powerpoint/2010/main" val="1828315825"/>
       </p:ext>
     </p:extLst>
   </p:cSld>
@@ -7739,16 +8942,12 @@
           <a:lstStyle/>
           <a:p>
             <a:r>
-              <a:rPr lang="en-US" altLang="ko-KR" sz="2800"/>
-              <a:t>Include</a:t>
-            </a:r>
-            <a:r>
               <a:rPr lang="ko-KR" altLang="en-US" sz="2800" dirty="0"/>
-              <a:t> 속성</a:t>
+              <a:t>표현 언어</a:t>
             </a:r>
             <a:r>
               <a:rPr lang="en-US" altLang="ko-KR" sz="2800" dirty="0"/>
-              <a:t> </a:t>
+              <a:t>(Expression Language) = &gt; EL</a:t>
             </a:r>
             <a:endParaRPr lang="ko-KR" altLang="en-US" sz="2800" dirty="0"/>
           </a:p>
@@ -7756,10 +8955,10 @@
       </p:sp>
       <p:sp>
         <p:nvSpPr>
-          <p:cNvPr id="7" name="TextBox 6">
+          <p:cNvPr id="4" name="TextBox 3">
             <a:extLst>
               <a:ext uri="{FF2B5EF4-FFF2-40B4-BE49-F238E27FC236}">
-                <a16:creationId xmlns:a16="http://schemas.microsoft.com/office/drawing/2014/main" id="{6E4D0DA5-EEB5-43F2-BCAC-A75F86B6D7D0}"/>
+                <a16:creationId xmlns:a16="http://schemas.microsoft.com/office/drawing/2014/main" id="{206C3B52-9C5F-4DF2-A8E7-B53A00B58576}"/>
               </a:ext>
             </a:extLst>
           </p:cNvPr>
@@ -7768,8 +8967,8 @@
         </p:nvSpPr>
         <p:spPr>
           <a:xfrm>
-            <a:off x="1021010" y="964618"/>
-            <a:ext cx="9842500" cy="646331"/>
+            <a:off x="905989" y="1518407"/>
+            <a:ext cx="3958071" cy="1477328"/>
           </a:xfrm>
           <a:prstGeom prst="rect">
             <a:avLst/>
@@ -7777,34 +8976,557 @@
           <a:noFill/>
         </p:spPr>
         <p:txBody>
-          <a:bodyPr wrap="square" rtlCol="0">
+          <a:bodyPr wrap="none" rtlCol="0">
             <a:spAutoFit/>
           </a:bodyPr>
           <a:lstStyle/>
           <a:p>
             <a:r>
               <a:rPr lang="en-US" altLang="ko-KR" dirty="0"/>
-              <a:t>&lt;%@ include file = “</a:t>
+              <a:t> EL </a:t>
             </a:r>
             <a:r>
               <a:rPr lang="ko-KR" altLang="en-US" dirty="0"/>
-              <a:t>파일명</a:t>
-            </a:r>
-            <a:r>
-              <a:rPr lang="en-US" altLang="ko-KR" dirty="0"/>
-              <a:t>” %&gt;</a:t>
-            </a:r>
-            <a:br>
-              <a:rPr lang="en-US" altLang="ko-KR" dirty="0"/>
-            </a:br>
+              <a:t>기본구조 </a:t>
+            </a:r>
+            <a:r>
+              <a:rPr lang="en-US" altLang="ko-KR" dirty="0"/>
+              <a:t>: $(</a:t>
+            </a:r>
+            <a:r>
+              <a:rPr lang="ko-KR" altLang="en-US" dirty="0"/>
+              <a:t>표현식</a:t>
+            </a:r>
+            <a:r>
+              <a:rPr lang="en-US" altLang="ko-KR" dirty="0"/>
+              <a:t>)</a:t>
+            </a:r>
+          </a:p>
+          <a:p>
+            <a:r>
+              <a:rPr lang="en-US" altLang="ko-KR" dirty="0" err="1"/>
+              <a:t>isELlgnored</a:t>
+            </a:r>
+            <a:r>
+              <a:rPr lang="en-US" altLang="ko-KR" dirty="0"/>
+              <a:t>=“true” // </a:t>
+            </a:r>
+            <a:r>
+              <a:rPr lang="ko-KR" altLang="en-US" dirty="0"/>
+              <a:t>기본값은 </a:t>
+            </a:r>
+            <a:r>
+              <a:rPr lang="en-US" altLang="ko-KR" dirty="0"/>
+              <a:t>false</a:t>
+            </a:r>
+          </a:p>
+          <a:p>
             <a:endParaRPr lang="en-US" altLang="ko-KR" dirty="0"/>
+          </a:p>
+          <a:p>
+            <a:r>
+              <a:rPr lang="ko-KR" altLang="en-US" dirty="0"/>
+              <a:t>논리 </a:t>
+            </a:r>
+            <a:r>
+              <a:rPr lang="en-US" altLang="ko-KR" dirty="0"/>
+              <a:t>: ${true},${false}</a:t>
+            </a:r>
+          </a:p>
+          <a:p>
+            <a:r>
+              <a:rPr lang="ko-KR" altLang="en-US" dirty="0"/>
+              <a:t>숫자 </a:t>
+            </a:r>
+            <a:r>
+              <a:rPr lang="en-US" altLang="ko-KR" dirty="0"/>
+              <a:t>: ${123},${-123}</a:t>
+            </a:r>
+            <a:endParaRPr lang="ko-KR" altLang="en-US" dirty="0"/>
+          </a:p>
+        </p:txBody>
+      </p:sp>
+      <p:sp>
+        <p:nvSpPr>
+          <p:cNvPr id="2" name="TextBox 1">
+            <a:extLst>
+              <a:ext uri="{FF2B5EF4-FFF2-40B4-BE49-F238E27FC236}">
+                <a16:creationId xmlns:a16="http://schemas.microsoft.com/office/drawing/2014/main" id="{7732EFA9-BA08-439C-9694-67B08A48B99F}"/>
+              </a:ext>
+            </a:extLst>
+          </p:cNvPr>
+          <p:cNvSpPr txBox="1"/>
+          <p:nvPr/>
+        </p:nvSpPr>
+        <p:spPr>
+          <a:xfrm>
+            <a:off x="1300294" y="3305262"/>
+            <a:ext cx="5577168" cy="2308324"/>
+          </a:xfrm>
+          <a:prstGeom prst="rect">
+            <a:avLst/>
+          </a:prstGeom>
+          <a:noFill/>
+        </p:spPr>
+        <p:txBody>
+          <a:bodyPr wrap="none" rtlCol="0">
+            <a:spAutoFit/>
+          </a:bodyPr>
+          <a:lstStyle/>
+          <a:p>
+            <a:pPr algn="l"/>
+            <a:r>
+              <a:rPr lang="en-US" altLang="ko-KR" sz="1800" dirty="0">
+                <a:solidFill>
+                  <a:srgbClr val="000000"/>
+                </a:solidFill>
+                <a:latin typeface="Consolas" panose="020B0609020204030204" pitchFamily="49" charset="0"/>
+              </a:rPr>
+              <a:t> \${</a:t>
+            </a:r>
+            <a:r>
+              <a:rPr lang="en-US" altLang="ko-KR" sz="1800" b="1" dirty="0">
+                <a:solidFill>
+                  <a:srgbClr val="7F0055"/>
+                </a:solidFill>
+                <a:latin typeface="Consolas" panose="020B0609020204030204" pitchFamily="49" charset="0"/>
+              </a:rPr>
+              <a:t>true </a:t>
+            </a:r>
+            <a:r>
+              <a:rPr lang="en-US" altLang="ko-KR" sz="1800" b="1" dirty="0">
+                <a:solidFill>
+                  <a:srgbClr val="000000"/>
+                </a:solidFill>
+                <a:latin typeface="Consolas" panose="020B0609020204030204" pitchFamily="49" charset="0"/>
+              </a:rPr>
+              <a:t>} : ${</a:t>
+            </a:r>
+            <a:r>
+              <a:rPr lang="en-US" altLang="ko-KR" sz="1800" b="1" dirty="0">
+                <a:solidFill>
+                  <a:srgbClr val="7F0055"/>
+                </a:solidFill>
+                <a:latin typeface="Consolas" panose="020B0609020204030204" pitchFamily="49" charset="0"/>
+              </a:rPr>
+              <a:t>true</a:t>
+            </a:r>
+            <a:r>
+              <a:rPr lang="en-US" altLang="ko-KR" sz="1800" b="1" dirty="0">
+                <a:solidFill>
+                  <a:srgbClr val="000000"/>
+                </a:solidFill>
+                <a:latin typeface="Consolas" panose="020B0609020204030204" pitchFamily="49" charset="0"/>
+              </a:rPr>
+              <a:t>} </a:t>
+            </a:r>
+            <a:r>
+              <a:rPr lang="en-US" altLang="ko-KR" sz="1800" b="1" dirty="0">
+                <a:solidFill>
+                  <a:srgbClr val="008080"/>
+                </a:solidFill>
+                <a:latin typeface="Consolas" panose="020B0609020204030204" pitchFamily="49" charset="0"/>
+              </a:rPr>
+              <a:t>&lt;</a:t>
+            </a:r>
+            <a:r>
+              <a:rPr lang="en-US" altLang="ko-KR" sz="1800" b="1" dirty="0" err="1">
+                <a:solidFill>
+                  <a:srgbClr val="3F7F7F"/>
+                </a:solidFill>
+                <a:latin typeface="Consolas" panose="020B0609020204030204" pitchFamily="49" charset="0"/>
+              </a:rPr>
+              <a:t>br</a:t>
+            </a:r>
+            <a:r>
+              <a:rPr lang="en-US" altLang="ko-KR" sz="1800" b="1" dirty="0">
+                <a:solidFill>
+                  <a:srgbClr val="008080"/>
+                </a:solidFill>
+                <a:latin typeface="Consolas" panose="020B0609020204030204" pitchFamily="49" charset="0"/>
+              </a:rPr>
+              <a:t>&gt;</a:t>
+            </a:r>
+          </a:p>
+          <a:p>
+            <a:pPr algn="l"/>
+            <a:r>
+              <a:rPr lang="en-US" altLang="ko-KR" sz="1800" dirty="0">
+                <a:solidFill>
+                  <a:srgbClr val="000000"/>
+                </a:solidFill>
+                <a:latin typeface="Consolas" panose="020B0609020204030204" pitchFamily="49" charset="0"/>
+              </a:rPr>
+              <a:t>   \${120 } : ${120} </a:t>
+            </a:r>
+            <a:r>
+              <a:rPr lang="en-US" altLang="ko-KR" sz="1800" dirty="0">
+                <a:solidFill>
+                  <a:srgbClr val="008080"/>
+                </a:solidFill>
+                <a:latin typeface="Consolas" panose="020B0609020204030204" pitchFamily="49" charset="0"/>
+              </a:rPr>
+              <a:t>&lt;</a:t>
+            </a:r>
+            <a:r>
+              <a:rPr lang="en-US" altLang="ko-KR" sz="1800" dirty="0" err="1">
+                <a:solidFill>
+                  <a:srgbClr val="3F7F7F"/>
+                </a:solidFill>
+                <a:latin typeface="Consolas" panose="020B0609020204030204" pitchFamily="49" charset="0"/>
+              </a:rPr>
+              <a:t>br</a:t>
+            </a:r>
+            <a:r>
+              <a:rPr lang="en-US" altLang="ko-KR" sz="1800" dirty="0">
+                <a:solidFill>
+                  <a:srgbClr val="008080"/>
+                </a:solidFill>
+                <a:latin typeface="Consolas" panose="020B0609020204030204" pitchFamily="49" charset="0"/>
+              </a:rPr>
+              <a:t>&gt;</a:t>
+            </a:r>
+          </a:p>
+          <a:p>
+            <a:pPr algn="l"/>
+            <a:r>
+              <a:rPr lang="en-US" altLang="ko-KR" sz="1800" dirty="0">
+                <a:solidFill>
+                  <a:srgbClr val="000000"/>
+                </a:solidFill>
+                <a:latin typeface="Consolas" panose="020B0609020204030204" pitchFamily="49" charset="0"/>
+              </a:rPr>
+              <a:t>   \${1.2e3} : ${1.2e3 }</a:t>
+            </a:r>
+            <a:r>
+              <a:rPr lang="en-US" altLang="ko-KR" sz="1800" dirty="0">
+                <a:solidFill>
+                  <a:srgbClr val="008080"/>
+                </a:solidFill>
+                <a:latin typeface="Consolas" panose="020B0609020204030204" pitchFamily="49" charset="0"/>
+              </a:rPr>
+              <a:t>&lt;</a:t>
+            </a:r>
+            <a:r>
+              <a:rPr lang="en-US" altLang="ko-KR" sz="1800" dirty="0" err="1">
+                <a:solidFill>
+                  <a:srgbClr val="3F7F7F"/>
+                </a:solidFill>
+                <a:latin typeface="Consolas" panose="020B0609020204030204" pitchFamily="49" charset="0"/>
+              </a:rPr>
+              <a:t>br</a:t>
+            </a:r>
+            <a:r>
+              <a:rPr lang="en-US" altLang="ko-KR" sz="1800" dirty="0">
+                <a:solidFill>
+                  <a:srgbClr val="008080"/>
+                </a:solidFill>
+                <a:latin typeface="Consolas" panose="020B0609020204030204" pitchFamily="49" charset="0"/>
+              </a:rPr>
+              <a:t>&gt;</a:t>
+            </a:r>
+            <a:r>
+              <a:rPr lang="en-US" altLang="ko-KR" sz="1800" dirty="0">
+                <a:solidFill>
+                  <a:srgbClr val="000000"/>
+                </a:solidFill>
+                <a:latin typeface="Consolas" panose="020B0609020204030204" pitchFamily="49" charset="0"/>
+              </a:rPr>
+              <a:t> </a:t>
+            </a:r>
+          </a:p>
+          <a:p>
+            <a:pPr algn="l"/>
+            <a:r>
+              <a:rPr lang="ko-KR" altLang="en-US" sz="1800" dirty="0">
+                <a:solidFill>
+                  <a:srgbClr val="000000"/>
+                </a:solidFill>
+                <a:latin typeface="Consolas" panose="020B0609020204030204" pitchFamily="49" charset="0"/>
+              </a:rPr>
+              <a:t>   </a:t>
+            </a:r>
+            <a:r>
+              <a:rPr lang="en-US" altLang="ko-KR" sz="1800" dirty="0">
+                <a:solidFill>
+                  <a:srgbClr val="000000"/>
+                </a:solidFill>
+                <a:latin typeface="Consolas" panose="020B0609020204030204" pitchFamily="49" charset="0"/>
+              </a:rPr>
+              <a:t>\${"EL</a:t>
+            </a:r>
+            <a:r>
+              <a:rPr lang="ko-KR" altLang="en-US" sz="1800" dirty="0">
+                <a:solidFill>
+                  <a:srgbClr val="000000"/>
+                </a:solidFill>
+                <a:latin typeface="Consolas" panose="020B0609020204030204" pitchFamily="49" charset="0"/>
+              </a:rPr>
+              <a:t>문자열</a:t>
+            </a:r>
+            <a:r>
+              <a:rPr lang="en-US" altLang="ko-KR" sz="1800" dirty="0">
+                <a:solidFill>
+                  <a:srgbClr val="000000"/>
+                </a:solidFill>
+                <a:latin typeface="Consolas" panose="020B0609020204030204" pitchFamily="49" charset="0"/>
+              </a:rPr>
+              <a:t>" } : ${"EL</a:t>
+            </a:r>
+            <a:r>
+              <a:rPr lang="ko-KR" altLang="en-US" sz="1800" dirty="0">
+                <a:solidFill>
+                  <a:srgbClr val="000000"/>
+                </a:solidFill>
+                <a:latin typeface="Consolas" panose="020B0609020204030204" pitchFamily="49" charset="0"/>
+              </a:rPr>
+              <a:t>문자열</a:t>
+            </a:r>
+            <a:r>
+              <a:rPr lang="en-US" altLang="ko-KR" sz="1800" dirty="0">
+                <a:solidFill>
+                  <a:srgbClr val="000000"/>
+                </a:solidFill>
+                <a:latin typeface="Consolas" panose="020B0609020204030204" pitchFamily="49" charset="0"/>
+              </a:rPr>
+              <a:t>" }</a:t>
+            </a:r>
+            <a:r>
+              <a:rPr lang="en-US" altLang="ko-KR" sz="1800" dirty="0">
+                <a:solidFill>
+                  <a:srgbClr val="008080"/>
+                </a:solidFill>
+                <a:latin typeface="Consolas" panose="020B0609020204030204" pitchFamily="49" charset="0"/>
+              </a:rPr>
+              <a:t>&lt;</a:t>
+            </a:r>
+            <a:r>
+              <a:rPr lang="en-US" altLang="ko-KR" sz="1800" dirty="0" err="1">
+                <a:solidFill>
+                  <a:srgbClr val="3F7F7F"/>
+                </a:solidFill>
+                <a:latin typeface="Consolas" panose="020B0609020204030204" pitchFamily="49" charset="0"/>
+              </a:rPr>
+              <a:t>br</a:t>
+            </a:r>
+            <a:r>
+              <a:rPr lang="en-US" altLang="ko-KR" sz="1800" dirty="0">
+                <a:solidFill>
+                  <a:srgbClr val="008080"/>
+                </a:solidFill>
+                <a:latin typeface="Consolas" panose="020B0609020204030204" pitchFamily="49" charset="0"/>
+              </a:rPr>
+              <a:t>&gt;</a:t>
+            </a:r>
+          </a:p>
+          <a:p>
+            <a:pPr algn="l"/>
+            <a:r>
+              <a:rPr lang="en-US" altLang="ko-KR" sz="1800" dirty="0">
+                <a:solidFill>
+                  <a:srgbClr val="000000"/>
+                </a:solidFill>
+                <a:latin typeface="Consolas" panose="020B0609020204030204" pitchFamily="49" charset="0"/>
+              </a:rPr>
+              <a:t>   \${null } : ${null}</a:t>
+            </a:r>
+            <a:r>
+              <a:rPr lang="en-US" altLang="ko-KR" sz="1800" dirty="0">
+                <a:solidFill>
+                  <a:srgbClr val="008080"/>
+                </a:solidFill>
+                <a:latin typeface="Consolas" panose="020B0609020204030204" pitchFamily="49" charset="0"/>
+              </a:rPr>
+              <a:t>&lt;</a:t>
+            </a:r>
+            <a:r>
+              <a:rPr lang="en-US" altLang="ko-KR" sz="1800" dirty="0" err="1">
+                <a:solidFill>
+                  <a:srgbClr val="3F7F7F"/>
+                </a:solidFill>
+                <a:latin typeface="Consolas" panose="020B0609020204030204" pitchFamily="49" charset="0"/>
+              </a:rPr>
+              <a:t>br</a:t>
+            </a:r>
+            <a:r>
+              <a:rPr lang="en-US" altLang="ko-KR" sz="1800" dirty="0">
+                <a:solidFill>
+                  <a:srgbClr val="008080"/>
+                </a:solidFill>
+                <a:latin typeface="Consolas" panose="020B0609020204030204" pitchFamily="49" charset="0"/>
+              </a:rPr>
+              <a:t>&gt;</a:t>
+            </a:r>
+          </a:p>
+          <a:p>
+            <a:pPr algn="l"/>
+            <a:r>
+              <a:rPr lang="en-US" altLang="ko-KR" sz="1800" dirty="0">
+                <a:solidFill>
+                  <a:srgbClr val="000000"/>
+                </a:solidFill>
+                <a:latin typeface="Consolas" panose="020B0609020204030204" pitchFamily="49" charset="0"/>
+              </a:rPr>
+              <a:t>   1000 + 30 = ${ 1000 + 30 }</a:t>
+            </a:r>
+            <a:r>
+              <a:rPr lang="en-US" altLang="ko-KR" sz="1800" dirty="0">
+                <a:solidFill>
+                  <a:srgbClr val="008080"/>
+                </a:solidFill>
+                <a:latin typeface="Consolas" panose="020B0609020204030204" pitchFamily="49" charset="0"/>
+              </a:rPr>
+              <a:t>&lt;</a:t>
+            </a:r>
+            <a:r>
+              <a:rPr lang="en-US" altLang="ko-KR" sz="1800" dirty="0" err="1">
+                <a:solidFill>
+                  <a:srgbClr val="3F7F7F"/>
+                </a:solidFill>
+                <a:latin typeface="Consolas" panose="020B0609020204030204" pitchFamily="49" charset="0"/>
+              </a:rPr>
+              <a:t>br</a:t>
+            </a:r>
+            <a:r>
+              <a:rPr lang="en-US" altLang="ko-KR" sz="1800" dirty="0">
+                <a:solidFill>
+                  <a:srgbClr val="008080"/>
+                </a:solidFill>
+                <a:latin typeface="Consolas" panose="020B0609020204030204" pitchFamily="49" charset="0"/>
+              </a:rPr>
+              <a:t>&gt;</a:t>
+            </a:r>
+          </a:p>
+          <a:p>
+            <a:pPr algn="l"/>
+            <a:r>
+              <a:rPr lang="en-US" altLang="ko-KR" sz="1800" dirty="0">
+                <a:solidFill>
+                  <a:srgbClr val="000000"/>
+                </a:solidFill>
+                <a:latin typeface="Consolas" panose="020B0609020204030204" pitchFamily="49" charset="0"/>
+              </a:rPr>
+              <a:t>   100 / 5 = ${100 / 5 }</a:t>
+            </a:r>
+            <a:r>
+              <a:rPr lang="en-US" altLang="ko-KR" sz="1800" dirty="0">
+                <a:solidFill>
+                  <a:srgbClr val="008080"/>
+                </a:solidFill>
+                <a:latin typeface="Consolas" panose="020B0609020204030204" pitchFamily="49" charset="0"/>
+              </a:rPr>
+              <a:t>&lt;</a:t>
+            </a:r>
+            <a:r>
+              <a:rPr lang="en-US" altLang="ko-KR" sz="1800" dirty="0" err="1">
+                <a:solidFill>
+                  <a:srgbClr val="3F7F7F"/>
+                </a:solidFill>
+                <a:latin typeface="Consolas" panose="020B0609020204030204" pitchFamily="49" charset="0"/>
+              </a:rPr>
+              <a:t>br</a:t>
+            </a:r>
+            <a:r>
+              <a:rPr lang="en-US" altLang="ko-KR" sz="1800" dirty="0">
+                <a:solidFill>
+                  <a:srgbClr val="008080"/>
+                </a:solidFill>
+                <a:latin typeface="Consolas" panose="020B0609020204030204" pitchFamily="49" charset="0"/>
+              </a:rPr>
+              <a:t>&gt;</a:t>
+            </a:r>
+          </a:p>
+          <a:p>
+            <a:pPr algn="l"/>
+            <a:r>
+              <a:rPr lang="ko-KR" altLang="en-US" sz="1800" dirty="0">
+                <a:solidFill>
+                  <a:srgbClr val="000000"/>
+                </a:solidFill>
+                <a:latin typeface="Consolas" panose="020B0609020204030204" pitchFamily="49" charset="0"/>
+              </a:rPr>
+              <a:t>   </a:t>
+            </a:r>
+            <a:r>
+              <a:rPr lang="en-US" altLang="ko-KR" sz="1800" dirty="0">
+                <a:solidFill>
+                  <a:srgbClr val="000000"/>
+                </a:solidFill>
+                <a:latin typeface="Consolas" panose="020B0609020204030204" pitchFamily="49" charset="0"/>
+              </a:rPr>
+              <a:t>100</a:t>
+            </a:r>
+            <a:r>
+              <a:rPr lang="ko-KR" altLang="en-US" sz="1800" dirty="0">
+                <a:solidFill>
+                  <a:srgbClr val="000000"/>
+                </a:solidFill>
+                <a:latin typeface="Consolas" panose="020B0609020204030204" pitchFamily="49" charset="0"/>
+              </a:rPr>
+              <a:t>을 </a:t>
+            </a:r>
+            <a:r>
+              <a:rPr lang="en-US" altLang="ko-KR" sz="1800" dirty="0">
+                <a:solidFill>
+                  <a:srgbClr val="000000"/>
+                </a:solidFill>
+                <a:latin typeface="Consolas" panose="020B0609020204030204" pitchFamily="49" charset="0"/>
+              </a:rPr>
+              <a:t>6</a:t>
+            </a:r>
+            <a:r>
+              <a:rPr lang="ko-KR" altLang="en-US" sz="1800" dirty="0">
+                <a:solidFill>
+                  <a:srgbClr val="000000"/>
+                </a:solidFill>
+                <a:latin typeface="Consolas" panose="020B0609020204030204" pitchFamily="49" charset="0"/>
+              </a:rPr>
+              <a:t>으로 나눈 나머지 </a:t>
+            </a:r>
+            <a:r>
+              <a:rPr lang="en-US" altLang="ko-KR" sz="1800" dirty="0">
+                <a:solidFill>
+                  <a:srgbClr val="000000"/>
+                </a:solidFill>
+                <a:latin typeface="Consolas" panose="020B0609020204030204" pitchFamily="49" charset="0"/>
+              </a:rPr>
+              <a:t>= ${100 % 6 }</a:t>
+            </a:r>
+            <a:r>
+              <a:rPr lang="en-US" altLang="ko-KR" sz="1800" dirty="0">
+                <a:solidFill>
+                  <a:srgbClr val="008080"/>
+                </a:solidFill>
+                <a:latin typeface="Consolas" panose="020B0609020204030204" pitchFamily="49" charset="0"/>
+              </a:rPr>
+              <a:t>&lt;</a:t>
+            </a:r>
+            <a:r>
+              <a:rPr lang="en-US" altLang="ko-KR" sz="1800" dirty="0" err="1">
+                <a:solidFill>
+                  <a:srgbClr val="3F7F7F"/>
+                </a:solidFill>
+                <a:latin typeface="Consolas" panose="020B0609020204030204" pitchFamily="49" charset="0"/>
+              </a:rPr>
+              <a:t>br</a:t>
+            </a:r>
+            <a:r>
+              <a:rPr lang="en-US" altLang="ko-KR" sz="1800" dirty="0">
+                <a:solidFill>
+                  <a:srgbClr val="008080"/>
+                </a:solidFill>
+                <a:latin typeface="Consolas" panose="020B0609020204030204" pitchFamily="49" charset="0"/>
+              </a:rPr>
+              <a:t>&gt;</a:t>
+            </a:r>
+            <a:endParaRPr lang="ko-KR" altLang="en-US" dirty="0"/>
           </a:p>
         </p:txBody>
       </p:sp>
     </p:spTree>
     <p:extLst>
       <p:ext uri="{BB962C8B-B14F-4D97-AF65-F5344CB8AC3E}">
-        <p14:creationId xmlns:p14="http://schemas.microsoft.com/office/powerpoint/2010/main" val="44006356"/>
+        <p14:creationId xmlns:p14="http://schemas.microsoft.com/office/powerpoint/2010/main" val="2617725661"/>
       </p:ext>
     </p:extLst>
   </p:cSld>
@@ -7860,8 +9582,12 @@
           <a:lstStyle/>
           <a:p>
             <a:r>
+              <a:rPr lang="ko-KR" altLang="en-US" sz="2800" dirty="0"/>
+              <a:t>비교 연산자</a:t>
+            </a:r>
+            <a:r>
               <a:rPr lang="en-US" altLang="ko-KR" sz="2800" dirty="0"/>
-              <a:t>1. </a:t>
+              <a:t> </a:t>
             </a:r>
             <a:endParaRPr lang="ko-KR" altLang="en-US" sz="2800" dirty="0"/>
           </a:p>
@@ -7882,7 +9608,7 @@
         <p:spPr>
           <a:xfrm>
             <a:off x="1104900" y="1358900"/>
-            <a:ext cx="9842500" cy="646331"/>
+            <a:ext cx="9842500" cy="369332"/>
           </a:xfrm>
           <a:prstGeom prst="rect">
             <a:avLst/>
@@ -7898,13 +9624,576 @@
             <a:pPr marL="342900" indent="-342900">
               <a:buAutoNum type="arabicPeriod"/>
             </a:pPr>
-            <a:br>
-              <a:rPr lang="en-US" altLang="ko-KR" dirty="0"/>
-            </a:br>
             <a:endParaRPr lang="en-US" altLang="ko-KR" dirty="0"/>
           </a:p>
         </p:txBody>
       </p:sp>
+      <p:graphicFrame>
+        <p:nvGraphicFramePr>
+          <p:cNvPr id="2" name="표 2">
+            <a:extLst>
+              <a:ext uri="{FF2B5EF4-FFF2-40B4-BE49-F238E27FC236}">
+                <a16:creationId xmlns:a16="http://schemas.microsoft.com/office/drawing/2014/main" id="{2CAB54B9-9B69-42C0-88D8-8F2AE7B8799B}"/>
+              </a:ext>
+            </a:extLst>
+          </p:cNvPr>
+          <p:cNvGraphicFramePr>
+            <a:graphicFrameLocks noGrp="1"/>
+          </p:cNvGraphicFramePr>
+          <p:nvPr>
+            <p:extLst>
+              <p:ext uri="{D42A27DB-BD31-4B8C-83A1-F6EECF244321}">
+                <p14:modId xmlns:p14="http://schemas.microsoft.com/office/powerpoint/2010/main" val="1462770068"/>
+              </p:ext>
+            </p:extLst>
+          </p:nvPr>
+        </p:nvGraphicFramePr>
+        <p:xfrm>
+          <a:off x="1587384" y="1203960"/>
+          <a:ext cx="9494473" cy="2585720"/>
+        </p:xfrm>
+        <a:graphic>
+          <a:graphicData uri="http://schemas.openxmlformats.org/drawingml/2006/table">
+            <a:tbl>
+              <a:tblPr firstRow="1" bandRow="1">
+                <a:tableStyleId>{5C22544A-7EE6-4342-B048-85BDC9FD1C3A}</a:tableStyleId>
+              </a:tblPr>
+              <a:tblGrid>
+                <a:gridCol w="1273262">
+                  <a:extLst>
+                    <a:ext uri="{9D8B030D-6E8A-4147-A177-3AD203B41FA5}">
+                      <a16:colId xmlns:a16="http://schemas.microsoft.com/office/drawing/2014/main" val="2484605909"/>
+                    </a:ext>
+                  </a:extLst>
+                </a:gridCol>
+                <a:gridCol w="1191237">
+                  <a:extLst>
+                    <a:ext uri="{9D8B030D-6E8A-4147-A177-3AD203B41FA5}">
+                      <a16:colId xmlns:a16="http://schemas.microsoft.com/office/drawing/2014/main" val="3861951433"/>
+                    </a:ext>
+                  </a:extLst>
+                </a:gridCol>
+                <a:gridCol w="3631501">
+                  <a:extLst>
+                    <a:ext uri="{9D8B030D-6E8A-4147-A177-3AD203B41FA5}">
+                      <a16:colId xmlns:a16="http://schemas.microsoft.com/office/drawing/2014/main" val="69641517"/>
+                    </a:ext>
+                  </a:extLst>
+                </a:gridCol>
+                <a:gridCol w="3398473">
+                  <a:extLst>
+                    <a:ext uri="{9D8B030D-6E8A-4147-A177-3AD203B41FA5}">
+                      <a16:colId xmlns:a16="http://schemas.microsoft.com/office/drawing/2014/main" val="27910205"/>
+                    </a:ext>
+                  </a:extLst>
+                </a:gridCol>
+              </a:tblGrid>
+              <a:tr h="370840">
+                <a:tc gridSpan="2">
+                  <a:txBody>
+                    <a:bodyPr/>
+                    <a:lstStyle/>
+                    <a:p>
+                      <a:pPr algn="ctr" latinLnBrk="1"/>
+                      <a:r>
+                        <a:rPr lang="ko-KR" altLang="en-US" dirty="0"/>
+                        <a:t>연산자</a:t>
+                      </a:r>
+                    </a:p>
+                  </a:txBody>
+                  <a:tcPr/>
+                </a:tc>
+                <a:tc hMerge="1">
+                  <a:txBody>
+                    <a:bodyPr/>
+                    <a:lstStyle/>
+                    <a:p>
+                      <a:pPr latinLnBrk="1"/>
+                      <a:endParaRPr lang="ko-KR" altLang="en-US" dirty="0"/>
+                    </a:p>
+                  </a:txBody>
+                  <a:tcPr/>
+                </a:tc>
+                <a:tc>
+                  <a:txBody>
+                    <a:bodyPr/>
+                    <a:lstStyle/>
+                    <a:p>
+                      <a:pPr algn="ctr" latinLnBrk="1"/>
+                      <a:r>
+                        <a:rPr lang="ko-KR" altLang="en-US" dirty="0"/>
+                        <a:t>설명</a:t>
+                      </a:r>
+                    </a:p>
+                  </a:txBody>
+                  <a:tcPr/>
+                </a:tc>
+                <a:tc>
+                  <a:txBody>
+                    <a:bodyPr/>
+                    <a:lstStyle/>
+                    <a:p>
+                      <a:pPr algn="ctr" latinLnBrk="1"/>
+                      <a:r>
+                        <a:rPr lang="ko-KR" altLang="en-US" dirty="0" err="1"/>
+                        <a:t>사용예</a:t>
+                      </a:r>
+                      <a:endParaRPr lang="ko-KR" altLang="en-US" dirty="0"/>
+                    </a:p>
+                  </a:txBody>
+                  <a:tcPr/>
+                </a:tc>
+                <a:extLst>
+                  <a:ext uri="{0D108BD9-81ED-4DB2-BD59-A6C34878D82A}">
+                    <a16:rowId xmlns:a16="http://schemas.microsoft.com/office/drawing/2014/main" val="2494327768"/>
+                  </a:ext>
+                </a:extLst>
+              </a:tr>
+              <a:tr h="370840">
+                <a:tc>
+                  <a:txBody>
+                    <a:bodyPr/>
+                    <a:lstStyle/>
+                    <a:p>
+                      <a:pPr algn="ctr" latinLnBrk="1"/>
+                      <a:r>
+                        <a:rPr lang="en-US" altLang="ko-KR" dirty="0"/>
+                        <a:t>==</a:t>
+                      </a:r>
+                      <a:endParaRPr lang="ko-KR" altLang="en-US" dirty="0"/>
+                    </a:p>
+                  </a:txBody>
+                  <a:tcPr/>
+                </a:tc>
+                <a:tc>
+                  <a:txBody>
+                    <a:bodyPr/>
+                    <a:lstStyle/>
+                    <a:p>
+                      <a:pPr algn="ctr" latinLnBrk="1"/>
+                      <a:r>
+                        <a:rPr lang="en-US" altLang="ko-KR" dirty="0"/>
+                        <a:t>Eq</a:t>
+                      </a:r>
+                      <a:endParaRPr lang="ko-KR" altLang="en-US" dirty="0"/>
+                    </a:p>
+                  </a:txBody>
+                  <a:tcPr/>
+                </a:tc>
+                <a:tc>
+                  <a:txBody>
+                    <a:bodyPr/>
+                    <a:lstStyle/>
+                    <a:p>
+                      <a:pPr algn="ctr" latinLnBrk="1"/>
+                      <a:r>
+                        <a:rPr lang="ko-KR" altLang="en-US" dirty="0" err="1"/>
+                        <a:t>두값이</a:t>
+                      </a:r>
+                      <a:r>
+                        <a:rPr lang="ko-KR" altLang="en-US" dirty="0"/>
+                        <a:t> </a:t>
+                      </a:r>
+                      <a:r>
+                        <a:rPr lang="ko-KR" altLang="en-US" dirty="0" err="1"/>
+                        <a:t>같은지</a:t>
+                      </a:r>
+                      <a:endParaRPr lang="ko-KR" altLang="en-US" dirty="0"/>
+                    </a:p>
+                  </a:txBody>
+                  <a:tcPr/>
+                </a:tc>
+                <a:tc>
+                  <a:txBody>
+                    <a:bodyPr/>
+                    <a:lstStyle/>
+                    <a:p>
+                      <a:pPr algn="ctr" latinLnBrk="1"/>
+                      <a:r>
+                        <a:rPr lang="en-US" altLang="ko-KR" dirty="0"/>
+                        <a:t>${100 == 10}, ${“hi” eq “hi”}</a:t>
+                      </a:r>
+                      <a:endParaRPr lang="ko-KR" altLang="en-US" dirty="0"/>
+                    </a:p>
+                  </a:txBody>
+                  <a:tcPr/>
+                </a:tc>
+                <a:extLst>
+                  <a:ext uri="{0D108BD9-81ED-4DB2-BD59-A6C34878D82A}">
+                    <a16:rowId xmlns:a16="http://schemas.microsoft.com/office/drawing/2014/main" val="3283350852"/>
+                  </a:ext>
+                </a:extLst>
+              </a:tr>
+              <a:tr h="370840">
+                <a:tc>
+                  <a:txBody>
+                    <a:bodyPr/>
+                    <a:lstStyle/>
+                    <a:p>
+                      <a:pPr algn="ctr" latinLnBrk="1"/>
+                      <a:r>
+                        <a:rPr lang="en-US" altLang="ko-KR" dirty="0"/>
+                        <a:t>!=</a:t>
+                      </a:r>
+                      <a:endParaRPr lang="ko-KR" altLang="en-US" dirty="0"/>
+                    </a:p>
+                  </a:txBody>
+                  <a:tcPr/>
+                </a:tc>
+                <a:tc>
+                  <a:txBody>
+                    <a:bodyPr/>
+                    <a:lstStyle/>
+                    <a:p>
+                      <a:pPr algn="ctr" latinLnBrk="1"/>
+                      <a:r>
+                        <a:rPr lang="en-US" altLang="ko-KR" dirty="0"/>
+                        <a:t>Ne</a:t>
+                      </a:r>
+                      <a:endParaRPr lang="ko-KR" altLang="en-US" dirty="0"/>
+                    </a:p>
+                  </a:txBody>
+                  <a:tcPr/>
+                </a:tc>
+                <a:tc>
+                  <a:txBody>
+                    <a:bodyPr/>
+                    <a:lstStyle/>
+                    <a:p>
+                      <a:pPr algn="ctr" latinLnBrk="1"/>
+                      <a:r>
+                        <a:rPr lang="ko-KR" altLang="en-US" dirty="0"/>
+                        <a:t>두 값이 </a:t>
+                      </a:r>
+                      <a:r>
+                        <a:rPr lang="ko-KR" altLang="en-US" dirty="0" err="1"/>
+                        <a:t>다른지</a:t>
+                      </a:r>
+                      <a:endParaRPr lang="ko-KR" altLang="en-US" dirty="0"/>
+                    </a:p>
+                  </a:txBody>
+                  <a:tcPr/>
+                </a:tc>
+                <a:tc>
+                  <a:txBody>
+                    <a:bodyPr/>
+                    <a:lstStyle/>
+                    <a:p>
+                      <a:pPr algn="ctr" latinLnBrk="1"/>
+                      <a:r>
+                        <a:rPr lang="en-US" altLang="ko-KR" dirty="0"/>
+                        <a:t>${100 != 10}, ${“hi” ne “by”}</a:t>
+                      </a:r>
+                      <a:endParaRPr lang="ko-KR" altLang="en-US" dirty="0"/>
+                    </a:p>
+                  </a:txBody>
+                  <a:tcPr/>
+                </a:tc>
+                <a:extLst>
+                  <a:ext uri="{0D108BD9-81ED-4DB2-BD59-A6C34878D82A}">
+                    <a16:rowId xmlns:a16="http://schemas.microsoft.com/office/drawing/2014/main" val="3401022355"/>
+                  </a:ext>
+                </a:extLst>
+              </a:tr>
+              <a:tr h="370840">
+                <a:tc>
+                  <a:txBody>
+                    <a:bodyPr/>
+                    <a:lstStyle/>
+                    <a:p>
+                      <a:pPr algn="ctr" latinLnBrk="1"/>
+                      <a:r>
+                        <a:rPr lang="en-US" altLang="ko-KR" dirty="0"/>
+                        <a:t>&lt;</a:t>
+                      </a:r>
+                      <a:endParaRPr lang="ko-KR" altLang="en-US" dirty="0"/>
+                    </a:p>
+                  </a:txBody>
+                  <a:tcPr/>
+                </a:tc>
+                <a:tc>
+                  <a:txBody>
+                    <a:bodyPr/>
+                    <a:lstStyle/>
+                    <a:p>
+                      <a:pPr algn="ctr" latinLnBrk="1"/>
+                      <a:r>
+                        <a:rPr lang="en-US" altLang="ko-KR" dirty="0"/>
+                        <a:t>Lt</a:t>
+                      </a:r>
+                      <a:endParaRPr lang="ko-KR" altLang="en-US" dirty="0"/>
+                    </a:p>
+                  </a:txBody>
+                  <a:tcPr/>
+                </a:tc>
+                <a:tc>
+                  <a:txBody>
+                    <a:bodyPr/>
+                    <a:lstStyle/>
+                    <a:p>
+                      <a:pPr algn="ctr" latinLnBrk="1"/>
+                      <a:r>
+                        <a:rPr lang="ko-KR" altLang="en-US" dirty="0"/>
+                        <a:t>값이 </a:t>
+                      </a:r>
+                      <a:r>
+                        <a:rPr lang="ko-KR" altLang="en-US" dirty="0" err="1"/>
+                        <a:t>작은지</a:t>
+                      </a:r>
+                      <a:endParaRPr lang="ko-KR" altLang="en-US" dirty="0"/>
+                    </a:p>
+                  </a:txBody>
+                  <a:tcPr/>
+                </a:tc>
+                <a:tc>
+                  <a:txBody>
+                    <a:bodyPr/>
+                    <a:lstStyle/>
+                    <a:p>
+                      <a:pPr algn="ctr" latinLnBrk="1"/>
+                      <a:r>
+                        <a:rPr lang="en-US" altLang="ko-KR" dirty="0"/>
+                        <a:t>${100 &lt; 10}, ${100 it 10}</a:t>
+                      </a:r>
+                      <a:endParaRPr lang="ko-KR" altLang="en-US" dirty="0"/>
+                    </a:p>
+                  </a:txBody>
+                  <a:tcPr/>
+                </a:tc>
+                <a:extLst>
+                  <a:ext uri="{0D108BD9-81ED-4DB2-BD59-A6C34878D82A}">
+                    <a16:rowId xmlns:a16="http://schemas.microsoft.com/office/drawing/2014/main" val="4108384883"/>
+                  </a:ext>
+                </a:extLst>
+              </a:tr>
+              <a:tr h="370840">
+                <a:tc>
+                  <a:txBody>
+                    <a:bodyPr/>
+                    <a:lstStyle/>
+                    <a:p>
+                      <a:pPr algn="ctr" latinLnBrk="1"/>
+                      <a:r>
+                        <a:rPr lang="en-US" altLang="ko-KR" dirty="0"/>
+                        <a:t>&gt;</a:t>
+                      </a:r>
+                      <a:endParaRPr lang="ko-KR" altLang="en-US" dirty="0"/>
+                    </a:p>
+                  </a:txBody>
+                  <a:tcPr/>
+                </a:tc>
+                <a:tc>
+                  <a:txBody>
+                    <a:bodyPr/>
+                    <a:lstStyle/>
+                    <a:p>
+                      <a:pPr algn="ctr" latinLnBrk="1"/>
+                      <a:r>
+                        <a:rPr lang="en-US" altLang="ko-KR" dirty="0"/>
+                        <a:t>Gt</a:t>
+                      </a:r>
+                      <a:endParaRPr lang="ko-KR" altLang="en-US" dirty="0"/>
+                    </a:p>
+                  </a:txBody>
+                  <a:tcPr/>
+                </a:tc>
+                <a:tc>
+                  <a:txBody>
+                    <a:bodyPr/>
+                    <a:lstStyle/>
+                    <a:p>
+                      <a:pPr algn="ctr" latinLnBrk="1"/>
+                      <a:r>
+                        <a:rPr lang="ko-KR" altLang="en-US" dirty="0"/>
+                        <a:t>값이 큰지</a:t>
+                      </a:r>
+                    </a:p>
+                  </a:txBody>
+                  <a:tcPr/>
+                </a:tc>
+                <a:tc>
+                  <a:txBody>
+                    <a:bodyPr/>
+                    <a:lstStyle/>
+                    <a:p>
+                      <a:pPr algn="ctr" latinLnBrk="1"/>
+                      <a:r>
+                        <a:rPr lang="en-US" altLang="ko-KR" dirty="0"/>
+                        <a:t>${100 &gt; 10}, ${100 </a:t>
+                      </a:r>
+                      <a:r>
+                        <a:rPr lang="en-US" altLang="ko-KR" dirty="0" err="1"/>
+                        <a:t>gt</a:t>
+                      </a:r>
+                      <a:r>
+                        <a:rPr lang="en-US" altLang="ko-KR" dirty="0"/>
+                        <a:t> 10}</a:t>
+                      </a:r>
+                      <a:endParaRPr lang="ko-KR" altLang="en-US" dirty="0"/>
+                    </a:p>
+                  </a:txBody>
+                  <a:tcPr/>
+                </a:tc>
+                <a:extLst>
+                  <a:ext uri="{0D108BD9-81ED-4DB2-BD59-A6C34878D82A}">
+                    <a16:rowId xmlns:a16="http://schemas.microsoft.com/office/drawing/2014/main" val="247010037"/>
+                  </a:ext>
+                </a:extLst>
+              </a:tr>
+              <a:tr h="185420">
+                <a:tc>
+                  <a:txBody>
+                    <a:bodyPr/>
+                    <a:lstStyle/>
+                    <a:p>
+                      <a:pPr algn="ctr" latinLnBrk="1"/>
+                      <a:r>
+                        <a:rPr lang="en-US" altLang="ko-KR" dirty="0"/>
+                        <a:t>&lt;=</a:t>
+                      </a:r>
+                      <a:endParaRPr lang="ko-KR" altLang="en-US" dirty="0"/>
+                    </a:p>
+                  </a:txBody>
+                  <a:tcPr/>
+                </a:tc>
+                <a:tc>
+                  <a:txBody>
+                    <a:bodyPr/>
+                    <a:lstStyle/>
+                    <a:p>
+                      <a:pPr algn="ctr" latinLnBrk="1"/>
+                      <a:r>
+                        <a:rPr lang="en-US" altLang="ko-KR" dirty="0"/>
+                        <a:t>Le</a:t>
+                      </a:r>
+                      <a:endParaRPr lang="ko-KR" altLang="en-US" dirty="0"/>
+                    </a:p>
+                  </a:txBody>
+                  <a:tcPr/>
+                </a:tc>
+                <a:tc>
+                  <a:txBody>
+                    <a:bodyPr/>
+                    <a:lstStyle/>
+                    <a:p>
+                      <a:pPr algn="ctr" latinLnBrk="1"/>
+                      <a:r>
+                        <a:rPr lang="ko-KR" altLang="en-US" dirty="0"/>
+                        <a:t>작거나 </a:t>
+                      </a:r>
+                      <a:r>
+                        <a:rPr lang="ko-KR" altLang="en-US" dirty="0" err="1"/>
+                        <a:t>같은지</a:t>
+                      </a:r>
+                      <a:endParaRPr lang="ko-KR" altLang="en-US" dirty="0"/>
+                    </a:p>
+                  </a:txBody>
+                  <a:tcPr/>
+                </a:tc>
+                <a:tc>
+                  <a:txBody>
+                    <a:bodyPr/>
+                    <a:lstStyle/>
+                    <a:p>
+                      <a:pPr algn="ctr" latinLnBrk="1"/>
+                      <a:r>
+                        <a:rPr lang="en-US" altLang="ko-KR" dirty="0"/>
+                        <a:t>${100 &lt;= 10}, ${100 le 10}</a:t>
+                      </a:r>
+                      <a:endParaRPr lang="ko-KR" altLang="en-US" dirty="0"/>
+                    </a:p>
+                  </a:txBody>
+                  <a:tcPr/>
+                </a:tc>
+                <a:extLst>
+                  <a:ext uri="{0D108BD9-81ED-4DB2-BD59-A6C34878D82A}">
+                    <a16:rowId xmlns:a16="http://schemas.microsoft.com/office/drawing/2014/main" val="1000988918"/>
+                  </a:ext>
+                </a:extLst>
+              </a:tr>
+              <a:tr h="185420">
+                <a:tc>
+                  <a:txBody>
+                    <a:bodyPr/>
+                    <a:lstStyle/>
+                    <a:p>
+                      <a:pPr algn="ctr" latinLnBrk="1"/>
+                      <a:r>
+                        <a:rPr lang="en-US" altLang="ko-KR" dirty="0"/>
+                        <a:t>&gt;=</a:t>
+                      </a:r>
+                      <a:endParaRPr lang="ko-KR" altLang="en-US" dirty="0"/>
+                    </a:p>
+                  </a:txBody>
+                  <a:tcPr/>
+                </a:tc>
+                <a:tc>
+                  <a:txBody>
+                    <a:bodyPr/>
+                    <a:lstStyle/>
+                    <a:p>
+                      <a:pPr algn="ctr" latinLnBrk="1"/>
+                      <a:r>
+                        <a:rPr lang="en-US" altLang="ko-KR" dirty="0" err="1"/>
+                        <a:t>ge</a:t>
+                      </a:r>
+                      <a:endParaRPr lang="ko-KR" altLang="en-US" dirty="0"/>
+                    </a:p>
+                  </a:txBody>
+                  <a:tcPr/>
+                </a:tc>
+                <a:tc>
+                  <a:txBody>
+                    <a:bodyPr/>
+                    <a:lstStyle/>
+                    <a:p>
+                      <a:pPr algn="ctr" latinLnBrk="1"/>
+                      <a:r>
+                        <a:rPr lang="ko-KR" altLang="en-US" dirty="0"/>
+                        <a:t>크거나 </a:t>
+                      </a:r>
+                      <a:r>
+                        <a:rPr lang="ko-KR" altLang="en-US" dirty="0" err="1"/>
+                        <a:t>같은지</a:t>
+                      </a:r>
+                      <a:endParaRPr lang="ko-KR" altLang="en-US" dirty="0"/>
+                    </a:p>
+                  </a:txBody>
+                  <a:tcPr/>
+                </a:tc>
+                <a:tc>
+                  <a:txBody>
+                    <a:bodyPr/>
+                    <a:lstStyle/>
+                    <a:p>
+                      <a:pPr algn="ctr" latinLnBrk="1"/>
+                      <a:r>
+                        <a:rPr lang="en-US" altLang="ko-KR" dirty="0"/>
+                        <a:t>${100 &gt;= 10}, ${100 </a:t>
+                      </a:r>
+                      <a:r>
+                        <a:rPr lang="en-US" altLang="ko-KR" dirty="0" err="1"/>
+                        <a:t>ge</a:t>
+                      </a:r>
+                      <a:r>
+                        <a:rPr lang="en-US" altLang="ko-KR" dirty="0"/>
+                        <a:t> 10}</a:t>
+                      </a:r>
+                      <a:endParaRPr lang="ko-KR" altLang="en-US" dirty="0"/>
+                    </a:p>
+                  </a:txBody>
+                  <a:tcPr/>
+                </a:tc>
+                <a:extLst>
+                  <a:ext uri="{0D108BD9-81ED-4DB2-BD59-A6C34878D82A}">
+                    <a16:rowId xmlns:a16="http://schemas.microsoft.com/office/drawing/2014/main" val="1439523359"/>
+                  </a:ext>
+                </a:extLst>
+              </a:tr>
+            </a:tbl>
+          </a:graphicData>
+        </a:graphic>
+      </p:graphicFrame>
     </p:spTree>
     <p:extLst>
       <p:ext uri="{BB962C8B-B14F-4D97-AF65-F5344CB8AC3E}">
@@ -7964,8 +10253,12 @@
           <a:lstStyle/>
           <a:p>
             <a:r>
+              <a:rPr lang="ko-KR" altLang="en-US" sz="2800" dirty="0"/>
+              <a:t>필터</a:t>
+            </a:r>
+            <a:r>
               <a:rPr lang="en-US" altLang="ko-KR" sz="2800" dirty="0"/>
-              <a:t>1. </a:t>
+              <a:t>(filter). </a:t>
             </a:r>
             <a:endParaRPr lang="ko-KR" altLang="en-US" sz="2800" dirty="0"/>
           </a:p>
@@ -7985,8 +10278,8 @@
         </p:nvSpPr>
         <p:spPr>
           <a:xfrm>
-            <a:off x="1104900" y="1358900"/>
-            <a:ext cx="9842500" cy="646331"/>
+            <a:off x="984250" y="1149175"/>
+            <a:ext cx="9842500" cy="4801314"/>
           </a:xfrm>
           <a:prstGeom prst="rect">
             <a:avLst/>
@@ -7999,9 +10292,218 @@
           </a:bodyPr>
           <a:lstStyle/>
           <a:p>
-            <a:pPr marL="342900" indent="-342900">
-              <a:buAutoNum type="arabicPeriod"/>
-            </a:pPr>
+            <a:r>
+              <a:rPr lang="ko-KR" altLang="en-US" dirty="0"/>
+              <a:t>  클라이언트와 서버 사이에서 </a:t>
+            </a:r>
+            <a:r>
+              <a:rPr lang="en-US" altLang="ko-KR" dirty="0"/>
+              <a:t>request</a:t>
+            </a:r>
+            <a:r>
+              <a:rPr lang="ko-KR" altLang="en-US" dirty="0"/>
+              <a:t>와 </a:t>
+            </a:r>
+            <a:r>
+              <a:rPr lang="en-US" altLang="ko-KR" dirty="0"/>
+              <a:t>response </a:t>
+            </a:r>
+            <a:r>
+              <a:rPr lang="ko-KR" altLang="en-US" dirty="0"/>
+              <a:t>객체의 사전 </a:t>
+            </a:r>
+            <a:r>
+              <a:rPr lang="en-US" altLang="ko-KR" dirty="0"/>
+              <a:t>/ </a:t>
+            </a:r>
+            <a:r>
+              <a:rPr lang="ko-KR" altLang="en-US" dirty="0"/>
+              <a:t>사후에 공통적으로 필요한      부분을 </a:t>
+            </a:r>
+            <a:r>
+              <a:rPr lang="ko-KR" altLang="en-US" dirty="0" err="1"/>
+              <a:t>처리하는것</a:t>
+            </a:r>
+            <a:endParaRPr lang="en-US" altLang="ko-KR" dirty="0"/>
+          </a:p>
+          <a:p>
+            <a:endParaRPr lang="en-US" altLang="ko-KR" dirty="0"/>
+          </a:p>
+          <a:p>
+            <a:r>
+              <a:rPr lang="en-US" altLang="ko-KR" dirty="0"/>
+              <a:t>http </a:t>
+            </a:r>
+            <a:r>
+              <a:rPr lang="ko-KR" altLang="en-US" dirty="0"/>
+              <a:t>요청과 응답을 </a:t>
+            </a:r>
+            <a:r>
+              <a:rPr lang="ko-KR" altLang="en-US" dirty="0" err="1"/>
+              <a:t>변경할수</a:t>
+            </a:r>
+            <a:r>
+              <a:rPr lang="ko-KR" altLang="en-US" dirty="0"/>
+              <a:t> 있는 코드로 재사용이 가능</a:t>
+            </a:r>
+            <a:endParaRPr lang="en-US" altLang="ko-KR" dirty="0"/>
+          </a:p>
+          <a:p>
+            <a:endParaRPr lang="en-US" altLang="ko-KR" dirty="0"/>
+          </a:p>
+          <a:p>
+            <a:r>
+              <a:rPr lang="ko-KR" altLang="en-US" dirty="0"/>
+              <a:t>필터의 기능</a:t>
+            </a:r>
+            <a:endParaRPr lang="en-US" altLang="ko-KR" dirty="0"/>
+          </a:p>
+          <a:p>
+            <a:endParaRPr lang="en-US" altLang="ko-KR" dirty="0"/>
+          </a:p>
+          <a:p>
+            <a:r>
+              <a:rPr lang="en-US" altLang="ko-KR" dirty="0"/>
+              <a:t>1. </a:t>
+            </a:r>
+            <a:r>
+              <a:rPr lang="ko-KR" altLang="en-US" dirty="0" err="1"/>
+              <a:t>서블릿이</a:t>
+            </a:r>
+            <a:r>
+              <a:rPr lang="ko-KR" altLang="en-US" dirty="0"/>
+              <a:t> 호출되기전에 </a:t>
+            </a:r>
+            <a:r>
+              <a:rPr lang="en-US" altLang="ko-KR" dirty="0"/>
+              <a:t>request</a:t>
+            </a:r>
+            <a:r>
+              <a:rPr lang="ko-KR" altLang="en-US" dirty="0"/>
+              <a:t>를 가로채어 조작한다</a:t>
+            </a:r>
+            <a:r>
+              <a:rPr lang="en-US" altLang="ko-KR" dirty="0"/>
+              <a:t>.</a:t>
+            </a:r>
+          </a:p>
+          <a:p>
+            <a:r>
+              <a:rPr lang="en-US" altLang="ko-KR" dirty="0"/>
+              <a:t>2 .</a:t>
+            </a:r>
+            <a:r>
+              <a:rPr lang="ko-KR" altLang="en-US" dirty="0" err="1"/>
+              <a:t>서블릿이</a:t>
+            </a:r>
+            <a:r>
+              <a:rPr lang="ko-KR" altLang="en-US" dirty="0"/>
+              <a:t> 호출되기전에 요청을 가로채어 점검한다</a:t>
+            </a:r>
+            <a:r>
+              <a:rPr lang="en-US" altLang="ko-KR" dirty="0"/>
+              <a:t>.</a:t>
+            </a:r>
+          </a:p>
+          <a:p>
+            <a:r>
+              <a:rPr lang="en-US" altLang="ko-KR" dirty="0"/>
+              <a:t>3. </a:t>
+            </a:r>
+            <a:r>
+              <a:rPr lang="ko-KR" altLang="en-US" dirty="0" err="1"/>
+              <a:t>서블릿이</a:t>
+            </a:r>
+            <a:r>
+              <a:rPr lang="ko-KR" altLang="en-US" dirty="0"/>
+              <a:t> 호출되기전에 </a:t>
+            </a:r>
+            <a:r>
+              <a:rPr lang="en-US" altLang="ko-KR" dirty="0"/>
+              <a:t>http</a:t>
+            </a:r>
+            <a:r>
+              <a:rPr lang="ko-KR" altLang="en-US" dirty="0"/>
+              <a:t>요청의 헤더를 </a:t>
+            </a:r>
+            <a:r>
+              <a:rPr lang="ko-KR" altLang="en-US" dirty="0" err="1"/>
+              <a:t>조작할수</a:t>
+            </a:r>
+            <a:r>
+              <a:rPr lang="ko-KR" altLang="en-US" dirty="0"/>
+              <a:t> 있다</a:t>
+            </a:r>
+            <a:r>
+              <a:rPr lang="en-US" altLang="ko-KR" dirty="0"/>
+              <a:t>.</a:t>
+            </a:r>
+          </a:p>
+          <a:p>
+            <a:endParaRPr lang="en-US" altLang="ko-KR" dirty="0"/>
+          </a:p>
+          <a:p>
+            <a:r>
+              <a:rPr lang="en-US" altLang="ko-KR" dirty="0"/>
+              <a:t>4. </a:t>
+            </a:r>
+            <a:r>
+              <a:rPr lang="ko-KR" altLang="en-US" dirty="0" err="1"/>
+              <a:t>서블릿이</a:t>
+            </a:r>
+            <a:r>
+              <a:rPr lang="ko-KR" altLang="en-US" dirty="0"/>
+              <a:t> 호출된 이후 응답</a:t>
+            </a:r>
+            <a:r>
+              <a:rPr lang="en-US" altLang="ko-KR" dirty="0"/>
+              <a:t>(response)</a:t>
+            </a:r>
+            <a:r>
+              <a:rPr lang="ko-KR" altLang="en-US" dirty="0"/>
+              <a:t>을 출력하기전에  가로채어 조작한다</a:t>
+            </a:r>
+            <a:r>
+              <a:rPr lang="en-US" altLang="ko-KR" dirty="0"/>
+              <a:t>.</a:t>
+            </a:r>
+          </a:p>
+          <a:p>
+            <a:r>
+              <a:rPr lang="en-US" altLang="ko-KR" dirty="0"/>
+              <a:t>5. </a:t>
+            </a:r>
+            <a:r>
+              <a:rPr lang="ko-KR" altLang="en-US" dirty="0" err="1"/>
+              <a:t>서블릿이</a:t>
+            </a:r>
+            <a:r>
+              <a:rPr lang="ko-KR" altLang="en-US" dirty="0"/>
+              <a:t> 호출된 이후 </a:t>
+            </a:r>
+            <a:r>
+              <a:rPr lang="ko-KR" altLang="en-US" dirty="0" err="1"/>
+              <a:t>응답헤더를</a:t>
+            </a:r>
+            <a:r>
+              <a:rPr lang="ko-KR" altLang="en-US" dirty="0"/>
+              <a:t> 조작 할 수 있다</a:t>
+            </a:r>
+            <a:r>
+              <a:rPr lang="en-US" altLang="ko-KR" dirty="0"/>
+              <a:t>.</a:t>
+            </a:r>
+          </a:p>
+          <a:p>
+            <a:r>
+              <a:rPr lang="en-US" altLang="ko-KR" dirty="0"/>
+              <a:t>6.</a:t>
+            </a:r>
+          </a:p>
+          <a:p>
+            <a:endParaRPr lang="en-US" altLang="ko-KR" dirty="0"/>
+          </a:p>
+          <a:p>
             <a:br>
               <a:rPr lang="en-US" altLang="ko-KR" dirty="0"/>
             </a:br>
@@ -8012,7 +10514,7 @@
     </p:spTree>
     <p:extLst>
       <p:ext uri="{BB962C8B-B14F-4D97-AF65-F5344CB8AC3E}">
-        <p14:creationId xmlns:p14="http://schemas.microsoft.com/office/powerpoint/2010/main" val="885279294"/>
+        <p14:creationId xmlns:p14="http://schemas.microsoft.com/office/powerpoint/2010/main" val="3867538891"/>
       </p:ext>
     </p:extLst>
   </p:cSld>
@@ -8023,6 +10525,363 @@
 </file>
 
 <file path=ppt/slides/slide24.xml><?xml version="1.0" encoding="utf-8"?>
+<p:sld xmlns:a="http://schemas.openxmlformats.org/drawingml/2006/main" xmlns:r="http://schemas.openxmlformats.org/officeDocument/2006/relationships" xmlns:p="http://schemas.openxmlformats.org/presentationml/2006/main">
+  <p:cSld>
+    <p:spTree>
+      <p:nvGrpSpPr>
+        <p:cNvPr id="1" name=""/>
+        <p:cNvGrpSpPr/>
+        <p:nvPr/>
+      </p:nvGrpSpPr>
+      <p:grpSpPr>
+        <a:xfrm>
+          <a:off x="0" y="0"/>
+          <a:ext cx="0" cy="0"/>
+          <a:chOff x="0" y="0"/>
+          <a:chExt cx="0" cy="0"/>
+        </a:xfrm>
+      </p:grpSpPr>
+      <p:sp>
+        <p:nvSpPr>
+          <p:cNvPr id="6" name="TextBox 5">
+            <a:extLst>
+              <a:ext uri="{FF2B5EF4-FFF2-40B4-BE49-F238E27FC236}">
+                <a16:creationId xmlns:a16="http://schemas.microsoft.com/office/drawing/2014/main" id="{38200B59-D9CB-4786-8E63-6A95483ABADE}"/>
+              </a:ext>
+            </a:extLst>
+          </p:cNvPr>
+          <p:cNvSpPr txBox="1"/>
+          <p:nvPr/>
+        </p:nvSpPr>
+        <p:spPr>
+          <a:xfrm>
+            <a:off x="965317" y="2272148"/>
+            <a:ext cx="10083800" cy="523220"/>
+          </a:xfrm>
+          <a:prstGeom prst="rect">
+            <a:avLst/>
+          </a:prstGeom>
+          <a:noFill/>
+        </p:spPr>
+        <p:txBody>
+          <a:bodyPr wrap="square" rtlCol="0">
+            <a:spAutoFit/>
+          </a:bodyPr>
+          <a:lstStyle/>
+          <a:p>
+            <a:r>
+              <a:rPr lang="ko-KR" altLang="en-US" sz="2800" dirty="0"/>
+              <a:t>필터 인터페이스</a:t>
+            </a:r>
+          </a:p>
+        </p:txBody>
+      </p:sp>
+      <p:sp>
+        <p:nvSpPr>
+          <p:cNvPr id="7" name="TextBox 6">
+            <a:extLst>
+              <a:ext uri="{FF2B5EF4-FFF2-40B4-BE49-F238E27FC236}">
+                <a16:creationId xmlns:a16="http://schemas.microsoft.com/office/drawing/2014/main" id="{6E4D0DA5-EEB5-43F2-BCAC-A75F86B6D7D0}"/>
+              </a:ext>
+            </a:extLst>
+          </p:cNvPr>
+          <p:cNvSpPr txBox="1"/>
+          <p:nvPr/>
+        </p:nvSpPr>
+        <p:spPr>
+          <a:xfrm>
+            <a:off x="984250" y="778812"/>
+            <a:ext cx="9842500" cy="1754326"/>
+          </a:xfrm>
+          <a:prstGeom prst="rect">
+            <a:avLst/>
+          </a:prstGeom>
+          <a:noFill/>
+        </p:spPr>
+        <p:txBody>
+          <a:bodyPr wrap="square" rtlCol="0">
+            <a:spAutoFit/>
+          </a:bodyPr>
+          <a:lstStyle/>
+          <a:p>
+            <a:pPr marL="342900" indent="-342900">
+              <a:buAutoNum type="arabicPeriod"/>
+            </a:pPr>
+            <a:r>
+              <a:rPr lang="ko-KR" altLang="en-US" dirty="0"/>
+              <a:t>로그인 여부나 권한 검사 같은 인증 가능</a:t>
+            </a:r>
+            <a:endParaRPr lang="en-US" altLang="ko-KR" dirty="0"/>
+          </a:p>
+          <a:p>
+            <a:pPr marL="342900" indent="-342900">
+              <a:buAutoNum type="arabicPeriod"/>
+            </a:pPr>
+            <a:r>
+              <a:rPr lang="ko-KR" altLang="en-US" dirty="0"/>
+              <a:t>요청이나 응답에 대한 로그</a:t>
+            </a:r>
+            <a:r>
+              <a:rPr lang="en-US" altLang="ko-KR" dirty="0"/>
+              <a:t>(</a:t>
+            </a:r>
+            <a:r>
+              <a:rPr lang="ko-KR" altLang="en-US" dirty="0"/>
+              <a:t>기록</a:t>
+            </a:r>
+            <a:r>
+              <a:rPr lang="en-US" altLang="ko-KR" dirty="0"/>
+              <a:t>)</a:t>
+            </a:r>
+          </a:p>
+          <a:p>
+            <a:pPr marL="342900" indent="-342900">
+              <a:buAutoNum type="arabicPeriod"/>
+            </a:pPr>
+            <a:r>
+              <a:rPr lang="ko-KR" altLang="en-US" dirty="0"/>
+              <a:t>오류 처리 가능</a:t>
+            </a:r>
+            <a:endParaRPr lang="en-US" altLang="ko-KR" dirty="0"/>
+          </a:p>
+          <a:p>
+            <a:pPr marL="342900" indent="-342900">
+              <a:buAutoNum type="arabicPeriod"/>
+            </a:pPr>
+            <a:r>
+              <a:rPr lang="en-US" altLang="ko-KR" dirty="0"/>
+              <a:t>Charset </a:t>
+            </a:r>
+            <a:r>
+              <a:rPr lang="ko-KR" altLang="en-US" dirty="0"/>
+              <a:t>을 미리 </a:t>
+            </a:r>
+            <a:r>
+              <a:rPr lang="ko-KR" altLang="en-US" dirty="0" err="1"/>
+              <a:t>셋팅해</a:t>
+            </a:r>
+            <a:r>
+              <a:rPr lang="ko-KR" altLang="en-US" dirty="0"/>
+              <a:t> 놓은 기능</a:t>
+            </a:r>
+            <a:endParaRPr lang="en-US" altLang="ko-KR" dirty="0"/>
+          </a:p>
+          <a:p>
+            <a:pPr marL="342900" indent="-342900">
+              <a:buAutoNum type="arabicPeriod"/>
+            </a:pPr>
+            <a:r>
+              <a:rPr lang="ko-KR" altLang="en-US" dirty="0"/>
+              <a:t>데이터 압축이나 변환 가능</a:t>
+            </a:r>
+            <a:br>
+              <a:rPr lang="en-US" altLang="ko-KR" dirty="0"/>
+            </a:br>
+            <a:endParaRPr lang="en-US" altLang="ko-KR" dirty="0"/>
+          </a:p>
+        </p:txBody>
+      </p:sp>
+      <p:sp>
+        <p:nvSpPr>
+          <p:cNvPr id="8" name="TextBox 7">
+            <a:extLst>
+              <a:ext uri="{FF2B5EF4-FFF2-40B4-BE49-F238E27FC236}">
+                <a16:creationId xmlns:a16="http://schemas.microsoft.com/office/drawing/2014/main" id="{16150C64-0930-4B58-84AF-832F78D04F2E}"/>
+              </a:ext>
+            </a:extLst>
+          </p:cNvPr>
+          <p:cNvSpPr txBox="1"/>
+          <p:nvPr/>
+        </p:nvSpPr>
+        <p:spPr>
+          <a:xfrm>
+            <a:off x="965317" y="255592"/>
+            <a:ext cx="10083800" cy="523220"/>
+          </a:xfrm>
+          <a:prstGeom prst="rect">
+            <a:avLst/>
+          </a:prstGeom>
+          <a:noFill/>
+        </p:spPr>
+        <p:txBody>
+          <a:bodyPr wrap="square" rtlCol="0">
+            <a:spAutoFit/>
+          </a:bodyPr>
+          <a:lstStyle/>
+          <a:p>
+            <a:r>
+              <a:rPr lang="ko-KR" altLang="en-US" sz="2800" dirty="0"/>
+              <a:t>필터의 사용 예</a:t>
+            </a:r>
+          </a:p>
+        </p:txBody>
+      </p:sp>
+      <p:sp>
+        <p:nvSpPr>
+          <p:cNvPr id="9" name="TextBox 8">
+            <a:extLst>
+              <a:ext uri="{FF2B5EF4-FFF2-40B4-BE49-F238E27FC236}">
+                <a16:creationId xmlns:a16="http://schemas.microsoft.com/office/drawing/2014/main" id="{915C01B4-27C2-46AE-98BF-F6CC6D5D23FA}"/>
+              </a:ext>
+            </a:extLst>
+          </p:cNvPr>
+          <p:cNvSpPr txBox="1"/>
+          <p:nvPr/>
+        </p:nvSpPr>
+        <p:spPr>
+          <a:xfrm>
+            <a:off x="965317" y="2935905"/>
+            <a:ext cx="9842500" cy="2585323"/>
+          </a:xfrm>
+          <a:prstGeom prst="rect">
+            <a:avLst/>
+          </a:prstGeom>
+          <a:noFill/>
+        </p:spPr>
+        <p:txBody>
+          <a:bodyPr wrap="square" rtlCol="0">
+            <a:spAutoFit/>
+          </a:bodyPr>
+          <a:lstStyle/>
+          <a:p>
+            <a:r>
+              <a:rPr lang="en-US" altLang="ko-KR" dirty="0"/>
+              <a:t>Import </a:t>
+            </a:r>
+            <a:r>
+              <a:rPr lang="en-US" altLang="ko-KR" dirty="0" err="1"/>
+              <a:t>java.sevlet.Filter</a:t>
+            </a:r>
+            <a:endParaRPr lang="en-US" altLang="ko-KR" dirty="0"/>
+          </a:p>
+          <a:p>
+            <a:r>
+              <a:rPr lang="en-US" altLang="ko-KR" dirty="0"/>
+              <a:t>Public class </a:t>
+            </a:r>
+            <a:r>
+              <a:rPr lang="ko-KR" altLang="en-US" dirty="0"/>
+              <a:t>클래스 이름 </a:t>
+            </a:r>
+            <a:r>
+              <a:rPr lang="en-US" altLang="ko-KR" dirty="0"/>
+              <a:t>implements Filter{</a:t>
+            </a:r>
+          </a:p>
+          <a:p>
+            <a:r>
+              <a:rPr lang="en-US" altLang="ko-KR" dirty="0"/>
+              <a:t>   //</a:t>
+            </a:r>
+            <a:r>
+              <a:rPr lang="ko-KR" altLang="en-US" dirty="0"/>
+              <a:t>구현 메소드</a:t>
+            </a:r>
+            <a:endParaRPr lang="en-US" altLang="ko-KR" dirty="0"/>
+          </a:p>
+          <a:p>
+            <a:r>
+              <a:rPr lang="en-US" altLang="ko-KR" dirty="0"/>
+              <a:t>}</a:t>
+            </a:r>
+          </a:p>
+          <a:p>
+            <a:endParaRPr lang="en-US" altLang="ko-KR" dirty="0"/>
+          </a:p>
+          <a:p>
+            <a:r>
+              <a:rPr lang="en-US" altLang="ko-KR" dirty="0"/>
+              <a:t>Init() : </a:t>
+            </a:r>
+            <a:r>
+              <a:rPr lang="ko-KR" altLang="en-US" dirty="0"/>
+              <a:t>필터 인스턴스 초기화</a:t>
+            </a:r>
+            <a:r>
+              <a:rPr lang="en-US" altLang="ko-KR" dirty="0"/>
+              <a:t>(</a:t>
+            </a:r>
+            <a:r>
+              <a:rPr lang="ko-KR" altLang="en-US" dirty="0"/>
+              <a:t>한번만 호출</a:t>
+            </a:r>
+            <a:r>
+              <a:rPr lang="en-US" altLang="ko-KR" dirty="0"/>
+              <a:t>)</a:t>
+            </a:r>
+          </a:p>
+          <a:p>
+            <a:r>
+              <a:rPr lang="en-US" altLang="ko-KR" dirty="0" err="1"/>
+              <a:t>doFilter</a:t>
+            </a:r>
+            <a:r>
+              <a:rPr lang="en-US" altLang="ko-KR" dirty="0"/>
+              <a:t>() : </a:t>
+            </a:r>
+            <a:r>
+              <a:rPr lang="ko-KR" altLang="en-US" dirty="0"/>
+              <a:t>필터기능 작성하는 메소드 </a:t>
+            </a:r>
+            <a:r>
+              <a:rPr lang="en-US" altLang="ko-KR" dirty="0"/>
+              <a:t>(filter chain</a:t>
+            </a:r>
+            <a:r>
+              <a:rPr lang="ko-KR" altLang="en-US" dirty="0"/>
+              <a:t>을 이용하여 여러 번 호출 가능</a:t>
+            </a:r>
+            <a:r>
+              <a:rPr lang="en-US" altLang="ko-KR" dirty="0"/>
+              <a:t>)</a:t>
+            </a:r>
+          </a:p>
+          <a:p>
+            <a:r>
+              <a:rPr lang="en-US" altLang="ko-KR" dirty="0" err="1"/>
+              <a:t>destory</a:t>
+            </a:r>
+            <a:r>
+              <a:rPr lang="en-US" altLang="ko-KR" dirty="0"/>
+              <a:t>(): </a:t>
+            </a:r>
+            <a:r>
+              <a:rPr lang="ko-KR" altLang="en-US" dirty="0"/>
+              <a:t>필터 인스턴스 종료전에 호출</a:t>
+            </a:r>
+            <a:r>
+              <a:rPr lang="en-US" altLang="ko-KR" dirty="0"/>
+              <a:t> (</a:t>
+            </a:r>
+            <a:r>
+              <a:rPr lang="ko-KR" altLang="en-US" dirty="0"/>
+              <a:t>한번만 호출</a:t>
+            </a:r>
+            <a:r>
+              <a:rPr lang="en-US" altLang="ko-KR" dirty="0"/>
+              <a:t>)</a:t>
+            </a:r>
+            <a:br>
+              <a:rPr lang="en-US" altLang="ko-KR" dirty="0"/>
+            </a:br>
+            <a:endParaRPr lang="en-US" altLang="ko-KR" dirty="0"/>
+          </a:p>
+        </p:txBody>
+      </p:sp>
+    </p:spTree>
+    <p:extLst>
+      <p:ext uri="{BB962C8B-B14F-4D97-AF65-F5344CB8AC3E}">
+        <p14:creationId xmlns:p14="http://schemas.microsoft.com/office/powerpoint/2010/main" val="2935037811"/>
+      </p:ext>
+    </p:extLst>
+  </p:cSld>
+  <p:clrMapOvr>
+    <a:masterClrMapping/>
+  </p:clrMapOvr>
+</p:sld>
+</file>
+
+<file path=ppt/slides/slide25.xml><?xml version="1.0" encoding="utf-8"?>
 <p:sld xmlns:a="http://schemas.openxmlformats.org/drawingml/2006/main" xmlns:r="http://schemas.openxmlformats.org/officeDocument/2006/relationships" xmlns:p="http://schemas.openxmlformats.org/presentationml/2006/main">
   <p:cSld>
     <p:spTree>
@@ -8069,6 +10928,753 @@
           <a:p>
             <a:r>
               <a:rPr lang="en-US" altLang="ko-KR" sz="2800" dirty="0"/>
+              <a:t>Web.xml</a:t>
+            </a:r>
+            <a:r>
+              <a:rPr lang="ko-KR" altLang="en-US" sz="2800" dirty="0"/>
+              <a:t>을 이용한 필터구성</a:t>
+            </a:r>
+            <a:r>
+              <a:rPr lang="en-US" altLang="ko-KR" sz="2800" dirty="0"/>
+              <a:t> </a:t>
+            </a:r>
+            <a:endParaRPr lang="ko-KR" altLang="en-US" sz="2800" dirty="0"/>
+          </a:p>
+        </p:txBody>
+      </p:sp>
+      <p:sp>
+        <p:nvSpPr>
+          <p:cNvPr id="7" name="TextBox 6">
+            <a:extLst>
+              <a:ext uri="{FF2B5EF4-FFF2-40B4-BE49-F238E27FC236}">
+                <a16:creationId xmlns:a16="http://schemas.microsoft.com/office/drawing/2014/main" id="{6E4D0DA5-EEB5-43F2-BCAC-A75F86B6D7D0}"/>
+              </a:ext>
+            </a:extLst>
+          </p:cNvPr>
+          <p:cNvSpPr txBox="1"/>
+          <p:nvPr/>
+        </p:nvSpPr>
+        <p:spPr>
+          <a:xfrm>
+            <a:off x="402205" y="2413336"/>
+            <a:ext cx="9842500" cy="3693319"/>
+          </a:xfrm>
+          <a:prstGeom prst="rect">
+            <a:avLst/>
+          </a:prstGeom>
+          <a:noFill/>
+        </p:spPr>
+        <p:txBody>
+          <a:bodyPr wrap="square" rtlCol="0">
+            <a:spAutoFit/>
+          </a:bodyPr>
+          <a:lstStyle/>
+          <a:p>
+            <a:r>
+              <a:rPr lang="en-US" altLang="ko-KR" dirty="0"/>
+              <a:t>&lt;filter&gt;</a:t>
+            </a:r>
+          </a:p>
+          <a:p>
+            <a:r>
+              <a:rPr lang="en-US" altLang="ko-KR" dirty="0"/>
+              <a:t>   &lt;filter-name&gt;</a:t>
+            </a:r>
+            <a:r>
+              <a:rPr lang="ko-KR" altLang="en-US" dirty="0"/>
+              <a:t>필터이름 </a:t>
+            </a:r>
+            <a:r>
+              <a:rPr lang="en-US" altLang="ko-KR" dirty="0"/>
+              <a:t>&lt;/filter-name&gt;</a:t>
+            </a:r>
+          </a:p>
+          <a:p>
+            <a:r>
+              <a:rPr lang="en-US" altLang="ko-KR" dirty="0"/>
+              <a:t>   &lt;filter-class&gt;</a:t>
+            </a:r>
+            <a:r>
+              <a:rPr lang="ko-KR" altLang="en-US" dirty="0"/>
+              <a:t>클래스 이름 </a:t>
+            </a:r>
+            <a:r>
+              <a:rPr lang="en-US" altLang="ko-KR" dirty="0"/>
+              <a:t>&lt;/filter-class&gt;</a:t>
+            </a:r>
+          </a:p>
+          <a:p>
+            <a:r>
+              <a:rPr lang="en-US" altLang="ko-KR" dirty="0"/>
+              <a:t>   &lt;</a:t>
+            </a:r>
+            <a:r>
+              <a:rPr lang="en-US" altLang="ko-KR" dirty="0" err="1"/>
+              <a:t>init</a:t>
+            </a:r>
+            <a:r>
+              <a:rPr lang="en-US" altLang="ko-KR" dirty="0"/>
+              <a:t>-param&gt;</a:t>
+            </a:r>
+          </a:p>
+          <a:p>
+            <a:r>
+              <a:rPr lang="en-US" altLang="ko-KR" dirty="0"/>
+              <a:t>       &lt;param-name&gt;..&lt;/param-name&gt;</a:t>
+            </a:r>
+          </a:p>
+          <a:p>
+            <a:r>
+              <a:rPr lang="en-US" altLang="ko-KR" dirty="0"/>
+              <a:t>       &lt;</a:t>
+            </a:r>
+            <a:r>
+              <a:rPr lang="en-US" altLang="ko-KR" dirty="0" err="1"/>
+              <a:t>param.value</a:t>
+            </a:r>
+            <a:r>
+              <a:rPr lang="en-US" altLang="ko-KR" dirty="0"/>
+              <a:t>&gt;..&lt;/param-value&gt;</a:t>
+            </a:r>
+          </a:p>
+          <a:p>
+            <a:r>
+              <a:rPr lang="en-US" altLang="ko-KR" dirty="0"/>
+              <a:t>    &lt;/</a:t>
+            </a:r>
+            <a:r>
+              <a:rPr lang="en-US" altLang="ko-KR" dirty="0" err="1"/>
+              <a:t>init</a:t>
+            </a:r>
+            <a:r>
+              <a:rPr lang="en-US" altLang="ko-KR" dirty="0"/>
+              <a:t>-param&gt;</a:t>
+            </a:r>
+          </a:p>
+          <a:p>
+            <a:r>
+              <a:rPr lang="en-US" altLang="ko-KR" dirty="0"/>
+              <a:t>&lt;/filter&gt;</a:t>
+            </a:r>
+          </a:p>
+          <a:p>
+            <a:endParaRPr lang="en-US" altLang="ko-KR" dirty="0"/>
+          </a:p>
+          <a:p>
+            <a:r>
+              <a:rPr lang="en-US" altLang="ko-KR" dirty="0"/>
+              <a:t>&lt;filter-mapping&gt;</a:t>
+            </a:r>
+          </a:p>
+          <a:p>
+            <a:r>
+              <a:rPr lang="en-US" altLang="ko-KR" dirty="0"/>
+              <a:t>   &lt;filter-name&gt;..&lt;/filter-name&gt;</a:t>
+            </a:r>
+          </a:p>
+          <a:p>
+            <a:r>
+              <a:rPr lang="en-US" altLang="ko-KR" dirty="0"/>
+              <a:t>   &lt;fuser-</a:t>
+            </a:r>
+            <a:r>
+              <a:rPr lang="en-US" altLang="ko-KR" dirty="0" err="1"/>
+              <a:t>pattem</a:t>
+            </a:r>
+            <a:r>
+              <a:rPr lang="en-US" altLang="ko-KR" dirty="0"/>
+              <a:t>&gt;. &lt;/fuser-</a:t>
+            </a:r>
+            <a:r>
+              <a:rPr lang="en-US" altLang="ko-KR" dirty="0" err="1"/>
+              <a:t>pattem</a:t>
+            </a:r>
+            <a:r>
+              <a:rPr lang="en-US" altLang="ko-KR" dirty="0"/>
+              <a:t>&gt;</a:t>
+            </a:r>
+          </a:p>
+          <a:p>
+            <a:r>
+              <a:rPr lang="en-US" altLang="ko-KR" dirty="0"/>
+              <a:t>&lt;filter-mapping&gt;</a:t>
+            </a:r>
+          </a:p>
+        </p:txBody>
+      </p:sp>
+      <p:sp>
+        <p:nvSpPr>
+          <p:cNvPr id="2" name="TextBox 1">
+            <a:extLst>
+              <a:ext uri="{FF2B5EF4-FFF2-40B4-BE49-F238E27FC236}">
+                <a16:creationId xmlns:a16="http://schemas.microsoft.com/office/drawing/2014/main" id="{61E5EDEE-84B9-4CF7-AA2D-B8DD7F354FBC}"/>
+              </a:ext>
+            </a:extLst>
+          </p:cNvPr>
+          <p:cNvSpPr txBox="1"/>
+          <p:nvPr/>
+        </p:nvSpPr>
+        <p:spPr>
+          <a:xfrm>
+            <a:off x="1392572" y="952777"/>
+            <a:ext cx="10118476" cy="923330"/>
+          </a:xfrm>
+          <a:prstGeom prst="rect">
+            <a:avLst/>
+          </a:prstGeom>
+          <a:noFill/>
+        </p:spPr>
+        <p:txBody>
+          <a:bodyPr wrap="none" rtlCol="0">
+            <a:spAutoFit/>
+          </a:bodyPr>
+          <a:lstStyle/>
+          <a:p>
+            <a:r>
+              <a:rPr lang="ko-KR" altLang="en-US" dirty="0"/>
+              <a:t>필터를 사용하려면 어떤 필터가 어떤 리소스에 대해 적용되는지 </a:t>
+            </a:r>
+            <a:r>
+              <a:rPr lang="en-US" altLang="ko-KR" dirty="0" err="1"/>
+              <a:t>jsp</a:t>
+            </a:r>
+            <a:r>
+              <a:rPr lang="ko-KR" altLang="en-US" dirty="0"/>
+              <a:t>컨테이너에 알려주어야 한다</a:t>
+            </a:r>
+            <a:r>
+              <a:rPr lang="en-US" altLang="ko-KR" dirty="0"/>
+              <a:t>.</a:t>
+            </a:r>
+          </a:p>
+          <a:p>
+            <a:endParaRPr lang="en-US" altLang="ko-KR" dirty="0"/>
+          </a:p>
+          <a:p>
+            <a:r>
+              <a:rPr lang="en-US" altLang="ko-KR" dirty="0"/>
+              <a:t>&lt;filter&gt;</a:t>
+            </a:r>
+            <a:r>
+              <a:rPr lang="ko-KR" altLang="en-US" dirty="0"/>
+              <a:t>와 </a:t>
+            </a:r>
+            <a:r>
+              <a:rPr lang="en-US" altLang="ko-KR" dirty="0"/>
+              <a:t>&lt;filter-mapping&gt;</a:t>
+            </a:r>
+            <a:r>
+              <a:rPr lang="ko-KR" altLang="en-US" dirty="0"/>
+              <a:t>요소를 사용한다</a:t>
+            </a:r>
+            <a:r>
+              <a:rPr lang="en-US" altLang="ko-KR" dirty="0"/>
+              <a:t>.</a:t>
+            </a:r>
+            <a:endParaRPr lang="ko-KR" altLang="en-US" dirty="0"/>
+          </a:p>
+        </p:txBody>
+      </p:sp>
+      <p:sp>
+        <p:nvSpPr>
+          <p:cNvPr id="3" name="TextBox 2">
+            <a:extLst>
+              <a:ext uri="{FF2B5EF4-FFF2-40B4-BE49-F238E27FC236}">
+                <a16:creationId xmlns:a16="http://schemas.microsoft.com/office/drawing/2014/main" id="{035CDA1F-A045-49C2-925D-F63340AA9FAC}"/>
+              </a:ext>
+            </a:extLst>
+          </p:cNvPr>
+          <p:cNvSpPr txBox="1"/>
+          <p:nvPr/>
+        </p:nvSpPr>
+        <p:spPr>
+          <a:xfrm>
+            <a:off x="5726597" y="3289457"/>
+            <a:ext cx="6063198" cy="369332"/>
+          </a:xfrm>
+          <a:prstGeom prst="rect">
+            <a:avLst/>
+          </a:prstGeom>
+          <a:noFill/>
+        </p:spPr>
+        <p:txBody>
+          <a:bodyPr wrap="none" rtlCol="0">
+            <a:spAutoFit/>
+          </a:bodyPr>
+          <a:lstStyle/>
+          <a:p>
+            <a:r>
+              <a:rPr lang="en-US" altLang="ko-KR" dirty="0"/>
+              <a:t>String value=</a:t>
+            </a:r>
+            <a:r>
+              <a:rPr lang="en-US" altLang="ko-KR" dirty="0" err="1"/>
+              <a:t>getservletConfig</a:t>
+            </a:r>
+            <a:r>
+              <a:rPr lang="en-US" altLang="ko-KR" dirty="0"/>
+              <a:t>().</a:t>
+            </a:r>
+            <a:r>
+              <a:rPr lang="en-US" altLang="ko-KR" dirty="0" err="1"/>
+              <a:t>getinitParamter</a:t>
+            </a:r>
+            <a:r>
+              <a:rPr lang="en-US" altLang="ko-KR" dirty="0"/>
+              <a:t>(“param”)</a:t>
+            </a:r>
+            <a:endParaRPr lang="ko-KR" altLang="en-US" dirty="0"/>
+          </a:p>
+        </p:txBody>
+      </p:sp>
+      <p:sp>
+        <p:nvSpPr>
+          <p:cNvPr id="4" name="화살표: 오른쪽 3">
+            <a:extLst>
+              <a:ext uri="{FF2B5EF4-FFF2-40B4-BE49-F238E27FC236}">
+                <a16:creationId xmlns:a16="http://schemas.microsoft.com/office/drawing/2014/main" id="{3B9BF842-5F8A-49EB-BD96-41A337E94E07}"/>
+              </a:ext>
+            </a:extLst>
+          </p:cNvPr>
+          <p:cNvSpPr/>
+          <p:nvPr/>
+        </p:nvSpPr>
+        <p:spPr>
+          <a:xfrm>
+            <a:off x="4538444" y="4259996"/>
+            <a:ext cx="872455" cy="395894"/>
+          </a:xfrm>
+          <a:prstGeom prst="rightArrow">
+            <a:avLst/>
+          </a:prstGeom>
+        </p:spPr>
+        <p:style>
+          <a:lnRef idx="2">
+            <a:schemeClr val="accent1">
+              <a:shade val="50000"/>
+            </a:schemeClr>
+          </a:lnRef>
+          <a:fillRef idx="1">
+            <a:schemeClr val="accent1"/>
+          </a:fillRef>
+          <a:effectRef idx="0">
+            <a:schemeClr val="accent1"/>
+          </a:effectRef>
+          <a:fontRef idx="minor">
+            <a:schemeClr val="lt1"/>
+          </a:fontRef>
+        </p:style>
+        <p:txBody>
+          <a:bodyPr rtlCol="0" anchor="ctr"/>
+          <a:lstStyle/>
+          <a:p>
+            <a:pPr algn="ctr"/>
+            <a:endParaRPr lang="ko-KR" altLang="en-US"/>
+          </a:p>
+        </p:txBody>
+      </p:sp>
+    </p:spTree>
+    <p:extLst>
+      <p:ext uri="{BB962C8B-B14F-4D97-AF65-F5344CB8AC3E}">
+        <p14:creationId xmlns:p14="http://schemas.microsoft.com/office/powerpoint/2010/main" val="2237495258"/>
+      </p:ext>
+    </p:extLst>
+  </p:cSld>
+  <p:clrMapOvr>
+    <a:masterClrMapping/>
+  </p:clrMapOvr>
+</p:sld>
+</file>
+
+<file path=ppt/slides/slide26.xml><?xml version="1.0" encoding="utf-8"?>
+<p:sld xmlns:a="http://schemas.openxmlformats.org/drawingml/2006/main" xmlns:r="http://schemas.openxmlformats.org/officeDocument/2006/relationships" xmlns:p="http://schemas.openxmlformats.org/presentationml/2006/main">
+  <p:cSld>
+    <p:spTree>
+      <p:nvGrpSpPr>
+        <p:cNvPr id="1" name=""/>
+        <p:cNvGrpSpPr/>
+        <p:nvPr/>
+      </p:nvGrpSpPr>
+      <p:grpSpPr>
+        <a:xfrm>
+          <a:off x="0" y="0"/>
+          <a:ext cx="0" cy="0"/>
+          <a:chOff x="0" y="0"/>
+          <a:chExt cx="0" cy="0"/>
+        </a:xfrm>
+      </p:grpSpPr>
+      <p:sp>
+        <p:nvSpPr>
+          <p:cNvPr id="6" name="TextBox 5">
+            <a:extLst>
+              <a:ext uri="{FF2B5EF4-FFF2-40B4-BE49-F238E27FC236}">
+                <a16:creationId xmlns:a16="http://schemas.microsoft.com/office/drawing/2014/main" id="{38200B59-D9CB-4786-8E63-6A95483ABADE}"/>
+              </a:ext>
+            </a:extLst>
+          </p:cNvPr>
+          <p:cNvSpPr txBox="1"/>
+          <p:nvPr/>
+        </p:nvSpPr>
+        <p:spPr>
+          <a:xfrm>
+            <a:off x="863600" y="292100"/>
+            <a:ext cx="10083800" cy="523220"/>
+          </a:xfrm>
+          <a:prstGeom prst="rect">
+            <a:avLst/>
+          </a:prstGeom>
+          <a:noFill/>
+        </p:spPr>
+        <p:txBody>
+          <a:bodyPr wrap="square" rtlCol="0">
+            <a:spAutoFit/>
+          </a:bodyPr>
+          <a:lstStyle/>
+          <a:p>
+            <a:r>
+              <a:rPr lang="en-US" altLang="ko-KR" sz="2800" dirty="0"/>
+              <a:t>1. </a:t>
+            </a:r>
+            <a:endParaRPr lang="ko-KR" altLang="en-US" sz="2800" dirty="0"/>
+          </a:p>
+        </p:txBody>
+      </p:sp>
+      <p:sp>
+        <p:nvSpPr>
+          <p:cNvPr id="7" name="TextBox 6">
+            <a:extLst>
+              <a:ext uri="{FF2B5EF4-FFF2-40B4-BE49-F238E27FC236}">
+                <a16:creationId xmlns:a16="http://schemas.microsoft.com/office/drawing/2014/main" id="{6E4D0DA5-EEB5-43F2-BCAC-A75F86B6D7D0}"/>
+              </a:ext>
+            </a:extLst>
+          </p:cNvPr>
+          <p:cNvSpPr txBox="1"/>
+          <p:nvPr/>
+        </p:nvSpPr>
+        <p:spPr>
+          <a:xfrm>
+            <a:off x="1104900" y="1358900"/>
+            <a:ext cx="9842500" cy="2585323"/>
+          </a:xfrm>
+          <a:prstGeom prst="rect">
+            <a:avLst/>
+          </a:prstGeom>
+          <a:noFill/>
+        </p:spPr>
+        <p:txBody>
+          <a:bodyPr wrap="square" rtlCol="0">
+            <a:spAutoFit/>
+          </a:bodyPr>
+          <a:lstStyle/>
+          <a:p>
+            <a:r>
+              <a:rPr lang="en-US" altLang="ko-KR" dirty="0" err="1"/>
+              <a:t>pageScope</a:t>
+            </a:r>
+            <a:endParaRPr lang="en-US" altLang="ko-KR" dirty="0"/>
+          </a:p>
+          <a:p>
+            <a:r>
+              <a:rPr lang="en-US" altLang="ko-KR" dirty="0" err="1"/>
+              <a:t>requestScope</a:t>
+            </a:r>
+            <a:endParaRPr lang="en-US" altLang="ko-KR" dirty="0"/>
+          </a:p>
+          <a:p>
+            <a:r>
+              <a:rPr lang="en-US" altLang="ko-KR" dirty="0" err="1"/>
+              <a:t>sessionScope</a:t>
+            </a:r>
+            <a:endParaRPr lang="en-US" altLang="ko-KR" dirty="0"/>
+          </a:p>
+          <a:p>
+            <a:r>
+              <a:rPr lang="en-US" altLang="ko-KR" dirty="0" err="1"/>
+              <a:t>applicationScope</a:t>
+            </a:r>
+            <a:endParaRPr lang="en-US" altLang="ko-KR" dirty="0"/>
+          </a:p>
+          <a:p>
+            <a:endParaRPr lang="en-US" altLang="ko-KR" dirty="0"/>
+          </a:p>
+          <a:p>
+            <a:r>
+              <a:rPr lang="en-US" altLang="ko-KR" dirty="0" err="1"/>
+              <a:t>Request.setAttribute</a:t>
+            </a:r>
+            <a:r>
+              <a:rPr lang="en-US" altLang="ko-KR" dirty="0"/>
+              <a:t>(“nation” , “</a:t>
+            </a:r>
+            <a:r>
+              <a:rPr lang="en-US" altLang="ko-KR" dirty="0" err="1"/>
+              <a:t>korea</a:t>
+            </a:r>
+            <a:r>
+              <a:rPr lang="en-US" altLang="ko-KR" dirty="0"/>
+              <a:t>”);</a:t>
+            </a:r>
+          </a:p>
+          <a:p>
+            <a:r>
+              <a:rPr lang="en-US" altLang="ko-KR" dirty="0"/>
+              <a:t>${</a:t>
+            </a:r>
+            <a:r>
+              <a:rPr lang="en-US" altLang="ko-KR" dirty="0" err="1"/>
+              <a:t>requestScope.nation</a:t>
+            </a:r>
+            <a:r>
+              <a:rPr lang="en-US" altLang="ko-KR" dirty="0"/>
+              <a:t>}</a:t>
+            </a:r>
+            <a:br>
+              <a:rPr lang="en-US" altLang="ko-KR" dirty="0"/>
+            </a:br>
+            <a:r>
+              <a:rPr lang="en-US" altLang="ko-KR" dirty="0"/>
+              <a:t>${nation}</a:t>
+            </a:r>
+            <a:br>
+              <a:rPr lang="en-US" altLang="ko-KR" dirty="0"/>
+            </a:br>
+            <a:endParaRPr lang="en-US" altLang="ko-KR" dirty="0"/>
+          </a:p>
+        </p:txBody>
+      </p:sp>
+    </p:spTree>
+    <p:extLst>
+      <p:ext uri="{BB962C8B-B14F-4D97-AF65-F5344CB8AC3E}">
+        <p14:creationId xmlns:p14="http://schemas.microsoft.com/office/powerpoint/2010/main" val="712177772"/>
+      </p:ext>
+    </p:extLst>
+  </p:cSld>
+  <p:clrMapOvr>
+    <a:masterClrMapping/>
+  </p:clrMapOvr>
+</p:sld>
+</file>
+
+<file path=ppt/slides/slide27.xml><?xml version="1.0" encoding="utf-8"?>
+<p:sld xmlns:a="http://schemas.openxmlformats.org/drawingml/2006/main" xmlns:r="http://schemas.openxmlformats.org/officeDocument/2006/relationships" xmlns:p="http://schemas.openxmlformats.org/presentationml/2006/main">
+  <p:cSld>
+    <p:spTree>
+      <p:nvGrpSpPr>
+        <p:cNvPr id="1" name=""/>
+        <p:cNvGrpSpPr/>
+        <p:nvPr/>
+      </p:nvGrpSpPr>
+      <p:grpSpPr>
+        <a:xfrm>
+          <a:off x="0" y="0"/>
+          <a:ext cx="0" cy="0"/>
+          <a:chOff x="0" y="0"/>
+          <a:chExt cx="0" cy="0"/>
+        </a:xfrm>
+      </p:grpSpPr>
+      <p:sp>
+        <p:nvSpPr>
+          <p:cNvPr id="6" name="TextBox 5">
+            <a:extLst>
+              <a:ext uri="{FF2B5EF4-FFF2-40B4-BE49-F238E27FC236}">
+                <a16:creationId xmlns:a16="http://schemas.microsoft.com/office/drawing/2014/main" id="{38200B59-D9CB-4786-8E63-6A95483ABADE}"/>
+              </a:ext>
+            </a:extLst>
+          </p:cNvPr>
+          <p:cNvSpPr txBox="1"/>
+          <p:nvPr/>
+        </p:nvSpPr>
+        <p:spPr>
+          <a:xfrm>
+            <a:off x="863600" y="292100"/>
+            <a:ext cx="10083800" cy="523220"/>
+          </a:xfrm>
+          <a:prstGeom prst="rect">
+            <a:avLst/>
+          </a:prstGeom>
+          <a:noFill/>
+        </p:spPr>
+        <p:txBody>
+          <a:bodyPr wrap="square" rtlCol="0">
+            <a:spAutoFit/>
+          </a:bodyPr>
+          <a:lstStyle/>
+          <a:p>
+            <a:r>
+              <a:rPr lang="en-US" altLang="ko-KR" sz="2800" dirty="0"/>
+              <a:t>1. </a:t>
+            </a:r>
+            <a:endParaRPr lang="ko-KR" altLang="en-US" sz="2800" dirty="0"/>
+          </a:p>
+        </p:txBody>
+      </p:sp>
+      <p:sp>
+        <p:nvSpPr>
+          <p:cNvPr id="7" name="TextBox 6">
+            <a:extLst>
+              <a:ext uri="{FF2B5EF4-FFF2-40B4-BE49-F238E27FC236}">
+                <a16:creationId xmlns:a16="http://schemas.microsoft.com/office/drawing/2014/main" id="{6E4D0DA5-EEB5-43F2-BCAC-A75F86B6D7D0}"/>
+              </a:ext>
+            </a:extLst>
+          </p:cNvPr>
+          <p:cNvSpPr txBox="1"/>
+          <p:nvPr/>
+        </p:nvSpPr>
+        <p:spPr>
+          <a:xfrm>
+            <a:off x="1104900" y="1358900"/>
+            <a:ext cx="9842500" cy="923330"/>
+          </a:xfrm>
+          <a:prstGeom prst="rect">
+            <a:avLst/>
+          </a:prstGeom>
+          <a:noFill/>
+        </p:spPr>
+        <p:txBody>
+          <a:bodyPr wrap="square" rtlCol="0">
+            <a:spAutoFit/>
+          </a:bodyPr>
+          <a:lstStyle/>
+          <a:p>
+            <a:r>
+              <a:rPr lang="en-US" altLang="ko-KR" dirty="0" err="1"/>
+              <a:t>Requset.getParameter</a:t>
+            </a:r>
+            <a:r>
+              <a:rPr lang="en-US" altLang="ko-KR" dirty="0"/>
+              <a:t>(“</a:t>
+            </a:r>
+            <a:r>
+              <a:rPr lang="ko-KR" altLang="en-US" dirty="0" err="1"/>
+              <a:t>변수명</a:t>
+            </a:r>
+            <a:r>
+              <a:rPr lang="en-US" altLang="ko-KR" dirty="0"/>
+              <a:t>”); </a:t>
+            </a:r>
+            <a:r>
+              <a:rPr lang="en-US" altLang="ko-KR" dirty="0">
+                <a:sym typeface="Wingdings" panose="05000000000000000000" pitchFamily="2" charset="2"/>
+              </a:rPr>
+              <a:t> ${param.</a:t>
+            </a:r>
+            <a:r>
+              <a:rPr lang="ko-KR" altLang="en-US" dirty="0" err="1">
+                <a:sym typeface="Wingdings" panose="05000000000000000000" pitchFamily="2" charset="2"/>
+              </a:rPr>
+              <a:t>변수명</a:t>
+            </a:r>
+            <a:r>
+              <a:rPr lang="en-US" altLang="ko-KR" dirty="0">
+                <a:sym typeface="Wingdings" panose="05000000000000000000" pitchFamily="2" charset="2"/>
+              </a:rPr>
+              <a:t>}</a:t>
+            </a:r>
+          </a:p>
+          <a:p>
+            <a:r>
+              <a:rPr lang="ko-KR" altLang="en-US" dirty="0">
+                <a:sym typeface="Wingdings" panose="05000000000000000000" pitchFamily="2" charset="2"/>
+              </a:rPr>
+              <a:t>배열 </a:t>
+            </a:r>
+            <a:r>
+              <a:rPr lang="en-US" altLang="ko-KR" dirty="0">
+                <a:sym typeface="Wingdings" panose="05000000000000000000" pitchFamily="2" charset="2"/>
+              </a:rPr>
+              <a:t>  ${</a:t>
+            </a:r>
+            <a:r>
+              <a:rPr lang="en-US" altLang="ko-KR" dirty="0" err="1">
+                <a:sym typeface="Wingdings" panose="05000000000000000000" pitchFamily="2" charset="2"/>
+              </a:rPr>
+              <a:t>paramValue</a:t>
+            </a:r>
+            <a:r>
+              <a:rPr lang="en-US" altLang="ko-KR" dirty="0">
+                <a:sym typeface="Wingdings" panose="05000000000000000000" pitchFamily="2" charset="2"/>
+              </a:rPr>
+              <a:t>.</a:t>
+            </a:r>
+            <a:r>
+              <a:rPr lang="ko-KR" altLang="en-US" dirty="0" err="1">
+                <a:sym typeface="Wingdings" panose="05000000000000000000" pitchFamily="2" charset="2"/>
+              </a:rPr>
+              <a:t>변수명</a:t>
+            </a:r>
+            <a:r>
+              <a:rPr lang="en-US" altLang="ko-KR" dirty="0">
+                <a:sym typeface="Wingdings" panose="05000000000000000000" pitchFamily="2" charset="2"/>
+              </a:rPr>
+              <a:t>[index]} </a:t>
+            </a:r>
+            <a:br>
+              <a:rPr lang="en-US" altLang="ko-KR" dirty="0"/>
+            </a:br>
+            <a:endParaRPr lang="en-US" altLang="ko-KR" dirty="0"/>
+          </a:p>
+        </p:txBody>
+      </p:sp>
+    </p:spTree>
+    <p:extLst>
+      <p:ext uri="{BB962C8B-B14F-4D97-AF65-F5344CB8AC3E}">
+        <p14:creationId xmlns:p14="http://schemas.microsoft.com/office/powerpoint/2010/main" val="1202204161"/>
+      </p:ext>
+    </p:extLst>
+  </p:cSld>
+  <p:clrMapOvr>
+    <a:masterClrMapping/>
+  </p:clrMapOvr>
+</p:sld>
+</file>
+
+<file path=ppt/slides/slide28.xml><?xml version="1.0" encoding="utf-8"?>
+<p:sld xmlns:a="http://schemas.openxmlformats.org/drawingml/2006/main" xmlns:r="http://schemas.openxmlformats.org/officeDocument/2006/relationships" xmlns:p="http://schemas.openxmlformats.org/presentationml/2006/main">
+  <p:cSld>
+    <p:spTree>
+      <p:nvGrpSpPr>
+        <p:cNvPr id="1" name=""/>
+        <p:cNvGrpSpPr/>
+        <p:nvPr/>
+      </p:nvGrpSpPr>
+      <p:grpSpPr>
+        <a:xfrm>
+          <a:off x="0" y="0"/>
+          <a:ext cx="0" cy="0"/>
+          <a:chOff x="0" y="0"/>
+          <a:chExt cx="0" cy="0"/>
+        </a:xfrm>
+      </p:grpSpPr>
+      <p:sp>
+        <p:nvSpPr>
+          <p:cNvPr id="6" name="TextBox 5">
+            <a:extLst>
+              <a:ext uri="{FF2B5EF4-FFF2-40B4-BE49-F238E27FC236}">
+                <a16:creationId xmlns:a16="http://schemas.microsoft.com/office/drawing/2014/main" id="{38200B59-D9CB-4786-8E63-6A95483ABADE}"/>
+              </a:ext>
+            </a:extLst>
+          </p:cNvPr>
+          <p:cNvSpPr txBox="1"/>
+          <p:nvPr/>
+        </p:nvSpPr>
+        <p:spPr>
+          <a:xfrm>
+            <a:off x="863600" y="292100"/>
+            <a:ext cx="10083800" cy="523220"/>
+          </a:xfrm>
+          <a:prstGeom prst="rect">
+            <a:avLst/>
+          </a:prstGeom>
+          <a:noFill/>
+        </p:spPr>
+        <p:txBody>
+          <a:bodyPr wrap="square" rtlCol="0">
+            <a:spAutoFit/>
+          </a:bodyPr>
+          <a:lstStyle/>
+          <a:p>
+            <a:r>
+              <a:rPr lang="en-US" altLang="ko-KR" sz="2800" dirty="0"/>
               <a:t>1. </a:t>
             </a:r>
             <a:endParaRPr lang="ko-KR" altLang="en-US" sz="2800" dirty="0"/>
@@ -8116,6 +11722,944 @@
     </p:spTree>
     <p:extLst>
       <p:ext uri="{BB962C8B-B14F-4D97-AF65-F5344CB8AC3E}">
+        <p14:creationId xmlns:p14="http://schemas.microsoft.com/office/powerpoint/2010/main" val="547421947"/>
+      </p:ext>
+    </p:extLst>
+  </p:cSld>
+  <p:clrMapOvr>
+    <a:masterClrMapping/>
+  </p:clrMapOvr>
+</p:sld>
+</file>
+
+<file path=ppt/slides/slide29.xml><?xml version="1.0" encoding="utf-8"?>
+<p:sld xmlns:a="http://schemas.openxmlformats.org/drawingml/2006/main" xmlns:r="http://schemas.openxmlformats.org/officeDocument/2006/relationships" xmlns:p="http://schemas.openxmlformats.org/presentationml/2006/main">
+  <p:cSld>
+    <p:spTree>
+      <p:nvGrpSpPr>
+        <p:cNvPr id="1" name=""/>
+        <p:cNvGrpSpPr/>
+        <p:nvPr/>
+      </p:nvGrpSpPr>
+      <p:grpSpPr>
+        <a:xfrm>
+          <a:off x="0" y="0"/>
+          <a:ext cx="0" cy="0"/>
+          <a:chOff x="0" y="0"/>
+          <a:chExt cx="0" cy="0"/>
+        </a:xfrm>
+      </p:grpSpPr>
+      <p:sp>
+        <p:nvSpPr>
+          <p:cNvPr id="6" name="TextBox 5">
+            <a:extLst>
+              <a:ext uri="{FF2B5EF4-FFF2-40B4-BE49-F238E27FC236}">
+                <a16:creationId xmlns:a16="http://schemas.microsoft.com/office/drawing/2014/main" id="{38200B59-D9CB-4786-8E63-6A95483ABADE}"/>
+              </a:ext>
+            </a:extLst>
+          </p:cNvPr>
+          <p:cNvSpPr txBox="1"/>
+          <p:nvPr/>
+        </p:nvSpPr>
+        <p:spPr>
+          <a:xfrm>
+            <a:off x="863600" y="292100"/>
+            <a:ext cx="10083800" cy="523220"/>
+          </a:xfrm>
+          <a:prstGeom prst="rect">
+            <a:avLst/>
+          </a:prstGeom>
+          <a:noFill/>
+        </p:spPr>
+        <p:txBody>
+          <a:bodyPr wrap="square" rtlCol="0">
+            <a:spAutoFit/>
+          </a:bodyPr>
+          <a:lstStyle/>
+          <a:p>
+            <a:r>
+              <a:rPr lang="en-US" altLang="ko-KR" sz="2800" dirty="0"/>
+              <a:t>1. </a:t>
+            </a:r>
+            <a:endParaRPr lang="ko-KR" altLang="en-US" sz="2800" dirty="0"/>
+          </a:p>
+        </p:txBody>
+      </p:sp>
+      <p:sp>
+        <p:nvSpPr>
+          <p:cNvPr id="7" name="TextBox 6">
+            <a:extLst>
+              <a:ext uri="{FF2B5EF4-FFF2-40B4-BE49-F238E27FC236}">
+                <a16:creationId xmlns:a16="http://schemas.microsoft.com/office/drawing/2014/main" id="{6E4D0DA5-EEB5-43F2-BCAC-A75F86B6D7D0}"/>
+              </a:ext>
+            </a:extLst>
+          </p:cNvPr>
+          <p:cNvSpPr txBox="1"/>
+          <p:nvPr/>
+        </p:nvSpPr>
+        <p:spPr>
+          <a:xfrm>
+            <a:off x="1104900" y="1358900"/>
+            <a:ext cx="9842500" cy="646331"/>
+          </a:xfrm>
+          <a:prstGeom prst="rect">
+            <a:avLst/>
+          </a:prstGeom>
+          <a:noFill/>
+        </p:spPr>
+        <p:txBody>
+          <a:bodyPr wrap="square" rtlCol="0">
+            <a:spAutoFit/>
+          </a:bodyPr>
+          <a:lstStyle/>
+          <a:p>
+            <a:pPr marL="342900" indent="-342900">
+              <a:buAutoNum type="arabicPeriod"/>
+            </a:pPr>
+            <a:br>
+              <a:rPr lang="en-US" altLang="ko-KR" dirty="0"/>
+            </a:br>
+            <a:endParaRPr lang="en-US" altLang="ko-KR" dirty="0"/>
+          </a:p>
+        </p:txBody>
+      </p:sp>
+    </p:spTree>
+    <p:extLst>
+      <p:ext uri="{BB962C8B-B14F-4D97-AF65-F5344CB8AC3E}">
+        <p14:creationId xmlns:p14="http://schemas.microsoft.com/office/powerpoint/2010/main" val="3286177817"/>
+      </p:ext>
+    </p:extLst>
+  </p:cSld>
+  <p:clrMapOvr>
+    <a:masterClrMapping/>
+  </p:clrMapOvr>
+</p:sld>
+</file>
+
+<file path=ppt/slides/slide3.xml><?xml version="1.0" encoding="utf-8"?>
+<p:sld xmlns:a="http://schemas.openxmlformats.org/drawingml/2006/main" xmlns:r="http://schemas.openxmlformats.org/officeDocument/2006/relationships" xmlns:p="http://schemas.openxmlformats.org/presentationml/2006/main">
+  <p:cSld>
+    <p:spTree>
+      <p:nvGrpSpPr>
+        <p:cNvPr id="1" name=""/>
+        <p:cNvGrpSpPr/>
+        <p:nvPr/>
+      </p:nvGrpSpPr>
+      <p:grpSpPr>
+        <a:xfrm>
+          <a:off x="0" y="0"/>
+          <a:ext cx="0" cy="0"/>
+          <a:chOff x="0" y="0"/>
+          <a:chExt cx="0" cy="0"/>
+        </a:xfrm>
+      </p:grpSpPr>
+      <p:sp>
+        <p:nvSpPr>
+          <p:cNvPr id="6" name="TextBox 5">
+            <a:extLst>
+              <a:ext uri="{FF2B5EF4-FFF2-40B4-BE49-F238E27FC236}">
+                <a16:creationId xmlns:a16="http://schemas.microsoft.com/office/drawing/2014/main" id="{38200B59-D9CB-4786-8E63-6A95483ABADE}"/>
+              </a:ext>
+            </a:extLst>
+          </p:cNvPr>
+          <p:cNvSpPr txBox="1"/>
+          <p:nvPr/>
+        </p:nvSpPr>
+        <p:spPr>
+          <a:xfrm>
+            <a:off x="863600" y="292100"/>
+            <a:ext cx="10083800" cy="523220"/>
+          </a:xfrm>
+          <a:prstGeom prst="rect">
+            <a:avLst/>
+          </a:prstGeom>
+          <a:noFill/>
+        </p:spPr>
+        <p:txBody>
+          <a:bodyPr wrap="square" rtlCol="0">
+            <a:spAutoFit/>
+          </a:bodyPr>
+          <a:lstStyle/>
+          <a:p>
+            <a:r>
+              <a:rPr lang="en-US" altLang="ko-KR" sz="2800" dirty="0"/>
+              <a:t>2. </a:t>
+            </a:r>
+            <a:r>
+              <a:rPr lang="en-US" altLang="ko-KR" sz="2800" dirty="0" err="1"/>
+              <a:t>Requset</a:t>
+            </a:r>
+            <a:r>
+              <a:rPr lang="en-US" altLang="ko-KR" sz="2800" dirty="0"/>
+              <a:t> </a:t>
+            </a:r>
+            <a:r>
+              <a:rPr lang="ko-KR" altLang="en-US" sz="2800" dirty="0"/>
+              <a:t>요청 </a:t>
+            </a:r>
+            <a:r>
+              <a:rPr lang="en-US" altLang="ko-KR" sz="2800" dirty="0"/>
+              <a:t>(</a:t>
+            </a:r>
+            <a:r>
+              <a:rPr lang="ko-KR" altLang="en-US" sz="2800" dirty="0"/>
+              <a:t>파라미터</a:t>
+            </a:r>
+            <a:r>
+              <a:rPr lang="en-US" altLang="ko-KR" sz="2800" dirty="0"/>
+              <a:t>)</a:t>
+            </a:r>
+            <a:r>
+              <a:rPr lang="ko-KR" altLang="en-US" sz="2800" dirty="0" err="1"/>
+              <a:t>관련메서드</a:t>
+            </a:r>
+            <a:endParaRPr lang="ko-KR" altLang="en-US" sz="2800" dirty="0"/>
+          </a:p>
+        </p:txBody>
+      </p:sp>
+      <p:sp>
+        <p:nvSpPr>
+          <p:cNvPr id="7" name="TextBox 6">
+            <a:extLst>
+              <a:ext uri="{FF2B5EF4-FFF2-40B4-BE49-F238E27FC236}">
+                <a16:creationId xmlns:a16="http://schemas.microsoft.com/office/drawing/2014/main" id="{6E4D0DA5-EEB5-43F2-BCAC-A75F86B6D7D0}"/>
+              </a:ext>
+            </a:extLst>
+          </p:cNvPr>
+          <p:cNvSpPr txBox="1"/>
+          <p:nvPr/>
+        </p:nvSpPr>
+        <p:spPr>
+          <a:xfrm>
+            <a:off x="1104900" y="1358900"/>
+            <a:ext cx="9842500" cy="2585323"/>
+          </a:xfrm>
+          <a:prstGeom prst="rect">
+            <a:avLst/>
+          </a:prstGeom>
+          <a:noFill/>
+        </p:spPr>
+        <p:txBody>
+          <a:bodyPr wrap="square" rtlCol="0">
+            <a:spAutoFit/>
+          </a:bodyPr>
+          <a:lstStyle/>
+          <a:p>
+            <a:r>
+              <a:rPr lang="en-US" altLang="ko-KR" dirty="0" err="1"/>
+              <a:t>getParameter</a:t>
+            </a:r>
+            <a:r>
+              <a:rPr lang="en-US" altLang="ko-KR" dirty="0"/>
+              <a:t>(String name)</a:t>
+            </a:r>
+          </a:p>
+          <a:p>
+            <a:r>
+              <a:rPr lang="en-US" altLang="ko-KR" dirty="0"/>
+              <a:t>  -&gt;</a:t>
+            </a:r>
+            <a:r>
+              <a:rPr lang="ko-KR" altLang="en-US" dirty="0"/>
+              <a:t>클라이언트에서 전달한 파라미터 값을 추출</a:t>
+            </a:r>
+            <a:endParaRPr lang="en-US" altLang="ko-KR" dirty="0"/>
+          </a:p>
+          <a:p>
+            <a:endParaRPr lang="en-US" altLang="ko-KR" dirty="0"/>
+          </a:p>
+          <a:p>
+            <a:r>
+              <a:rPr lang="en-US" altLang="ko-KR" dirty="0" err="1"/>
+              <a:t>getParameterNames</a:t>
+            </a:r>
+            <a:r>
+              <a:rPr lang="en-US" altLang="ko-KR" dirty="0"/>
+              <a:t>(String name)</a:t>
+            </a:r>
+          </a:p>
+          <a:p>
+            <a:r>
+              <a:rPr lang="en-US" altLang="ko-KR" dirty="0"/>
+              <a:t>  -&gt;</a:t>
+            </a:r>
+            <a:r>
+              <a:rPr lang="ko-KR" altLang="en-US" dirty="0"/>
+              <a:t>클라이언트에서 보낸 </a:t>
+            </a:r>
+            <a:r>
+              <a:rPr lang="ko-KR" altLang="en-US" dirty="0" err="1"/>
+              <a:t>파라미터값을</a:t>
+            </a:r>
+            <a:r>
+              <a:rPr lang="ko-KR" altLang="en-US" dirty="0"/>
+              <a:t> 모두 추출</a:t>
+            </a:r>
+            <a:r>
+              <a:rPr lang="en-US" altLang="ko-KR" dirty="0"/>
+              <a:t>, (</a:t>
+            </a:r>
+            <a:r>
+              <a:rPr lang="ko-KR" altLang="en-US" dirty="0"/>
+              <a:t>반환타입</a:t>
+            </a:r>
+            <a:r>
+              <a:rPr lang="en-US" altLang="ko-KR" dirty="0"/>
+              <a:t>:Enumeration)</a:t>
+            </a:r>
+          </a:p>
+          <a:p>
+            <a:endParaRPr lang="en-US" altLang="ko-KR" dirty="0"/>
+          </a:p>
+          <a:p>
+            <a:endParaRPr lang="en-US" altLang="ko-KR" dirty="0"/>
+          </a:p>
+          <a:p>
+            <a:r>
+              <a:rPr lang="en-US" altLang="ko-KR" dirty="0" err="1"/>
+              <a:t>getParameterValues</a:t>
+            </a:r>
+            <a:r>
+              <a:rPr lang="en-US" altLang="ko-KR" dirty="0"/>
+              <a:t>(String name)</a:t>
+            </a:r>
+          </a:p>
+          <a:p>
+            <a:r>
+              <a:rPr lang="en-US" altLang="ko-KR" dirty="0"/>
+              <a:t>   -&gt;</a:t>
+            </a:r>
+            <a:r>
+              <a:rPr lang="ko-KR" altLang="en-US" dirty="0" err="1"/>
+              <a:t>클라리언트에서</a:t>
+            </a:r>
+            <a:r>
+              <a:rPr lang="ko-KR" altLang="en-US" dirty="0"/>
+              <a:t> 보낸 파라미터의 값을 모두 추출</a:t>
+            </a:r>
+            <a:r>
+              <a:rPr lang="en-US" altLang="ko-KR" dirty="0"/>
+              <a:t>(</a:t>
+            </a:r>
+            <a:r>
+              <a:rPr lang="ko-KR" altLang="en-US" dirty="0"/>
+              <a:t>반환타입 </a:t>
+            </a:r>
+            <a:r>
+              <a:rPr lang="en-US" altLang="ko-KR" dirty="0"/>
+              <a:t>: String[])</a:t>
+            </a:r>
+          </a:p>
+        </p:txBody>
+      </p:sp>
+    </p:spTree>
+    <p:extLst>
+      <p:ext uri="{BB962C8B-B14F-4D97-AF65-F5344CB8AC3E}">
+        <p14:creationId xmlns:p14="http://schemas.microsoft.com/office/powerpoint/2010/main" val="2284085464"/>
+      </p:ext>
+    </p:extLst>
+  </p:cSld>
+  <p:clrMapOvr>
+    <a:masterClrMapping/>
+  </p:clrMapOvr>
+</p:sld>
+</file>
+
+<file path=ppt/slides/slide30.xml><?xml version="1.0" encoding="utf-8"?>
+<p:sld xmlns:a="http://schemas.openxmlformats.org/drawingml/2006/main" xmlns:r="http://schemas.openxmlformats.org/officeDocument/2006/relationships" xmlns:p="http://schemas.openxmlformats.org/presentationml/2006/main">
+  <p:cSld>
+    <p:spTree>
+      <p:nvGrpSpPr>
+        <p:cNvPr id="1" name=""/>
+        <p:cNvGrpSpPr/>
+        <p:nvPr/>
+      </p:nvGrpSpPr>
+      <p:grpSpPr>
+        <a:xfrm>
+          <a:off x="0" y="0"/>
+          <a:ext cx="0" cy="0"/>
+          <a:chOff x="0" y="0"/>
+          <a:chExt cx="0" cy="0"/>
+        </a:xfrm>
+      </p:grpSpPr>
+      <p:sp>
+        <p:nvSpPr>
+          <p:cNvPr id="6" name="TextBox 5">
+            <a:extLst>
+              <a:ext uri="{FF2B5EF4-FFF2-40B4-BE49-F238E27FC236}">
+                <a16:creationId xmlns:a16="http://schemas.microsoft.com/office/drawing/2014/main" id="{38200B59-D9CB-4786-8E63-6A95483ABADE}"/>
+              </a:ext>
+            </a:extLst>
+          </p:cNvPr>
+          <p:cNvSpPr txBox="1"/>
+          <p:nvPr/>
+        </p:nvSpPr>
+        <p:spPr>
+          <a:xfrm>
+            <a:off x="863600" y="292100"/>
+            <a:ext cx="10083800" cy="523220"/>
+          </a:xfrm>
+          <a:prstGeom prst="rect">
+            <a:avLst/>
+          </a:prstGeom>
+          <a:noFill/>
+        </p:spPr>
+        <p:txBody>
+          <a:bodyPr wrap="square" rtlCol="0">
+            <a:spAutoFit/>
+          </a:bodyPr>
+          <a:lstStyle/>
+          <a:p>
+            <a:r>
+              <a:rPr lang="en-US" altLang="ko-KR" sz="2800" dirty="0"/>
+              <a:t>1. </a:t>
+            </a:r>
+            <a:endParaRPr lang="ko-KR" altLang="en-US" sz="2800" dirty="0"/>
+          </a:p>
+        </p:txBody>
+      </p:sp>
+      <p:sp>
+        <p:nvSpPr>
+          <p:cNvPr id="7" name="TextBox 6">
+            <a:extLst>
+              <a:ext uri="{FF2B5EF4-FFF2-40B4-BE49-F238E27FC236}">
+                <a16:creationId xmlns:a16="http://schemas.microsoft.com/office/drawing/2014/main" id="{6E4D0DA5-EEB5-43F2-BCAC-A75F86B6D7D0}"/>
+              </a:ext>
+            </a:extLst>
+          </p:cNvPr>
+          <p:cNvSpPr txBox="1"/>
+          <p:nvPr/>
+        </p:nvSpPr>
+        <p:spPr>
+          <a:xfrm>
+            <a:off x="1104900" y="1358900"/>
+            <a:ext cx="9842500" cy="646331"/>
+          </a:xfrm>
+          <a:prstGeom prst="rect">
+            <a:avLst/>
+          </a:prstGeom>
+          <a:noFill/>
+        </p:spPr>
+        <p:txBody>
+          <a:bodyPr wrap="square" rtlCol="0">
+            <a:spAutoFit/>
+          </a:bodyPr>
+          <a:lstStyle/>
+          <a:p>
+            <a:pPr marL="342900" indent="-342900">
+              <a:buAutoNum type="arabicPeriod"/>
+            </a:pPr>
+            <a:br>
+              <a:rPr lang="en-US" altLang="ko-KR" dirty="0"/>
+            </a:br>
+            <a:endParaRPr lang="en-US" altLang="ko-KR" dirty="0"/>
+          </a:p>
+        </p:txBody>
+      </p:sp>
+    </p:spTree>
+    <p:extLst>
+      <p:ext uri="{BB962C8B-B14F-4D97-AF65-F5344CB8AC3E}">
+        <p14:creationId xmlns:p14="http://schemas.microsoft.com/office/powerpoint/2010/main" val="493913461"/>
+      </p:ext>
+    </p:extLst>
+  </p:cSld>
+  <p:clrMapOvr>
+    <a:masterClrMapping/>
+  </p:clrMapOvr>
+</p:sld>
+</file>
+
+<file path=ppt/slides/slide31.xml><?xml version="1.0" encoding="utf-8"?>
+<p:sld xmlns:a="http://schemas.openxmlformats.org/drawingml/2006/main" xmlns:r="http://schemas.openxmlformats.org/officeDocument/2006/relationships" xmlns:p="http://schemas.openxmlformats.org/presentationml/2006/main">
+  <p:cSld>
+    <p:spTree>
+      <p:nvGrpSpPr>
+        <p:cNvPr id="1" name=""/>
+        <p:cNvGrpSpPr/>
+        <p:nvPr/>
+      </p:nvGrpSpPr>
+      <p:grpSpPr>
+        <a:xfrm>
+          <a:off x="0" y="0"/>
+          <a:ext cx="0" cy="0"/>
+          <a:chOff x="0" y="0"/>
+          <a:chExt cx="0" cy="0"/>
+        </a:xfrm>
+      </p:grpSpPr>
+      <p:sp>
+        <p:nvSpPr>
+          <p:cNvPr id="6" name="TextBox 5">
+            <a:extLst>
+              <a:ext uri="{FF2B5EF4-FFF2-40B4-BE49-F238E27FC236}">
+                <a16:creationId xmlns:a16="http://schemas.microsoft.com/office/drawing/2014/main" id="{38200B59-D9CB-4786-8E63-6A95483ABADE}"/>
+              </a:ext>
+            </a:extLst>
+          </p:cNvPr>
+          <p:cNvSpPr txBox="1"/>
+          <p:nvPr/>
+        </p:nvSpPr>
+        <p:spPr>
+          <a:xfrm>
+            <a:off x="863600" y="292100"/>
+            <a:ext cx="10083800" cy="523220"/>
+          </a:xfrm>
+          <a:prstGeom prst="rect">
+            <a:avLst/>
+          </a:prstGeom>
+          <a:noFill/>
+        </p:spPr>
+        <p:txBody>
+          <a:bodyPr wrap="square" rtlCol="0">
+            <a:spAutoFit/>
+          </a:bodyPr>
+          <a:lstStyle/>
+          <a:p>
+            <a:r>
+              <a:rPr lang="en-US" altLang="ko-KR" sz="2800" dirty="0" err="1"/>
+              <a:t>errorPage</a:t>
+            </a:r>
+            <a:r>
+              <a:rPr lang="en-US" altLang="ko-KR" sz="2800" dirty="0"/>
+              <a:t> </a:t>
+            </a:r>
+            <a:r>
+              <a:rPr lang="ko-KR" altLang="en-US" sz="2800" dirty="0"/>
+              <a:t>처리를 </a:t>
+            </a:r>
+            <a:r>
+              <a:rPr lang="en-US" altLang="ko-KR" sz="2800" dirty="0"/>
+              <a:t>xml</a:t>
+            </a:r>
+            <a:r>
+              <a:rPr lang="ko-KR" altLang="en-US" sz="2800" dirty="0"/>
+              <a:t>에 </a:t>
+            </a:r>
+            <a:r>
+              <a:rPr lang="ko-KR" altLang="en-US" sz="2800" dirty="0" err="1"/>
+              <a:t>하는방법</a:t>
+            </a:r>
+            <a:endParaRPr lang="ko-KR" altLang="en-US" sz="2800" dirty="0"/>
+          </a:p>
+        </p:txBody>
+      </p:sp>
+      <p:sp>
+        <p:nvSpPr>
+          <p:cNvPr id="7" name="TextBox 6">
+            <a:extLst>
+              <a:ext uri="{FF2B5EF4-FFF2-40B4-BE49-F238E27FC236}">
+                <a16:creationId xmlns:a16="http://schemas.microsoft.com/office/drawing/2014/main" id="{6E4D0DA5-EEB5-43F2-BCAC-A75F86B6D7D0}"/>
+              </a:ext>
+            </a:extLst>
+          </p:cNvPr>
+          <p:cNvSpPr txBox="1"/>
+          <p:nvPr/>
+        </p:nvSpPr>
+        <p:spPr>
+          <a:xfrm>
+            <a:off x="1104900" y="1358900"/>
+            <a:ext cx="9842500" cy="1477328"/>
+          </a:xfrm>
+          <a:prstGeom prst="rect">
+            <a:avLst/>
+          </a:prstGeom>
+          <a:noFill/>
+        </p:spPr>
+        <p:txBody>
+          <a:bodyPr wrap="square" rtlCol="0">
+            <a:spAutoFit/>
+          </a:bodyPr>
+          <a:lstStyle/>
+          <a:p>
+            <a:pPr marL="285750" indent="-285750">
+              <a:buFont typeface="Arial" panose="020B0604020202020204" pitchFamily="34" charset="0"/>
+              <a:buChar char="•"/>
+            </a:pPr>
+            <a:r>
+              <a:rPr lang="en-US" altLang="ko-KR" dirty="0"/>
+              <a:t>&lt;error-page&gt;</a:t>
+            </a:r>
+            <a:br>
+              <a:rPr lang="en-US" altLang="ko-KR" dirty="0"/>
+            </a:br>
+            <a:r>
+              <a:rPr lang="en-US" altLang="ko-KR" dirty="0"/>
+              <a:t>   &lt;error-code&gt;</a:t>
+            </a:r>
+            <a:r>
+              <a:rPr lang="ko-KR" altLang="en-US" dirty="0"/>
+              <a:t>오류번호 </a:t>
+            </a:r>
+            <a:r>
+              <a:rPr lang="en-US" altLang="ko-KR" dirty="0"/>
+              <a:t>&lt;/error-code&gt;</a:t>
+            </a:r>
+            <a:br>
+              <a:rPr lang="en-US" altLang="ko-KR" dirty="0"/>
+            </a:br>
+            <a:r>
+              <a:rPr lang="en-US" altLang="ko-KR" dirty="0"/>
+              <a:t>   &lt;location&gt; </a:t>
+            </a:r>
+            <a:r>
+              <a:rPr lang="ko-KR" altLang="en-US" dirty="0"/>
+              <a:t>오류 처리 페이지 </a:t>
+            </a:r>
+            <a:r>
+              <a:rPr lang="en-US" altLang="ko-KR" dirty="0"/>
+              <a:t>&lt;/location&gt;</a:t>
+            </a:r>
+          </a:p>
+          <a:p>
+            <a:pPr marL="285750" indent="-285750">
+              <a:buFont typeface="Arial" panose="020B0604020202020204" pitchFamily="34" charset="0"/>
+              <a:buChar char="•"/>
+            </a:pPr>
+            <a:endParaRPr lang="en-US" altLang="ko-KR" dirty="0"/>
+          </a:p>
+          <a:p>
+            <a:pPr marL="285750" indent="-285750">
+              <a:buFont typeface="Arial" panose="020B0604020202020204" pitchFamily="34" charset="0"/>
+              <a:buChar char="•"/>
+            </a:pPr>
+            <a:r>
+              <a:rPr lang="en-US" altLang="ko-KR" dirty="0"/>
+              <a:t>&lt;/error-page&gt;</a:t>
+            </a:r>
+          </a:p>
+        </p:txBody>
+      </p:sp>
+    </p:spTree>
+    <p:extLst>
+      <p:ext uri="{BB962C8B-B14F-4D97-AF65-F5344CB8AC3E}">
+        <p14:creationId xmlns:p14="http://schemas.microsoft.com/office/powerpoint/2010/main" val="3312328449"/>
+      </p:ext>
+    </p:extLst>
+  </p:cSld>
+  <p:clrMapOvr>
+    <a:masterClrMapping/>
+  </p:clrMapOvr>
+</p:sld>
+</file>
+
+<file path=ppt/slides/slide32.xml><?xml version="1.0" encoding="utf-8"?>
+<p:sld xmlns:a="http://schemas.openxmlformats.org/drawingml/2006/main" xmlns:r="http://schemas.openxmlformats.org/officeDocument/2006/relationships" xmlns:p="http://schemas.openxmlformats.org/presentationml/2006/main">
+  <p:cSld>
+    <p:spTree>
+      <p:nvGrpSpPr>
+        <p:cNvPr id="1" name=""/>
+        <p:cNvGrpSpPr/>
+        <p:nvPr/>
+      </p:nvGrpSpPr>
+      <p:grpSpPr>
+        <a:xfrm>
+          <a:off x="0" y="0"/>
+          <a:ext cx="0" cy="0"/>
+          <a:chOff x="0" y="0"/>
+          <a:chExt cx="0" cy="0"/>
+        </a:xfrm>
+      </p:grpSpPr>
+      <p:sp>
+        <p:nvSpPr>
+          <p:cNvPr id="6" name="TextBox 5">
+            <a:extLst>
+              <a:ext uri="{FF2B5EF4-FFF2-40B4-BE49-F238E27FC236}">
+                <a16:creationId xmlns:a16="http://schemas.microsoft.com/office/drawing/2014/main" id="{38200B59-D9CB-4786-8E63-6A95483ABADE}"/>
+              </a:ext>
+            </a:extLst>
+          </p:cNvPr>
+          <p:cNvSpPr txBox="1"/>
+          <p:nvPr/>
+        </p:nvSpPr>
+        <p:spPr>
+          <a:xfrm>
+            <a:off x="863600" y="292100"/>
+            <a:ext cx="10083800" cy="523220"/>
+          </a:xfrm>
+          <a:prstGeom prst="rect">
+            <a:avLst/>
+          </a:prstGeom>
+          <a:noFill/>
+        </p:spPr>
+        <p:txBody>
+          <a:bodyPr wrap="square" rtlCol="0">
+            <a:spAutoFit/>
+          </a:bodyPr>
+          <a:lstStyle/>
+          <a:p>
+            <a:r>
+              <a:rPr lang="en-US" altLang="ko-KR" sz="2800"/>
+              <a:t>Include</a:t>
+            </a:r>
+            <a:r>
+              <a:rPr lang="ko-KR" altLang="en-US" sz="2800" dirty="0"/>
+              <a:t> 속성</a:t>
+            </a:r>
+            <a:r>
+              <a:rPr lang="en-US" altLang="ko-KR" sz="2800" dirty="0"/>
+              <a:t> </a:t>
+            </a:r>
+            <a:endParaRPr lang="ko-KR" altLang="en-US" sz="2800" dirty="0"/>
+          </a:p>
+        </p:txBody>
+      </p:sp>
+      <p:sp>
+        <p:nvSpPr>
+          <p:cNvPr id="7" name="TextBox 6">
+            <a:extLst>
+              <a:ext uri="{FF2B5EF4-FFF2-40B4-BE49-F238E27FC236}">
+                <a16:creationId xmlns:a16="http://schemas.microsoft.com/office/drawing/2014/main" id="{6E4D0DA5-EEB5-43F2-BCAC-A75F86B6D7D0}"/>
+              </a:ext>
+            </a:extLst>
+          </p:cNvPr>
+          <p:cNvSpPr txBox="1"/>
+          <p:nvPr/>
+        </p:nvSpPr>
+        <p:spPr>
+          <a:xfrm>
+            <a:off x="1021010" y="964618"/>
+            <a:ext cx="9842500" cy="646331"/>
+          </a:xfrm>
+          <a:prstGeom prst="rect">
+            <a:avLst/>
+          </a:prstGeom>
+          <a:noFill/>
+        </p:spPr>
+        <p:txBody>
+          <a:bodyPr wrap="square" rtlCol="0">
+            <a:spAutoFit/>
+          </a:bodyPr>
+          <a:lstStyle/>
+          <a:p>
+            <a:r>
+              <a:rPr lang="en-US" altLang="ko-KR" dirty="0"/>
+              <a:t>&lt;%@ include file = “</a:t>
+            </a:r>
+            <a:r>
+              <a:rPr lang="ko-KR" altLang="en-US" dirty="0"/>
+              <a:t>파일명</a:t>
+            </a:r>
+            <a:r>
+              <a:rPr lang="en-US" altLang="ko-KR" dirty="0"/>
+              <a:t>” %&gt;</a:t>
+            </a:r>
+            <a:br>
+              <a:rPr lang="en-US" altLang="ko-KR" dirty="0"/>
+            </a:br>
+            <a:endParaRPr lang="en-US" altLang="ko-KR" dirty="0"/>
+          </a:p>
+        </p:txBody>
+      </p:sp>
+    </p:spTree>
+    <p:extLst>
+      <p:ext uri="{BB962C8B-B14F-4D97-AF65-F5344CB8AC3E}">
+        <p14:creationId xmlns:p14="http://schemas.microsoft.com/office/powerpoint/2010/main" val="44006356"/>
+      </p:ext>
+    </p:extLst>
+  </p:cSld>
+  <p:clrMapOvr>
+    <a:masterClrMapping/>
+  </p:clrMapOvr>
+</p:sld>
+</file>
+
+<file path=ppt/slides/slide33.xml><?xml version="1.0" encoding="utf-8"?>
+<p:sld xmlns:a="http://schemas.openxmlformats.org/drawingml/2006/main" xmlns:r="http://schemas.openxmlformats.org/officeDocument/2006/relationships" xmlns:p="http://schemas.openxmlformats.org/presentationml/2006/main">
+  <p:cSld>
+    <p:spTree>
+      <p:nvGrpSpPr>
+        <p:cNvPr id="1" name=""/>
+        <p:cNvGrpSpPr/>
+        <p:nvPr/>
+      </p:nvGrpSpPr>
+      <p:grpSpPr>
+        <a:xfrm>
+          <a:off x="0" y="0"/>
+          <a:ext cx="0" cy="0"/>
+          <a:chOff x="0" y="0"/>
+          <a:chExt cx="0" cy="0"/>
+        </a:xfrm>
+      </p:grpSpPr>
+      <p:sp>
+        <p:nvSpPr>
+          <p:cNvPr id="6" name="TextBox 5">
+            <a:extLst>
+              <a:ext uri="{FF2B5EF4-FFF2-40B4-BE49-F238E27FC236}">
+                <a16:creationId xmlns:a16="http://schemas.microsoft.com/office/drawing/2014/main" id="{38200B59-D9CB-4786-8E63-6A95483ABADE}"/>
+              </a:ext>
+            </a:extLst>
+          </p:cNvPr>
+          <p:cNvSpPr txBox="1"/>
+          <p:nvPr/>
+        </p:nvSpPr>
+        <p:spPr>
+          <a:xfrm>
+            <a:off x="863600" y="292100"/>
+            <a:ext cx="10083800" cy="523220"/>
+          </a:xfrm>
+          <a:prstGeom prst="rect">
+            <a:avLst/>
+          </a:prstGeom>
+          <a:noFill/>
+        </p:spPr>
+        <p:txBody>
+          <a:bodyPr wrap="square" rtlCol="0">
+            <a:spAutoFit/>
+          </a:bodyPr>
+          <a:lstStyle/>
+          <a:p>
+            <a:r>
+              <a:rPr lang="en-US" altLang="ko-KR" sz="2800" dirty="0"/>
+              <a:t>1. </a:t>
+            </a:r>
+            <a:endParaRPr lang="ko-KR" altLang="en-US" sz="2800" dirty="0"/>
+          </a:p>
+        </p:txBody>
+      </p:sp>
+      <p:sp>
+        <p:nvSpPr>
+          <p:cNvPr id="7" name="TextBox 6">
+            <a:extLst>
+              <a:ext uri="{FF2B5EF4-FFF2-40B4-BE49-F238E27FC236}">
+                <a16:creationId xmlns:a16="http://schemas.microsoft.com/office/drawing/2014/main" id="{6E4D0DA5-EEB5-43F2-BCAC-A75F86B6D7D0}"/>
+              </a:ext>
+            </a:extLst>
+          </p:cNvPr>
+          <p:cNvSpPr txBox="1"/>
+          <p:nvPr/>
+        </p:nvSpPr>
+        <p:spPr>
+          <a:xfrm>
+            <a:off x="1104900" y="1358900"/>
+            <a:ext cx="9842500" cy="646331"/>
+          </a:xfrm>
+          <a:prstGeom prst="rect">
+            <a:avLst/>
+          </a:prstGeom>
+          <a:noFill/>
+        </p:spPr>
+        <p:txBody>
+          <a:bodyPr wrap="square" rtlCol="0">
+            <a:spAutoFit/>
+          </a:bodyPr>
+          <a:lstStyle/>
+          <a:p>
+            <a:pPr marL="342900" indent="-342900">
+              <a:buAutoNum type="arabicPeriod"/>
+            </a:pPr>
+            <a:br>
+              <a:rPr lang="en-US" altLang="ko-KR" dirty="0"/>
+            </a:br>
+            <a:endParaRPr lang="en-US" altLang="ko-KR" dirty="0"/>
+          </a:p>
+        </p:txBody>
+      </p:sp>
+    </p:spTree>
+    <p:extLst>
+      <p:ext uri="{BB962C8B-B14F-4D97-AF65-F5344CB8AC3E}">
+        <p14:creationId xmlns:p14="http://schemas.microsoft.com/office/powerpoint/2010/main" val="885279294"/>
+      </p:ext>
+    </p:extLst>
+  </p:cSld>
+  <p:clrMapOvr>
+    <a:masterClrMapping/>
+  </p:clrMapOvr>
+</p:sld>
+</file>
+
+<file path=ppt/slides/slide34.xml><?xml version="1.0" encoding="utf-8"?>
+<p:sld xmlns:a="http://schemas.openxmlformats.org/drawingml/2006/main" xmlns:r="http://schemas.openxmlformats.org/officeDocument/2006/relationships" xmlns:p="http://schemas.openxmlformats.org/presentationml/2006/main">
+  <p:cSld>
+    <p:spTree>
+      <p:nvGrpSpPr>
+        <p:cNvPr id="1" name=""/>
+        <p:cNvGrpSpPr/>
+        <p:nvPr/>
+      </p:nvGrpSpPr>
+      <p:grpSpPr>
+        <a:xfrm>
+          <a:off x="0" y="0"/>
+          <a:ext cx="0" cy="0"/>
+          <a:chOff x="0" y="0"/>
+          <a:chExt cx="0" cy="0"/>
+        </a:xfrm>
+      </p:grpSpPr>
+      <p:sp>
+        <p:nvSpPr>
+          <p:cNvPr id="6" name="TextBox 5">
+            <a:extLst>
+              <a:ext uri="{FF2B5EF4-FFF2-40B4-BE49-F238E27FC236}">
+                <a16:creationId xmlns:a16="http://schemas.microsoft.com/office/drawing/2014/main" id="{38200B59-D9CB-4786-8E63-6A95483ABADE}"/>
+              </a:ext>
+            </a:extLst>
+          </p:cNvPr>
+          <p:cNvSpPr txBox="1"/>
+          <p:nvPr/>
+        </p:nvSpPr>
+        <p:spPr>
+          <a:xfrm>
+            <a:off x="863600" y="292100"/>
+            <a:ext cx="10083800" cy="523220"/>
+          </a:xfrm>
+          <a:prstGeom prst="rect">
+            <a:avLst/>
+          </a:prstGeom>
+          <a:noFill/>
+        </p:spPr>
+        <p:txBody>
+          <a:bodyPr wrap="square" rtlCol="0">
+            <a:spAutoFit/>
+          </a:bodyPr>
+          <a:lstStyle/>
+          <a:p>
+            <a:r>
+              <a:rPr lang="en-US" altLang="ko-KR" sz="2800" dirty="0"/>
+              <a:t>1. </a:t>
+            </a:r>
+            <a:endParaRPr lang="ko-KR" altLang="en-US" sz="2800" dirty="0"/>
+          </a:p>
+        </p:txBody>
+      </p:sp>
+      <p:sp>
+        <p:nvSpPr>
+          <p:cNvPr id="7" name="TextBox 6">
+            <a:extLst>
+              <a:ext uri="{FF2B5EF4-FFF2-40B4-BE49-F238E27FC236}">
+                <a16:creationId xmlns:a16="http://schemas.microsoft.com/office/drawing/2014/main" id="{6E4D0DA5-EEB5-43F2-BCAC-A75F86B6D7D0}"/>
+              </a:ext>
+            </a:extLst>
+          </p:cNvPr>
+          <p:cNvSpPr txBox="1"/>
+          <p:nvPr/>
+        </p:nvSpPr>
+        <p:spPr>
+          <a:xfrm>
+            <a:off x="1104900" y="1358900"/>
+            <a:ext cx="9842500" cy="646331"/>
+          </a:xfrm>
+          <a:prstGeom prst="rect">
+            <a:avLst/>
+          </a:prstGeom>
+          <a:noFill/>
+        </p:spPr>
+        <p:txBody>
+          <a:bodyPr wrap="square" rtlCol="0">
+            <a:spAutoFit/>
+          </a:bodyPr>
+          <a:lstStyle/>
+          <a:p>
+            <a:pPr marL="342900" indent="-342900">
+              <a:buAutoNum type="arabicPeriod"/>
+            </a:pPr>
+            <a:br>
+              <a:rPr lang="en-US" altLang="ko-KR" dirty="0"/>
+            </a:br>
+            <a:endParaRPr lang="en-US" altLang="ko-KR" dirty="0"/>
+          </a:p>
+        </p:txBody>
+      </p:sp>
+    </p:spTree>
+    <p:extLst>
+      <p:ext uri="{BB962C8B-B14F-4D97-AF65-F5344CB8AC3E}">
         <p14:creationId xmlns:p14="http://schemas.microsoft.com/office/powerpoint/2010/main" val="3848133139"/>
       </p:ext>
     </p:extLst>
@@ -8126,7 +12670,7 @@
 </p:sld>
 </file>
 
-<file path=ppt/slides/slide3.xml><?xml version="1.0" encoding="utf-8"?>
+<file path=ppt/slides/slide4.xml><?xml version="1.0" encoding="utf-8"?>
 <p:sld xmlns:a="http://schemas.openxmlformats.org/drawingml/2006/main" xmlns:r="http://schemas.openxmlformats.org/officeDocument/2006/relationships" xmlns:p="http://schemas.openxmlformats.org/presentationml/2006/main">
   <p:cSld>
     <p:spTree>
@@ -8401,7 +12945,7 @@
 </p:sld>
 </file>
 
-<file path=ppt/slides/slide4.xml><?xml version="1.0" encoding="utf-8"?>
+<file path=ppt/slides/slide5.xml><?xml version="1.0" encoding="utf-8"?>
 <p:sld xmlns:a="http://schemas.openxmlformats.org/drawingml/2006/main" xmlns:r="http://schemas.openxmlformats.org/officeDocument/2006/relationships" xmlns:p="http://schemas.openxmlformats.org/presentationml/2006/main">
   <p:cSld>
     <p:spTree>
@@ -9388,7 +13932,7 @@
 </p:sld>
 </file>
 
-<file path=ppt/slides/slide5.xml><?xml version="1.0" encoding="utf-8"?>
+<file path=ppt/slides/slide6.xml><?xml version="1.0" encoding="utf-8"?>
 <p:sld xmlns:a="http://schemas.openxmlformats.org/drawingml/2006/main" xmlns:r="http://schemas.openxmlformats.org/officeDocument/2006/relationships" xmlns:p="http://schemas.openxmlformats.org/presentationml/2006/main">
   <p:cSld>
     <p:spTree>
@@ -10061,7 +14605,7 @@
 </p:sld>
 </file>
 
-<file path=ppt/slides/slide6.xml><?xml version="1.0" encoding="utf-8"?>
+<file path=ppt/slides/slide7.xml><?xml version="1.0" encoding="utf-8"?>
 <p:sld xmlns:a="http://schemas.openxmlformats.org/drawingml/2006/main" xmlns:r="http://schemas.openxmlformats.org/officeDocument/2006/relationships" xmlns:p="http://schemas.openxmlformats.org/presentationml/2006/main">
   <p:cSld>
     <p:spTree>
@@ -10726,7 +15270,7 @@
 </p:sld>
 </file>
 
-<file path=ppt/slides/slide7.xml><?xml version="1.0" encoding="utf-8"?>
+<file path=ppt/slides/slide8.xml><?xml version="1.0" encoding="utf-8"?>
 <p:sld xmlns:a="http://schemas.openxmlformats.org/drawingml/2006/main" xmlns:r="http://schemas.openxmlformats.org/officeDocument/2006/relationships" xmlns:p="http://schemas.openxmlformats.org/presentationml/2006/main">
   <p:cSld>
     <p:spTree>
@@ -11427,7 +15971,7 @@
 </p:sld>
 </file>
 
-<file path=ppt/slides/slide8.xml><?xml version="1.0" encoding="utf-8"?>
+<file path=ppt/slides/slide9.xml><?xml version="1.0" encoding="utf-8"?>
 <p:sld xmlns:a="http://schemas.openxmlformats.org/drawingml/2006/main" xmlns:r="http://schemas.openxmlformats.org/officeDocument/2006/relationships" xmlns:p="http://schemas.openxmlformats.org/presentationml/2006/main">
   <p:cSld>
     <p:spTree>
@@ -12384,760 +16928,6 @@
     <p:extLst>
       <p:ext uri="{BB962C8B-B14F-4D97-AF65-F5344CB8AC3E}">
         <p14:creationId xmlns:p14="http://schemas.microsoft.com/office/powerpoint/2010/main" val="2012382422"/>
-      </p:ext>
-    </p:extLst>
-  </p:cSld>
-  <p:clrMapOvr>
-    <a:masterClrMapping/>
-  </p:clrMapOvr>
-</p:sld>
-</file>
-
-<file path=ppt/slides/slide9.xml><?xml version="1.0" encoding="utf-8"?>
-<p:sld xmlns:a="http://schemas.openxmlformats.org/drawingml/2006/main" xmlns:r="http://schemas.openxmlformats.org/officeDocument/2006/relationships" xmlns:p="http://schemas.openxmlformats.org/presentationml/2006/main">
-  <p:cSld>
-    <p:spTree>
-      <p:nvGrpSpPr>
-        <p:cNvPr id="1" name=""/>
-        <p:cNvGrpSpPr/>
-        <p:nvPr/>
-      </p:nvGrpSpPr>
-      <p:grpSpPr>
-        <a:xfrm>
-          <a:off x="0" y="0"/>
-          <a:ext cx="0" cy="0"/>
-          <a:chOff x="0" y="0"/>
-          <a:chExt cx="0" cy="0"/>
-        </a:xfrm>
-      </p:grpSpPr>
-      <p:sp>
-        <p:nvSpPr>
-          <p:cNvPr id="6" name="TextBox 5">
-            <a:extLst>
-              <a:ext uri="{FF2B5EF4-FFF2-40B4-BE49-F238E27FC236}">
-                <a16:creationId xmlns:a16="http://schemas.microsoft.com/office/drawing/2014/main" id="{38200B59-D9CB-4786-8E63-6A95483ABADE}"/>
-              </a:ext>
-            </a:extLst>
-          </p:cNvPr>
-          <p:cNvSpPr txBox="1"/>
-          <p:nvPr/>
-        </p:nvSpPr>
-        <p:spPr>
-          <a:xfrm>
-            <a:off x="863600" y="292100"/>
-            <a:ext cx="10083800" cy="523220"/>
-          </a:xfrm>
-          <a:prstGeom prst="rect">
-            <a:avLst/>
-          </a:prstGeom>
-          <a:noFill/>
-        </p:spPr>
-        <p:txBody>
-          <a:bodyPr wrap="square" rtlCol="0">
-            <a:spAutoFit/>
-          </a:bodyPr>
-          <a:lstStyle/>
-          <a:p>
-            <a:r>
-              <a:rPr lang="en-US" altLang="ko-KR" sz="2800" dirty="0"/>
-              <a:t>4-2 Request </a:t>
-            </a:r>
-            <a:r>
-              <a:rPr lang="ko-KR" altLang="en-US" sz="2800" dirty="0"/>
-              <a:t>내장 객체</a:t>
-            </a:r>
-          </a:p>
-        </p:txBody>
-      </p:sp>
-      <p:graphicFrame>
-        <p:nvGraphicFramePr>
-          <p:cNvPr id="4" name="표 2">
-            <a:extLst>
-              <a:ext uri="{FF2B5EF4-FFF2-40B4-BE49-F238E27FC236}">
-                <a16:creationId xmlns:a16="http://schemas.microsoft.com/office/drawing/2014/main" id="{CA292104-24D9-4C88-96A0-0E53F13EDA05}"/>
-              </a:ext>
-            </a:extLst>
-          </p:cNvPr>
-          <p:cNvGraphicFramePr>
-            <a:graphicFrameLocks noGrp="1"/>
-          </p:cNvGraphicFramePr>
-          <p:nvPr>
-            <p:extLst>
-              <p:ext uri="{D42A27DB-BD31-4B8C-83A1-F6EECF244321}">
-                <p14:modId xmlns:p14="http://schemas.microsoft.com/office/powerpoint/2010/main" val="1512207155"/>
-              </p:ext>
-            </p:extLst>
-          </p:nvPr>
-        </p:nvGraphicFramePr>
-        <p:xfrm>
-          <a:off x="695471" y="1120460"/>
-          <a:ext cx="10251929" cy="3147869"/>
-        </p:xfrm>
-        <a:graphic>
-          <a:graphicData uri="http://schemas.openxmlformats.org/drawingml/2006/table">
-            <a:tbl>
-              <a:tblPr firstRow="1" bandRow="1">
-                <a:tableStyleId>{5C22544A-7EE6-4342-B048-85BDC9FD1C3A}</a:tableStyleId>
-              </a:tblPr>
-              <a:tblGrid>
-                <a:gridCol w="1435333">
-                  <a:extLst>
-                    <a:ext uri="{9D8B030D-6E8A-4147-A177-3AD203B41FA5}">
-                      <a16:colId xmlns:a16="http://schemas.microsoft.com/office/drawing/2014/main" val="3044094259"/>
-                    </a:ext>
-                  </a:extLst>
-                </a:gridCol>
-                <a:gridCol w="3305262">
-                  <a:extLst>
-                    <a:ext uri="{9D8B030D-6E8A-4147-A177-3AD203B41FA5}">
-                      <a16:colId xmlns:a16="http://schemas.microsoft.com/office/drawing/2014/main" val="1382224087"/>
-                    </a:ext>
-                  </a:extLst>
-                </a:gridCol>
-                <a:gridCol w="1568741">
-                  <a:extLst>
-                    <a:ext uri="{9D8B030D-6E8A-4147-A177-3AD203B41FA5}">
-                      <a16:colId xmlns:a16="http://schemas.microsoft.com/office/drawing/2014/main" val="914618852"/>
-                    </a:ext>
-                  </a:extLst>
-                </a:gridCol>
-                <a:gridCol w="3942593">
-                  <a:extLst>
-                    <a:ext uri="{9D8B030D-6E8A-4147-A177-3AD203B41FA5}">
-                      <a16:colId xmlns:a16="http://schemas.microsoft.com/office/drawing/2014/main" val="107498926"/>
-                    </a:ext>
-                  </a:extLst>
-                </a:gridCol>
-              </a:tblGrid>
-              <a:tr h="245644">
-                <a:tc>
-                  <a:txBody>
-                    <a:bodyPr/>
-                    <a:lstStyle/>
-                    <a:p>
-                      <a:pPr algn="ctr" latinLnBrk="1"/>
-                      <a:r>
-                        <a:rPr lang="ko-KR" altLang="en-US" dirty="0"/>
-                        <a:t>구분</a:t>
-                      </a:r>
-                    </a:p>
-                  </a:txBody>
-                  <a:tcPr/>
-                </a:tc>
-                <a:tc>
-                  <a:txBody>
-                    <a:bodyPr/>
-                    <a:lstStyle/>
-                    <a:p>
-                      <a:pPr algn="ctr" latinLnBrk="1"/>
-                      <a:r>
-                        <a:rPr lang="ko-KR" altLang="en-US" dirty="0"/>
-                        <a:t>메서드</a:t>
-                      </a:r>
-                    </a:p>
-                  </a:txBody>
-                  <a:tcPr/>
-                </a:tc>
-                <a:tc>
-                  <a:txBody>
-                    <a:bodyPr/>
-                    <a:lstStyle/>
-                    <a:p>
-                      <a:pPr algn="ctr" latinLnBrk="1"/>
-                      <a:r>
-                        <a:rPr lang="ko-KR" altLang="en-US" dirty="0"/>
-                        <a:t>반환타입</a:t>
-                      </a:r>
-                    </a:p>
-                  </a:txBody>
-                  <a:tcPr/>
-                </a:tc>
-                <a:tc>
-                  <a:txBody>
-                    <a:bodyPr/>
-                    <a:lstStyle/>
-                    <a:p>
-                      <a:pPr algn="ctr" latinLnBrk="1"/>
-                      <a:r>
-                        <a:rPr lang="ko-KR" altLang="en-US" dirty="0"/>
-                        <a:t>기능</a:t>
-                      </a:r>
-                    </a:p>
-                  </a:txBody>
-                  <a:tcPr/>
-                </a:tc>
-                <a:extLst>
-                  <a:ext uri="{0D108BD9-81ED-4DB2-BD59-A6C34878D82A}">
-                    <a16:rowId xmlns:a16="http://schemas.microsoft.com/office/drawing/2014/main" val="1229860490"/>
-                  </a:ext>
-                </a:extLst>
-              </a:tr>
-              <a:tr h="204703">
-                <a:tc rowSpan="5">
-                  <a:txBody>
-                    <a:bodyPr/>
-                    <a:lstStyle/>
-                    <a:p>
-                      <a:pPr algn="ctr" latinLnBrk="1"/>
-                      <a:r>
-                        <a:rPr lang="en-US" altLang="ko-KR" sz="1400" dirty="0"/>
-                        <a:t>URL</a:t>
-                      </a:r>
-                      <a:endParaRPr lang="ko-KR" altLang="en-US" sz="1400" dirty="0"/>
-                    </a:p>
-                  </a:txBody>
-                  <a:tcPr/>
-                </a:tc>
-                <a:tc>
-                  <a:txBody>
-                    <a:bodyPr/>
-                    <a:lstStyle/>
-                    <a:p>
-                      <a:pPr algn="ctr" latinLnBrk="1"/>
-                      <a:r>
-                        <a:rPr lang="en-US" altLang="ko-KR" sz="1400" dirty="0" err="1"/>
-                        <a:t>getRequestURL</a:t>
-                      </a:r>
-                      <a:r>
-                        <a:rPr lang="en-US" altLang="ko-KR" sz="1400" dirty="0"/>
-                        <a:t>()</a:t>
-                      </a:r>
-                      <a:endParaRPr lang="ko-KR" altLang="en-US" sz="1400" dirty="0"/>
-                    </a:p>
-                  </a:txBody>
-                  <a:tcPr/>
-                </a:tc>
-                <a:tc rowSpan="7">
-                  <a:txBody>
-                    <a:bodyPr/>
-                    <a:lstStyle/>
-                    <a:p>
-                      <a:pPr algn="ctr" latinLnBrk="1"/>
-                      <a:r>
-                        <a:rPr lang="en-US" altLang="ko-KR" sz="1400" dirty="0"/>
-                        <a:t>String</a:t>
-                      </a:r>
-                      <a:endParaRPr lang="ko-KR" altLang="en-US" sz="1400" dirty="0"/>
-                    </a:p>
-                  </a:txBody>
-                  <a:tcPr/>
-                </a:tc>
-                <a:tc>
-                  <a:txBody>
-                    <a:bodyPr/>
-                    <a:lstStyle/>
-                    <a:p>
-                      <a:pPr algn="l" latinLnBrk="1"/>
-                      <a:r>
-                        <a:rPr lang="ko-KR" altLang="en-US" sz="1400" dirty="0"/>
-                        <a:t>요청</a:t>
-                      </a:r>
-                      <a:r>
-                        <a:rPr lang="en-US" altLang="ko-KR" sz="1400" dirty="0"/>
-                        <a:t>URL </a:t>
-                      </a:r>
-                      <a:r>
-                        <a:rPr lang="ko-KR" altLang="en-US" sz="1400" dirty="0"/>
-                        <a:t>호스트이름 다음 문자열</a:t>
-                      </a:r>
-                    </a:p>
-                  </a:txBody>
-                  <a:tcPr/>
-                </a:tc>
-                <a:extLst>
-                  <a:ext uri="{0D108BD9-81ED-4DB2-BD59-A6C34878D82A}">
-                    <a16:rowId xmlns:a16="http://schemas.microsoft.com/office/drawing/2014/main" val="3487310720"/>
-                  </a:ext>
-                </a:extLst>
-              </a:tr>
-              <a:tr h="347996">
-                <a:tc vMerge="1">
-                  <a:txBody>
-                    <a:bodyPr/>
-                    <a:lstStyle/>
-                    <a:p>
-                      <a:pPr algn="ctr" latinLnBrk="1"/>
-                      <a:endParaRPr lang="ko-KR" altLang="en-US" sz="1400" dirty="0"/>
-                    </a:p>
-                  </a:txBody>
-                  <a:tcPr/>
-                </a:tc>
-                <a:tc>
-                  <a:txBody>
-                    <a:bodyPr/>
-                    <a:lstStyle/>
-                    <a:p>
-                      <a:pPr algn="ctr" latinLnBrk="1"/>
-                      <a:r>
-                        <a:rPr lang="en-US" altLang="ko-KR" sz="1400" dirty="0" err="1"/>
-                        <a:t>getRequestURL</a:t>
-                      </a:r>
-                      <a:r>
-                        <a:rPr lang="en-US" altLang="ko-KR" sz="1400" dirty="0"/>
-                        <a:t>()</a:t>
-                      </a:r>
-                      <a:endParaRPr lang="ko-KR" altLang="en-US" sz="1400" dirty="0"/>
-                    </a:p>
-                  </a:txBody>
-                  <a:tcPr/>
-                </a:tc>
-                <a:tc vMerge="1">
-                  <a:txBody>
-                    <a:bodyPr/>
-                    <a:lstStyle/>
-                    <a:p>
-                      <a:pPr algn="ctr" latinLnBrk="1"/>
-                      <a:endParaRPr lang="ko-KR" altLang="en-US" sz="1400" dirty="0"/>
-                    </a:p>
-                  </a:txBody>
-                  <a:tcPr/>
-                </a:tc>
-                <a:tc>
-                  <a:txBody>
-                    <a:bodyPr/>
-                    <a:lstStyle/>
-                    <a:p>
-                      <a:pPr algn="l" latinLnBrk="1"/>
-                      <a:r>
-                        <a:rPr lang="ko-KR" altLang="en-US" sz="1400" dirty="0"/>
-                        <a:t>전체 </a:t>
-                      </a:r>
-                      <a:r>
-                        <a:rPr lang="en-US" altLang="ko-KR" sz="1400" dirty="0"/>
-                        <a:t>URL</a:t>
-                      </a:r>
-                      <a:endParaRPr lang="ko-KR" altLang="en-US" sz="1400" dirty="0"/>
-                    </a:p>
-                  </a:txBody>
-                  <a:tcPr/>
-                </a:tc>
-                <a:extLst>
-                  <a:ext uri="{0D108BD9-81ED-4DB2-BD59-A6C34878D82A}">
-                    <a16:rowId xmlns:a16="http://schemas.microsoft.com/office/drawing/2014/main" val="139516813"/>
-                  </a:ext>
-                </a:extLst>
-              </a:tr>
-              <a:tr h="204703">
-                <a:tc vMerge="1">
-                  <a:txBody>
-                    <a:bodyPr/>
-                    <a:lstStyle/>
-                    <a:p>
-                      <a:pPr algn="ctr" latinLnBrk="1"/>
-                      <a:endParaRPr lang="ko-KR" altLang="en-US" sz="1400" dirty="0"/>
-                    </a:p>
-                  </a:txBody>
-                  <a:tcPr/>
-                </a:tc>
-                <a:tc>
-                  <a:txBody>
-                    <a:bodyPr/>
-                    <a:lstStyle/>
-                    <a:p>
-                      <a:pPr algn="ctr" latinLnBrk="1"/>
-                      <a:r>
-                        <a:rPr lang="en-US" altLang="ko-KR" sz="1400" dirty="0" err="1"/>
-                        <a:t>getQueryString</a:t>
-                      </a:r>
-                      <a:r>
-                        <a:rPr lang="en-US" altLang="ko-KR" sz="1400" dirty="0"/>
-                        <a:t>()</a:t>
-                      </a:r>
-                      <a:endParaRPr lang="ko-KR" altLang="en-US" sz="1400" dirty="0"/>
-                    </a:p>
-                  </a:txBody>
-                  <a:tcPr/>
-                </a:tc>
-                <a:tc vMerge="1">
-                  <a:txBody>
-                    <a:bodyPr/>
-                    <a:lstStyle/>
-                    <a:p>
-                      <a:pPr algn="ctr" latinLnBrk="1"/>
-                      <a:endParaRPr lang="ko-KR" altLang="en-US" sz="1400" dirty="0"/>
-                    </a:p>
-                  </a:txBody>
-                  <a:tcPr/>
-                </a:tc>
-                <a:tc>
-                  <a:txBody>
-                    <a:bodyPr/>
-                    <a:lstStyle/>
-                    <a:p>
-                      <a:pPr algn="l" latinLnBrk="1"/>
-                      <a:r>
-                        <a:rPr lang="ko-KR" altLang="en-US" sz="1400" dirty="0" err="1"/>
-                        <a:t>쿼리스트림만</a:t>
-                      </a:r>
-                      <a:r>
-                        <a:rPr lang="ko-KR" altLang="en-US" sz="1400" dirty="0"/>
-                        <a:t> 반환</a:t>
-                      </a:r>
-                    </a:p>
-                  </a:txBody>
-                  <a:tcPr/>
-                </a:tc>
-                <a:extLst>
-                  <a:ext uri="{0D108BD9-81ED-4DB2-BD59-A6C34878D82A}">
-                    <a16:rowId xmlns:a16="http://schemas.microsoft.com/office/drawing/2014/main" val="3213920236"/>
-                  </a:ext>
-                </a:extLst>
-              </a:tr>
-              <a:tr h="152400">
-                <a:tc vMerge="1">
-                  <a:txBody>
-                    <a:bodyPr/>
-                    <a:lstStyle/>
-                    <a:p>
-                      <a:pPr algn="ctr" latinLnBrk="1"/>
-                      <a:endParaRPr lang="ko-KR" altLang="en-US" sz="1400" dirty="0"/>
-                    </a:p>
-                  </a:txBody>
-                  <a:tcPr/>
-                </a:tc>
-                <a:tc>
-                  <a:txBody>
-                    <a:bodyPr/>
-                    <a:lstStyle/>
-                    <a:p>
-                      <a:pPr algn="ctr" latinLnBrk="1"/>
-                      <a:r>
-                        <a:rPr lang="en-US" altLang="ko-KR" sz="1400" dirty="0" err="1"/>
-                        <a:t>getContextPath</a:t>
-                      </a:r>
-                      <a:r>
-                        <a:rPr lang="en-US" altLang="ko-KR" sz="1400" dirty="0"/>
-                        <a:t>()</a:t>
-                      </a:r>
-                      <a:endParaRPr lang="ko-KR" altLang="en-US" sz="1400" dirty="0"/>
-                    </a:p>
-                  </a:txBody>
-                  <a:tcPr/>
-                </a:tc>
-                <a:tc vMerge="1">
-                  <a:txBody>
-                    <a:bodyPr/>
-                    <a:lstStyle/>
-                    <a:p>
-                      <a:pPr algn="ctr" latinLnBrk="1"/>
-                      <a:endParaRPr lang="ko-KR" altLang="en-US" sz="1400" dirty="0"/>
-                    </a:p>
-                  </a:txBody>
-                  <a:tcPr/>
-                </a:tc>
-                <a:tc>
-                  <a:txBody>
-                    <a:bodyPr/>
-                    <a:lstStyle/>
-                    <a:p>
-                      <a:pPr algn="l" latinLnBrk="1"/>
-                      <a:r>
-                        <a:rPr lang="ko-KR" altLang="en-US" sz="1400" dirty="0"/>
-                        <a:t>애플리케이션 경로</a:t>
-                      </a:r>
-                    </a:p>
-                  </a:txBody>
-                  <a:tcPr/>
-                </a:tc>
-                <a:extLst>
-                  <a:ext uri="{0D108BD9-81ED-4DB2-BD59-A6C34878D82A}">
-                    <a16:rowId xmlns:a16="http://schemas.microsoft.com/office/drawing/2014/main" val="2197171852"/>
-                  </a:ext>
-                </a:extLst>
-              </a:tr>
-              <a:tr h="152400">
-                <a:tc vMerge="1">
-                  <a:txBody>
-                    <a:bodyPr/>
-                    <a:lstStyle/>
-                    <a:p>
-                      <a:pPr latinLnBrk="1"/>
-                      <a:endParaRPr lang="ko-KR" altLang="en-US"/>
-                    </a:p>
-                  </a:txBody>
-                  <a:tcPr/>
-                </a:tc>
-                <a:tc>
-                  <a:txBody>
-                    <a:bodyPr/>
-                    <a:lstStyle/>
-                    <a:p>
-                      <a:pPr marL="0" marR="0" lvl="0" indent="0" algn="ctr" defTabSz="914400" rtl="0" eaLnBrk="1" fontAlgn="auto" latinLnBrk="1" hangingPunct="1">
-                        <a:lnSpc>
-                          <a:spcPct val="100000"/>
-                        </a:lnSpc>
-                        <a:spcBef>
-                          <a:spcPts val="0"/>
-                        </a:spcBef>
-                        <a:spcAft>
-                          <a:spcPts val="0"/>
-                        </a:spcAft>
-                        <a:buClrTx/>
-                        <a:buSzTx/>
-                        <a:buFontTx/>
-                        <a:buNone/>
-                        <a:tabLst/>
-                        <a:defRPr/>
-                      </a:pPr>
-                      <a:r>
-                        <a:rPr lang="en-US" altLang="ko-KR" sz="1400" dirty="0" err="1"/>
-                        <a:t>getServletPath</a:t>
-                      </a:r>
-                      <a:r>
-                        <a:rPr lang="en-US" altLang="ko-KR" sz="1400" dirty="0"/>
-                        <a:t>()</a:t>
-                      </a:r>
-                      <a:endParaRPr lang="ko-KR" altLang="en-US" sz="1400" dirty="0"/>
-                    </a:p>
-                    <a:p>
-                      <a:pPr algn="ctr" latinLnBrk="1"/>
-                      <a:endParaRPr lang="ko-KR" altLang="en-US" sz="1400" dirty="0"/>
-                    </a:p>
-                  </a:txBody>
-                  <a:tcPr/>
-                </a:tc>
-                <a:tc vMerge="1">
-                  <a:txBody>
-                    <a:bodyPr/>
-                    <a:lstStyle/>
-                    <a:p>
-                      <a:pPr algn="ctr" latinLnBrk="1"/>
-                      <a:endParaRPr lang="ko-KR" altLang="en-US" sz="1400" dirty="0"/>
-                    </a:p>
-                  </a:txBody>
-                  <a:tcPr/>
-                </a:tc>
-                <a:tc>
-                  <a:txBody>
-                    <a:bodyPr/>
-                    <a:lstStyle/>
-                    <a:p>
-                      <a:pPr algn="l" latinLnBrk="1"/>
-                      <a:r>
-                        <a:rPr lang="ko-KR" altLang="en-US" sz="1400" dirty="0" err="1"/>
-                        <a:t>서블릿경로</a:t>
-                      </a:r>
-                      <a:endParaRPr lang="ko-KR" altLang="en-US" sz="1400" dirty="0"/>
-                    </a:p>
-                  </a:txBody>
-                  <a:tcPr/>
-                </a:tc>
-                <a:extLst>
-                  <a:ext uri="{0D108BD9-81ED-4DB2-BD59-A6C34878D82A}">
-                    <a16:rowId xmlns:a16="http://schemas.microsoft.com/office/drawing/2014/main" val="600671919"/>
-                  </a:ext>
-                </a:extLst>
-              </a:tr>
-              <a:tr h="412273">
-                <a:tc rowSpan="3">
-                  <a:txBody>
-                    <a:bodyPr/>
-                    <a:lstStyle/>
-                    <a:p>
-                      <a:pPr algn="ctr" latinLnBrk="1"/>
-                      <a:r>
-                        <a:rPr lang="ko-KR" altLang="en-US" sz="1400" dirty="0"/>
-                        <a:t>헤더</a:t>
-                      </a:r>
-                    </a:p>
-                  </a:txBody>
-                  <a:tcPr/>
-                </a:tc>
-                <a:tc>
-                  <a:txBody>
-                    <a:bodyPr/>
-                    <a:lstStyle/>
-                    <a:p>
-                      <a:pPr algn="ctr" latinLnBrk="1"/>
-                      <a:r>
-                        <a:rPr lang="en-US" altLang="ko-KR" sz="1400" dirty="0" err="1"/>
-                        <a:t>getHeader</a:t>
-                      </a:r>
-                      <a:r>
-                        <a:rPr lang="en-US" altLang="ko-KR" sz="1400" dirty="0"/>
-                        <a:t>(String name)</a:t>
-                      </a:r>
-                      <a:endParaRPr lang="ko-KR" altLang="en-US" sz="1400" dirty="0"/>
-                    </a:p>
-                  </a:txBody>
-                  <a:tcPr/>
-                </a:tc>
-                <a:tc vMerge="1">
-                  <a:txBody>
-                    <a:bodyPr/>
-                    <a:lstStyle/>
-                    <a:p>
-                      <a:pPr algn="ctr" latinLnBrk="1"/>
-                      <a:endParaRPr lang="ko-KR" altLang="en-US" sz="1400" dirty="0"/>
-                    </a:p>
-                  </a:txBody>
-                  <a:tcPr/>
-                </a:tc>
-                <a:tc>
-                  <a:txBody>
-                    <a:bodyPr/>
-                    <a:lstStyle/>
-                    <a:p>
-                      <a:pPr algn="l" latinLnBrk="1"/>
-                      <a:r>
-                        <a:rPr lang="ko-KR" altLang="en-US" sz="1400" dirty="0"/>
-                        <a:t>인자로 지정된 헤더의 정보</a:t>
-                      </a:r>
-                    </a:p>
-                  </a:txBody>
-                  <a:tcPr/>
-                </a:tc>
-                <a:extLst>
-                  <a:ext uri="{0D108BD9-81ED-4DB2-BD59-A6C34878D82A}">
-                    <a16:rowId xmlns:a16="http://schemas.microsoft.com/office/drawing/2014/main" val="3087211762"/>
-                  </a:ext>
-                </a:extLst>
-              </a:tr>
-              <a:tr h="0">
-                <a:tc vMerge="1">
-                  <a:txBody>
-                    <a:bodyPr/>
-                    <a:lstStyle/>
-                    <a:p>
-                      <a:pPr latinLnBrk="1"/>
-                      <a:endParaRPr lang="ko-KR" altLang="en-US"/>
-                    </a:p>
-                  </a:txBody>
-                  <a:tcPr/>
-                </a:tc>
-                <a:tc rowSpan="2">
-                  <a:txBody>
-                    <a:bodyPr/>
-                    <a:lstStyle/>
-                    <a:p>
-                      <a:pPr algn="ctr" latinLnBrk="1"/>
-                      <a:r>
-                        <a:rPr lang="en-US" altLang="ko-KR" sz="1400" dirty="0" err="1"/>
-                        <a:t>getHeadNames</a:t>
-                      </a:r>
-                      <a:r>
-                        <a:rPr lang="en-US" altLang="ko-KR" sz="1400" dirty="0"/>
-                        <a:t>()</a:t>
-                      </a:r>
-                      <a:endParaRPr lang="ko-KR" altLang="en-US" sz="1400" dirty="0"/>
-                    </a:p>
-                  </a:txBody>
-                  <a:tcPr/>
-                </a:tc>
-                <a:tc vMerge="1">
-                  <a:txBody>
-                    <a:bodyPr/>
-                    <a:lstStyle/>
-                    <a:p>
-                      <a:pPr algn="ctr" latinLnBrk="1"/>
-                      <a:endParaRPr lang="ko-KR" altLang="en-US" sz="1400" dirty="0"/>
-                    </a:p>
-                  </a:txBody>
-                  <a:tcPr/>
-                </a:tc>
-                <a:tc rowSpan="2">
-                  <a:txBody>
-                    <a:bodyPr/>
-                    <a:lstStyle/>
-                    <a:p>
-                      <a:pPr algn="l" latinLnBrk="1"/>
-                      <a:r>
-                        <a:rPr lang="ko-KR" altLang="en-US" sz="1400" dirty="0"/>
-                        <a:t>헤더 이름을 열거타입으로 반환</a:t>
-                      </a:r>
-                    </a:p>
-                  </a:txBody>
-                  <a:tcPr/>
-                </a:tc>
-                <a:extLst>
-                  <a:ext uri="{0D108BD9-81ED-4DB2-BD59-A6C34878D82A}">
-                    <a16:rowId xmlns:a16="http://schemas.microsoft.com/office/drawing/2014/main" val="3537604537"/>
-                  </a:ext>
-                </a:extLst>
-              </a:tr>
-              <a:tr h="434737">
-                <a:tc vMerge="1">
-                  <a:txBody>
-                    <a:bodyPr/>
-                    <a:lstStyle/>
-                    <a:p>
-                      <a:pPr latinLnBrk="1"/>
-                      <a:endParaRPr lang="ko-KR" altLang="en-US"/>
-                    </a:p>
-                  </a:txBody>
-                  <a:tcPr/>
-                </a:tc>
-                <a:tc vMerge="1">
-                  <a:txBody>
-                    <a:bodyPr/>
-                    <a:lstStyle/>
-                    <a:p>
-                      <a:pPr latinLnBrk="1"/>
-                      <a:endParaRPr lang="ko-KR" altLang="en-US"/>
-                    </a:p>
-                  </a:txBody>
-                  <a:tcPr/>
-                </a:tc>
-                <a:tc>
-                  <a:txBody>
-                    <a:bodyPr/>
-                    <a:lstStyle/>
-                    <a:p>
-                      <a:pPr marL="0" marR="0" lvl="0" indent="0" algn="ctr" defTabSz="914400" rtl="0" eaLnBrk="1" fontAlgn="auto" latinLnBrk="1" hangingPunct="1">
-                        <a:lnSpc>
-                          <a:spcPct val="100000"/>
-                        </a:lnSpc>
-                        <a:spcBef>
-                          <a:spcPts val="0"/>
-                        </a:spcBef>
-                        <a:spcAft>
-                          <a:spcPts val="0"/>
-                        </a:spcAft>
-                        <a:buClrTx/>
-                        <a:buSzTx/>
-                        <a:buFontTx/>
-                        <a:buNone/>
-                        <a:tabLst/>
-                        <a:defRPr/>
-                      </a:pPr>
-                      <a:r>
-                        <a:rPr lang="en-US" altLang="ko-KR" sz="1400" dirty="0"/>
-                        <a:t>Enumeration</a:t>
-                      </a:r>
-                      <a:endParaRPr lang="ko-KR" altLang="en-US" sz="1400" dirty="0"/>
-                    </a:p>
-                    <a:p>
-                      <a:pPr algn="ctr" latinLnBrk="1"/>
-                      <a:endParaRPr lang="ko-KR" altLang="en-US" sz="1400" dirty="0"/>
-                    </a:p>
-                  </a:txBody>
-                  <a:tcPr/>
-                </a:tc>
-                <a:tc vMerge="1">
-                  <a:txBody>
-                    <a:bodyPr/>
-                    <a:lstStyle/>
-                    <a:p>
-                      <a:pPr latinLnBrk="1"/>
-                      <a:endParaRPr lang="ko-KR" altLang="en-US"/>
-                    </a:p>
-                  </a:txBody>
-                  <a:tcPr/>
-                </a:tc>
-                <a:extLst>
-                  <a:ext uri="{0D108BD9-81ED-4DB2-BD59-A6C34878D82A}">
-                    <a16:rowId xmlns:a16="http://schemas.microsoft.com/office/drawing/2014/main" val="1918899249"/>
-                  </a:ext>
-                </a:extLst>
-              </a:tr>
-            </a:tbl>
-          </a:graphicData>
-        </a:graphic>
-      </p:graphicFrame>
-    </p:spTree>
-    <p:extLst>
-      <p:ext uri="{BB962C8B-B14F-4D97-AF65-F5344CB8AC3E}">
-        <p14:creationId xmlns:p14="http://schemas.microsoft.com/office/powerpoint/2010/main" val="3004601799"/>
       </p:ext>
     </p:extLst>
   </p:cSld>
